--- a/Presentations/Introduction to Machine Learning.pptx
+++ b/Presentations/Introduction to Machine Learning.pptx
@@ -116,6 +116,34 @@
     </a:lvl9pPr>
   </p:defaultTextStyle>
   <p:extLst>
+    <p:ext uri="{521415D9-36F7-43E2-AB2F-B90AF26B5E84}">
+      <p14:sectionLst xmlns:p14="http://schemas.microsoft.com/office/powerpoint/2010/main">
+        <p14:section name="Default Section" id="{02D2336C-FFF6-B14F-9B0F-B6E4A63525E4}">
+          <p14:sldIdLst>
+            <p14:sldId id="256"/>
+          </p14:sldIdLst>
+        </p14:section>
+        <p14:section name="Machine Learning" id="{7457CB9D-0AE1-0B40-AC5E-DE8F07FEB465}">
+          <p14:sldIdLst>
+            <p14:sldId id="257"/>
+            <p14:sldId id="258"/>
+            <p14:sldId id="259"/>
+            <p14:sldId id="260"/>
+            <p14:sldId id="261"/>
+            <p14:sldId id="262"/>
+            <p14:sldId id="263"/>
+            <p14:sldId id="264"/>
+          </p14:sldIdLst>
+        </p14:section>
+        <p14:section name="Linear Regression" id="{E255B8EB-9565-2B4D-8F83-01AD64CBD48D}">
+          <p14:sldIdLst>
+            <p14:sldId id="265"/>
+            <p14:sldId id="266"/>
+            <p14:sldId id="268"/>
+          </p14:sldIdLst>
+        </p14:section>
+      </p14:sectionLst>
+    </p:ext>
     <p:ext uri="{EFAFB233-063F-42B5-8137-9DF3F51BA10A}">
       <p15:sldGuideLst xmlns:p15="http://schemas.microsoft.com/office/powerpoint/2012/main"/>
     </p:ext>
@@ -853,7 +881,7 @@
             <a:fld id="{B61BEF0D-F0BB-DE4B-95CE-6DB70DBA9567}" type="datetimeFigureOut">
               <a:rPr lang="en-US" dirty="0"/>
               <a:pPr/>
-              <a:t>1/25/22</a:t>
+              <a:t>1/26/22</a:t>
             </a:fld>
             <a:endParaRPr lang="en-US" dirty="0"/>
           </a:p>
@@ -1105,7 +1133,7 @@
             <a:fld id="{B61BEF0D-F0BB-DE4B-95CE-6DB70DBA9567}" type="datetimeFigureOut">
               <a:rPr lang="en-US" dirty="0"/>
               <a:pPr/>
-              <a:t>1/25/22</a:t>
+              <a:t>1/26/22</a:t>
             </a:fld>
             <a:endParaRPr lang="en-US" dirty="0"/>
           </a:p>
@@ -1420,7 +1448,7 @@
             <a:fld id="{B61BEF0D-F0BB-DE4B-95CE-6DB70DBA9567}" type="datetimeFigureOut">
               <a:rPr lang="en-US" dirty="0"/>
               <a:pPr/>
-              <a:t>1/25/22</a:t>
+              <a:t>1/26/22</a:t>
             </a:fld>
             <a:endParaRPr lang="en-US" dirty="0"/>
           </a:p>
@@ -1762,7 +1790,7 @@
             <a:fld id="{B61BEF0D-F0BB-DE4B-95CE-6DB70DBA9567}" type="datetimeFigureOut">
               <a:rPr lang="en-US" dirty="0"/>
               <a:pPr/>
-              <a:t>1/25/22</a:t>
+              <a:t>1/26/22</a:t>
             </a:fld>
             <a:endParaRPr lang="en-US" dirty="0"/>
           </a:p>
@@ -2077,7 +2105,7 @@
             <a:fld id="{B61BEF0D-F0BB-DE4B-95CE-6DB70DBA9567}" type="datetimeFigureOut">
               <a:rPr lang="en-US" dirty="0"/>
               <a:pPr/>
-              <a:t>1/25/22</a:t>
+              <a:t>1/26/22</a:t>
             </a:fld>
             <a:endParaRPr lang="en-US" dirty="0"/>
           </a:p>
@@ -2471,7 +2499,7 @@
             <a:fld id="{B61BEF0D-F0BB-DE4B-95CE-6DB70DBA9567}" type="datetimeFigureOut">
               <a:rPr lang="en-US" dirty="0"/>
               <a:pPr/>
-              <a:t>1/25/22</a:t>
+              <a:t>1/26/22</a:t>
             </a:fld>
             <a:endParaRPr lang="en-US" dirty="0"/>
           </a:p>
@@ -2640,7 +2668,7 @@
           <a:p>
             <a:fld id="{55C6B4A9-1611-4792-9094-5F34BCA07E0B}" type="datetimeFigureOut">
               <a:rPr lang="en-US" dirty="0"/>
-              <a:t>1/25/22</a:t>
+              <a:t>1/26/22</a:t>
             </a:fld>
             <a:endParaRPr lang="en-US" dirty="0"/>
           </a:p>
@@ -2819,7 +2847,7 @@
             <a:fld id="{B61BEF0D-F0BB-DE4B-95CE-6DB70DBA9567}" type="datetimeFigureOut">
               <a:rPr lang="en-US" dirty="0"/>
               <a:pPr/>
-              <a:t>1/25/22</a:t>
+              <a:t>1/26/22</a:t>
             </a:fld>
             <a:endParaRPr lang="en-US" dirty="0"/>
           </a:p>
@@ -2995,7 +3023,7 @@
             <a:fld id="{B61BEF0D-F0BB-DE4B-95CE-6DB70DBA9567}" type="datetimeFigureOut">
               <a:rPr lang="en-US" dirty="0"/>
               <a:pPr/>
-              <a:t>1/25/22</a:t>
+              <a:t>1/26/22</a:t>
             </a:fld>
             <a:endParaRPr lang="en-US" dirty="0"/>
           </a:p>
@@ -3243,7 +3271,7 @@
             <a:fld id="{B61BEF0D-F0BB-DE4B-95CE-6DB70DBA9567}" type="datetimeFigureOut">
               <a:rPr lang="en-US" dirty="0"/>
               <a:pPr/>
-              <a:t>1/25/22</a:t>
+              <a:t>1/26/22</a:t>
             </a:fld>
             <a:endParaRPr lang="en-US" dirty="0"/>
           </a:p>
@@ -3473,7 +3501,7 @@
           <a:p>
             <a:fld id="{EB712588-04B1-427B-82EE-E8DB90309F08}" type="datetimeFigureOut">
               <a:rPr lang="en-US" dirty="0"/>
-              <a:t>1/25/22</a:t>
+              <a:t>1/26/22</a:t>
             </a:fld>
             <a:endParaRPr lang="en-US" dirty="0"/>
           </a:p>
@@ -3845,7 +3873,7 @@
             <a:fld id="{B61BEF0D-F0BB-DE4B-95CE-6DB70DBA9567}" type="datetimeFigureOut">
               <a:rPr lang="en-US" dirty="0"/>
               <a:pPr/>
-              <a:t>1/25/22</a:t>
+              <a:t>1/26/22</a:t>
             </a:fld>
             <a:endParaRPr lang="en-US" dirty="0"/>
           </a:p>
@@ -3969,7 +3997,7 @@
             <a:fld id="{B61BEF0D-F0BB-DE4B-95CE-6DB70DBA9567}" type="datetimeFigureOut">
               <a:rPr lang="en-US" dirty="0"/>
               <a:pPr/>
-              <a:t>1/25/22</a:t>
+              <a:t>1/26/22</a:t>
             </a:fld>
             <a:endParaRPr lang="en-US" dirty="0"/>
           </a:p>
@@ -4066,7 +4094,7 @@
             <a:fld id="{B61BEF0D-F0BB-DE4B-95CE-6DB70DBA9567}" type="datetimeFigureOut">
               <a:rPr lang="en-US" dirty="0"/>
               <a:pPr/>
-              <a:t>1/25/22</a:t>
+              <a:t>1/26/22</a:t>
             </a:fld>
             <a:endParaRPr lang="en-US" dirty="0"/>
           </a:p>
@@ -4320,7 +4348,7 @@
           <a:p>
             <a:fld id="{42A54C80-263E-416B-A8E0-580EDEADCBDC}" type="datetimeFigureOut">
               <a:rPr lang="en-US" dirty="0"/>
-              <a:t>1/25/22</a:t>
+              <a:t>1/26/22</a:t>
             </a:fld>
             <a:endParaRPr lang="en-US" dirty="0"/>
           </a:p>
@@ -4579,7 +4607,7 @@
             <a:fld id="{B61BEF0D-F0BB-DE4B-95CE-6DB70DBA9567}" type="datetimeFigureOut">
               <a:rPr lang="en-US" dirty="0"/>
               <a:pPr/>
-              <a:t>1/25/22</a:t>
+              <a:t>1/26/22</a:t>
             </a:fld>
             <a:endParaRPr lang="en-US" dirty="0"/>
           </a:p>
@@ -5322,7 +5350,7 @@
             <a:fld id="{B61BEF0D-F0BB-DE4B-95CE-6DB70DBA9567}" type="datetimeFigureOut">
               <a:rPr lang="en-US" dirty="0"/>
               <a:pPr/>
-              <a:t>1/25/22</a:t>
+              <a:t>1/26/22</a:t>
             </a:fld>
             <a:endParaRPr lang="en-US" dirty="0"/>
           </a:p>
@@ -6474,8 +6502,8 @@
           </a:p>
         </p:txBody>
       </p:sp>
-      <mc:AlternateContent xmlns:mc="http://schemas.openxmlformats.org/markup-compatibility/2006" xmlns:a14="http://schemas.microsoft.com/office/drawing/2010/main">
-        <mc:Choice Requires="a14">
+      <mc:AlternateContent xmlns:mc="http://schemas.openxmlformats.org/markup-compatibility/2006">
+        <mc:Choice xmlns:a14="http://schemas.microsoft.com/office/drawing/2010/main" Requires="a14">
           <p:sp>
             <p:nvSpPr>
               <p:cNvPr id="5" name="Content Placeholder 4">
@@ -6672,7 +6700,7 @@
             </p:txBody>
           </p:sp>
         </mc:Choice>
-        <mc:Fallback xmlns="">
+        <mc:Fallback>
           <p:sp>
             <p:nvSpPr>
               <p:cNvPr id="5" name="Content Placeholder 4">
@@ -8166,9 +8194,12 @@
 </file>
 
 <file path=customXml/item1.xml><?xml version="1.0" encoding="utf-8"?>
-<p:properties xmlns:p="http://schemas.microsoft.com/office/2006/metadata/properties" xmlns:xsi="http://www.w3.org/2001/XMLSchema-instance" xmlns:pc="http://schemas.microsoft.com/office/infopath/2007/PartnerControls">
-  <documentManagement/>
-</p:properties>
+<?mso-contentType ?>
+<FormTemplates xmlns="http://schemas.microsoft.com/sharepoint/v3/contenttype/forms">
+  <Display>DocumentLibraryForm</Display>
+  <Edit>DocumentLibraryForm</Edit>
+  <New>DocumentLibraryForm</New>
+</FormTemplates>
 </file>
 
 <file path=customXml/item2.xml><?xml version="1.0" encoding="utf-8"?>
@@ -8344,26 +8375,15 @@
 </file>
 
 <file path=customXml/item3.xml><?xml version="1.0" encoding="utf-8"?>
-<?mso-contentType ?>
-<FormTemplates xmlns="http://schemas.microsoft.com/sharepoint/v3/contenttype/forms">
-  <Display>DocumentLibraryForm</Display>
-  <Edit>DocumentLibraryForm</Edit>
-  <New>DocumentLibraryForm</New>
-</FormTemplates>
+<p:properties xmlns:p="http://schemas.microsoft.com/office/2006/metadata/properties" xmlns:xsi="http://www.w3.org/2001/XMLSchema-instance" xmlns:pc="http://schemas.microsoft.com/office/infopath/2007/PartnerControls">
+  <documentManagement/>
+</p:properties>
 </file>
 
 <file path=customXml/itemProps1.xml><?xml version="1.0" encoding="utf-8"?>
-<ds:datastoreItem xmlns:ds="http://schemas.openxmlformats.org/officeDocument/2006/customXml" ds:itemID="{0C813E75-B549-4BB2-ADE9-AC583B95A259}">
+<ds:datastoreItem xmlns:ds="http://schemas.openxmlformats.org/officeDocument/2006/customXml" ds:itemID="{E704A8FB-8897-4D5A-8E5F-8B030F42DD7E}">
   <ds:schemaRefs>
-    <ds:schemaRef ds:uri="http://purl.org/dc/dcmitype/"/>
-    <ds:schemaRef ds:uri="http://purl.org/dc/terms/"/>
-    <ds:schemaRef ds:uri="http://schemas.openxmlformats.org/package/2006/metadata/core-properties"/>
-    <ds:schemaRef ds:uri="http://schemas.microsoft.com/office/2006/documentManagement/types"/>
-    <ds:schemaRef ds:uri="http://purl.org/dc/elements/1.1/"/>
-    <ds:schemaRef ds:uri="http://schemas.microsoft.com/office/2006/metadata/properties"/>
-    <ds:schemaRef ds:uri="5d8c350d-e8cd-4f76-ac25-7766eae22281"/>
-    <ds:schemaRef ds:uri="http://schemas.microsoft.com/office/infopath/2007/PartnerControls"/>
-    <ds:schemaRef ds:uri="http://www.w3.org/XML/1998/namespace"/>
+    <ds:schemaRef ds:uri="http://schemas.microsoft.com/sharepoint/v3/contenttype/forms"/>
   </ds:schemaRefs>
 </ds:datastoreItem>
 </file>
@@ -8387,9 +8407,17 @@
 </file>
 
 <file path=customXml/itemProps3.xml><?xml version="1.0" encoding="utf-8"?>
-<ds:datastoreItem xmlns:ds="http://schemas.openxmlformats.org/officeDocument/2006/customXml" ds:itemID="{E704A8FB-8897-4D5A-8E5F-8B030F42DD7E}">
+<ds:datastoreItem xmlns:ds="http://schemas.openxmlformats.org/officeDocument/2006/customXml" ds:itemID="{0C813E75-B549-4BB2-ADE9-AC583B95A259}">
   <ds:schemaRefs>
-    <ds:schemaRef ds:uri="http://schemas.microsoft.com/sharepoint/v3/contenttype/forms"/>
+    <ds:schemaRef ds:uri="http://purl.org/dc/dcmitype/"/>
+    <ds:schemaRef ds:uri="http://purl.org/dc/terms/"/>
+    <ds:schemaRef ds:uri="http://schemas.openxmlformats.org/package/2006/metadata/core-properties"/>
+    <ds:schemaRef ds:uri="http://schemas.microsoft.com/office/2006/documentManagement/types"/>
+    <ds:schemaRef ds:uri="http://purl.org/dc/elements/1.1/"/>
+    <ds:schemaRef ds:uri="http://schemas.microsoft.com/office/2006/metadata/properties"/>
+    <ds:schemaRef ds:uri="5d8c350d-e8cd-4f76-ac25-7766eae22281"/>
+    <ds:schemaRef ds:uri="http://schemas.microsoft.com/office/infopath/2007/PartnerControls"/>
+    <ds:schemaRef ds:uri="http://www.w3.org/XML/1998/namespace"/>
   </ds:schemaRefs>
 </ds:datastoreItem>
 </file>
--- a/Presentations/Introduction to Machine Learning.pptx
+++ b/Presentations/Introduction to Machine Learning.pptx
@@ -3,20 +3,29 @@
 <p:presentation xmlns:a="http://schemas.openxmlformats.org/drawingml/2006/main" xmlns:r="http://schemas.openxmlformats.org/officeDocument/2006/relationships" xmlns:p="http://schemas.openxmlformats.org/presentationml/2006/main" saveSubsetFonts="1">
   <p:sldMasterIdLst>
     <p:sldMasterId id="2147483723" r:id="rId4"/>
+    <p:sldMasterId id="2147483726" r:id="rId5"/>
   </p:sldMasterIdLst>
   <p:sldIdLst>
-    <p:sldId id="256" r:id="rId5"/>
-    <p:sldId id="257" r:id="rId6"/>
-    <p:sldId id="258" r:id="rId7"/>
-    <p:sldId id="259" r:id="rId8"/>
-    <p:sldId id="260" r:id="rId9"/>
-    <p:sldId id="261" r:id="rId10"/>
-    <p:sldId id="262" r:id="rId11"/>
-    <p:sldId id="263" r:id="rId12"/>
-    <p:sldId id="264" r:id="rId13"/>
-    <p:sldId id="265" r:id="rId14"/>
-    <p:sldId id="266" r:id="rId15"/>
-    <p:sldId id="268" r:id="rId16"/>
+    <p:sldId id="256" r:id="rId6"/>
+    <p:sldId id="257" r:id="rId7"/>
+    <p:sldId id="258" r:id="rId8"/>
+    <p:sldId id="259" r:id="rId9"/>
+    <p:sldId id="260" r:id="rId10"/>
+    <p:sldId id="261" r:id="rId11"/>
+    <p:sldId id="262" r:id="rId12"/>
+    <p:sldId id="263" r:id="rId13"/>
+    <p:sldId id="264" r:id="rId14"/>
+    <p:sldId id="265" r:id="rId15"/>
+    <p:sldId id="266" r:id="rId16"/>
+    <p:sldId id="268" r:id="rId17"/>
+    <p:sldId id="271" r:id="rId18"/>
+    <p:sldId id="279" r:id="rId19"/>
+    <p:sldId id="280" r:id="rId20"/>
+    <p:sldId id="281" r:id="rId21"/>
+    <p:sldId id="282" r:id="rId22"/>
+    <p:sldId id="283" r:id="rId23"/>
+    <p:sldId id="284" r:id="rId24"/>
+    <p:sldId id="285" r:id="rId25"/>
   </p:sldIdLst>
   <p:sldSz cx="12192000" cy="6858000"/>
   <p:notesSz cx="6858000" cy="9144000"/>
@@ -116,34 +125,6 @@
     </a:lvl9pPr>
   </p:defaultTextStyle>
   <p:extLst>
-    <p:ext uri="{521415D9-36F7-43E2-AB2F-B90AF26B5E84}">
-      <p14:sectionLst xmlns:p14="http://schemas.microsoft.com/office/powerpoint/2010/main">
-        <p14:section name="Default Section" id="{02D2336C-FFF6-B14F-9B0F-B6E4A63525E4}">
-          <p14:sldIdLst>
-            <p14:sldId id="256"/>
-          </p14:sldIdLst>
-        </p14:section>
-        <p14:section name="Machine Learning" id="{7457CB9D-0AE1-0B40-AC5E-DE8F07FEB465}">
-          <p14:sldIdLst>
-            <p14:sldId id="257"/>
-            <p14:sldId id="258"/>
-            <p14:sldId id="259"/>
-            <p14:sldId id="260"/>
-            <p14:sldId id="261"/>
-            <p14:sldId id="262"/>
-            <p14:sldId id="263"/>
-            <p14:sldId id="264"/>
-          </p14:sldIdLst>
-        </p14:section>
-        <p14:section name="Linear Regression" id="{E255B8EB-9565-2B4D-8F83-01AD64CBD48D}">
-          <p14:sldIdLst>
-            <p14:sldId id="265"/>
-            <p14:sldId id="266"/>
-            <p14:sldId id="268"/>
-          </p14:sldIdLst>
-        </p14:section>
-      </p14:sectionLst>
-    </p:ext>
     <p:ext uri="{EFAFB233-063F-42B5-8137-9DF3F51BA10A}">
       <p15:sldGuideLst xmlns:p15="http://schemas.microsoft.com/office/powerpoint/2012/main"/>
     </p:ext>
@@ -154,10 +135,1843 @@
 <file path=ppt/revisionInfo.xml><?xml version="1.0" encoding="utf-8"?>
 <p1510:revInfo xmlns:a="http://schemas.openxmlformats.org/drawingml/2006/main" xmlns:r="http://schemas.openxmlformats.org/officeDocument/2006/relationships" xmlns:p1510="http://schemas.microsoft.com/office/powerpoint/2015/10/main">
   <p1510:revLst>
+    <p1510:client id="{2C6A122F-7688-C0CB-C218-08F680F202AE}" v="160" dt="2022-01-26T16:24:05.731"/>
     <p1510:client id="{40B2D085-0091-174B-8484-676C06257F5E}" v="790" dt="2022-01-24T19:49:07.888"/>
     <p1510:client id="{8457E5D9-C37A-43BC-8D9D-2086076BAF85}" v="15" dt="2022-01-23T20:38:47.160"/>
+    <p1510:client id="{F7DF1FE3-7B8F-ED1D-58A6-2366A43C53DF}" v="49" dt="2022-01-26T16:10:35.001"/>
   </p1510:revLst>
 </p1510:revInfo>
+</file>
+
+<file path=ppt/changesInfos/changesInfo1.xml><?xml version="1.0" encoding="utf-8"?>
+<pc:chgInfo xmlns:a="http://schemas.openxmlformats.org/drawingml/2006/main" xmlns:r="http://schemas.openxmlformats.org/officeDocument/2006/relationships" xmlns:ac="http://schemas.microsoft.com/office/drawing/2013/main/command" xmlns:pc="http://schemas.microsoft.com/office/powerpoint/2013/main/command">
+  <pc:docChgLst>
+    <pc:chgData name="Bujar Bakiu" userId="e904fb2c-68d1-467a-b390-8a296eef816a" providerId="ADAL" clId="{40B2D085-0091-174B-8484-676C06257F5E}"/>
+    <pc:docChg chg="undo custSel addSld delSld modSld sldOrd addSection delSection">
+      <pc:chgData name="Bujar Bakiu" userId="e904fb2c-68d1-467a-b390-8a296eef816a" providerId="ADAL" clId="{40B2D085-0091-174B-8484-676C06257F5E}" dt="2022-01-24T19:51:30.218" v="2815" actId="1076"/>
+      <pc:docMkLst>
+        <pc:docMk/>
+      </pc:docMkLst>
+      <pc:sldChg chg="modSp mod">
+        <pc:chgData name="Bujar Bakiu" userId="e904fb2c-68d1-467a-b390-8a296eef816a" providerId="ADAL" clId="{40B2D085-0091-174B-8484-676C06257F5E}" dt="2022-01-23T20:42:29.715" v="27" actId="20577"/>
+        <pc:sldMkLst>
+          <pc:docMk/>
+          <pc:sldMk cId="109857222" sldId="256"/>
+        </pc:sldMkLst>
+        <pc:spChg chg="mod">
+          <ac:chgData name="Bujar Bakiu" userId="e904fb2c-68d1-467a-b390-8a296eef816a" providerId="ADAL" clId="{40B2D085-0091-174B-8484-676C06257F5E}" dt="2022-01-23T20:42:25.181" v="19" actId="20577"/>
+          <ac:spMkLst>
+            <pc:docMk/>
+            <pc:sldMk cId="109857222" sldId="256"/>
+            <ac:spMk id="2" creationId="{00000000-0000-0000-0000-000000000000}"/>
+          </ac:spMkLst>
+        </pc:spChg>
+        <pc:spChg chg="mod">
+          <ac:chgData name="Bujar Bakiu" userId="e904fb2c-68d1-467a-b390-8a296eef816a" providerId="ADAL" clId="{40B2D085-0091-174B-8484-676C06257F5E}" dt="2022-01-23T20:42:29.715" v="27" actId="20577"/>
+          <ac:spMkLst>
+            <pc:docMk/>
+            <pc:sldMk cId="109857222" sldId="256"/>
+            <ac:spMk id="3" creationId="{00000000-0000-0000-0000-000000000000}"/>
+          </ac:spMkLst>
+        </pc:spChg>
+      </pc:sldChg>
+      <pc:sldChg chg="modSp new mod">
+        <pc:chgData name="Bujar Bakiu" userId="e904fb2c-68d1-467a-b390-8a296eef816a" providerId="ADAL" clId="{40B2D085-0091-174B-8484-676C06257F5E}" dt="2022-01-23T20:47:24.687" v="322" actId="20577"/>
+        <pc:sldMkLst>
+          <pc:docMk/>
+          <pc:sldMk cId="2626661609" sldId="257"/>
+        </pc:sldMkLst>
+        <pc:spChg chg="mod">
+          <ac:chgData name="Bujar Bakiu" userId="e904fb2c-68d1-467a-b390-8a296eef816a" providerId="ADAL" clId="{40B2D085-0091-174B-8484-676C06257F5E}" dt="2022-01-23T20:42:51.329" v="64" actId="20577"/>
+          <ac:spMkLst>
+            <pc:docMk/>
+            <pc:sldMk cId="2626661609" sldId="257"/>
+            <ac:spMk id="2" creationId="{637EE79D-202C-874E-BE57-8449DA96FF45}"/>
+          </ac:spMkLst>
+        </pc:spChg>
+        <pc:spChg chg="mod">
+          <ac:chgData name="Bujar Bakiu" userId="e904fb2c-68d1-467a-b390-8a296eef816a" providerId="ADAL" clId="{40B2D085-0091-174B-8484-676C06257F5E}" dt="2022-01-23T20:47:24.687" v="322" actId="20577"/>
+          <ac:spMkLst>
+            <pc:docMk/>
+            <pc:sldMk cId="2626661609" sldId="257"/>
+            <ac:spMk id="3" creationId="{3D723C95-B6C7-E542-955F-62FE41AFBD8D}"/>
+          </ac:spMkLst>
+        </pc:spChg>
+      </pc:sldChg>
+      <pc:sldChg chg="modSp new mod">
+        <pc:chgData name="Bujar Bakiu" userId="e904fb2c-68d1-467a-b390-8a296eef816a" providerId="ADAL" clId="{40B2D085-0091-174B-8484-676C06257F5E}" dt="2022-01-23T20:50:30.774" v="647" actId="20577"/>
+        <pc:sldMkLst>
+          <pc:docMk/>
+          <pc:sldMk cId="2182396043" sldId="258"/>
+        </pc:sldMkLst>
+        <pc:spChg chg="mod">
+          <ac:chgData name="Bujar Bakiu" userId="e904fb2c-68d1-467a-b390-8a296eef816a" providerId="ADAL" clId="{40B2D085-0091-174B-8484-676C06257F5E}" dt="2022-01-23T20:48:02.554" v="337" actId="20577"/>
+          <ac:spMkLst>
+            <pc:docMk/>
+            <pc:sldMk cId="2182396043" sldId="258"/>
+            <ac:spMk id="2" creationId="{9FF2DEB5-0DF6-F242-A546-039631816541}"/>
+          </ac:spMkLst>
+        </pc:spChg>
+        <pc:spChg chg="mod">
+          <ac:chgData name="Bujar Bakiu" userId="e904fb2c-68d1-467a-b390-8a296eef816a" providerId="ADAL" clId="{40B2D085-0091-174B-8484-676C06257F5E}" dt="2022-01-23T20:50:30.774" v="647" actId="20577"/>
+          <ac:spMkLst>
+            <pc:docMk/>
+            <pc:sldMk cId="2182396043" sldId="258"/>
+            <ac:spMk id="3" creationId="{DBB37D81-C687-0F4A-8B6E-2C604A7C9CFB}"/>
+          </ac:spMkLst>
+        </pc:spChg>
+      </pc:sldChg>
+      <pc:sldChg chg="modSp new mod">
+        <pc:chgData name="Bujar Bakiu" userId="e904fb2c-68d1-467a-b390-8a296eef816a" providerId="ADAL" clId="{40B2D085-0091-174B-8484-676C06257F5E}" dt="2022-01-23T21:24:20.479" v="1902" actId="20577"/>
+        <pc:sldMkLst>
+          <pc:docMk/>
+          <pc:sldMk cId="1570804832" sldId="259"/>
+        </pc:sldMkLst>
+        <pc:spChg chg="mod">
+          <ac:chgData name="Bujar Bakiu" userId="e904fb2c-68d1-467a-b390-8a296eef816a" providerId="ADAL" clId="{40B2D085-0091-174B-8484-676C06257F5E}" dt="2022-01-23T21:01:26.515" v="658" actId="20577"/>
+          <ac:spMkLst>
+            <pc:docMk/>
+            <pc:sldMk cId="1570804832" sldId="259"/>
+            <ac:spMk id="2" creationId="{2456231F-B107-F945-9CC5-232B8EF7B59F}"/>
+          </ac:spMkLst>
+        </pc:spChg>
+        <pc:spChg chg="mod">
+          <ac:chgData name="Bujar Bakiu" userId="e904fb2c-68d1-467a-b390-8a296eef816a" providerId="ADAL" clId="{40B2D085-0091-174B-8484-676C06257F5E}" dt="2022-01-23T21:24:20.479" v="1902" actId="20577"/>
+          <ac:spMkLst>
+            <pc:docMk/>
+            <pc:sldMk cId="1570804832" sldId="259"/>
+            <ac:spMk id="3" creationId="{E584B592-F813-AF44-8C29-8D329FC23F4B}"/>
+          </ac:spMkLst>
+        </pc:spChg>
+      </pc:sldChg>
+      <pc:sldChg chg="modSp new mod">
+        <pc:chgData name="Bujar Bakiu" userId="e904fb2c-68d1-467a-b390-8a296eef816a" providerId="ADAL" clId="{40B2D085-0091-174B-8484-676C06257F5E}" dt="2022-01-23T21:08:34.313" v="1055" actId="20577"/>
+        <pc:sldMkLst>
+          <pc:docMk/>
+          <pc:sldMk cId="1669087960" sldId="260"/>
+        </pc:sldMkLst>
+        <pc:spChg chg="mod">
+          <ac:chgData name="Bujar Bakiu" userId="e904fb2c-68d1-467a-b390-8a296eef816a" providerId="ADAL" clId="{40B2D085-0091-174B-8484-676C06257F5E}" dt="2022-01-23T21:04:18.196" v="882" actId="20577"/>
+          <ac:spMkLst>
+            <pc:docMk/>
+            <pc:sldMk cId="1669087960" sldId="260"/>
+            <ac:spMk id="2" creationId="{95CE3045-2E63-8E46-B1B5-0F60293BAEEF}"/>
+          </ac:spMkLst>
+        </pc:spChg>
+        <pc:spChg chg="mod">
+          <ac:chgData name="Bujar Bakiu" userId="e904fb2c-68d1-467a-b390-8a296eef816a" providerId="ADAL" clId="{40B2D085-0091-174B-8484-676C06257F5E}" dt="2022-01-23T21:08:34.313" v="1055" actId="20577"/>
+          <ac:spMkLst>
+            <pc:docMk/>
+            <pc:sldMk cId="1669087960" sldId="260"/>
+            <ac:spMk id="3" creationId="{5EEBFFA1-4A5E-4541-AA87-141F0CBA6F85}"/>
+          </ac:spMkLst>
+        </pc:spChg>
+      </pc:sldChg>
+      <pc:sldChg chg="modSp new mod">
+        <pc:chgData name="Bujar Bakiu" userId="e904fb2c-68d1-467a-b390-8a296eef816a" providerId="ADAL" clId="{40B2D085-0091-174B-8484-676C06257F5E}" dt="2022-01-23T21:10:30.437" v="1211" actId="20577"/>
+        <pc:sldMkLst>
+          <pc:docMk/>
+          <pc:sldMk cId="814827907" sldId="261"/>
+        </pc:sldMkLst>
+        <pc:spChg chg="mod">
+          <ac:chgData name="Bujar Bakiu" userId="e904fb2c-68d1-467a-b390-8a296eef816a" providerId="ADAL" clId="{40B2D085-0091-174B-8484-676C06257F5E}" dt="2022-01-23T21:04:29.129" v="905" actId="20577"/>
+          <ac:spMkLst>
+            <pc:docMk/>
+            <pc:sldMk cId="814827907" sldId="261"/>
+            <ac:spMk id="2" creationId="{E2A3310B-8E9B-4F44-9C39-AE3BF479A1CB}"/>
+          </ac:spMkLst>
+        </pc:spChg>
+        <pc:spChg chg="mod">
+          <ac:chgData name="Bujar Bakiu" userId="e904fb2c-68d1-467a-b390-8a296eef816a" providerId="ADAL" clId="{40B2D085-0091-174B-8484-676C06257F5E}" dt="2022-01-23T21:10:30.437" v="1211" actId="20577"/>
+          <ac:spMkLst>
+            <pc:docMk/>
+            <pc:sldMk cId="814827907" sldId="261"/>
+            <ac:spMk id="3" creationId="{966E2FD4-209B-2245-9E4F-1899C80F6E14}"/>
+          </ac:spMkLst>
+        </pc:spChg>
+      </pc:sldChg>
+      <pc:sldChg chg="modSp new mod">
+        <pc:chgData name="Bujar Bakiu" userId="e904fb2c-68d1-467a-b390-8a296eef816a" providerId="ADAL" clId="{40B2D085-0091-174B-8484-676C06257F5E}" dt="2022-01-23T21:15:20.967" v="1484" actId="20577"/>
+        <pc:sldMkLst>
+          <pc:docMk/>
+          <pc:sldMk cId="907886155" sldId="262"/>
+        </pc:sldMkLst>
+        <pc:spChg chg="mod">
+          <ac:chgData name="Bujar Bakiu" userId="e904fb2c-68d1-467a-b390-8a296eef816a" providerId="ADAL" clId="{40B2D085-0091-174B-8484-676C06257F5E}" dt="2022-01-23T21:12:14.432" v="1229" actId="20577"/>
+          <ac:spMkLst>
+            <pc:docMk/>
+            <pc:sldMk cId="907886155" sldId="262"/>
+            <ac:spMk id="2" creationId="{E211BE5F-5CF9-8E45-A524-802184E0B58E}"/>
+          </ac:spMkLst>
+        </pc:spChg>
+        <pc:spChg chg="mod">
+          <ac:chgData name="Bujar Bakiu" userId="e904fb2c-68d1-467a-b390-8a296eef816a" providerId="ADAL" clId="{40B2D085-0091-174B-8484-676C06257F5E}" dt="2022-01-23T21:15:20.967" v="1484" actId="20577"/>
+          <ac:spMkLst>
+            <pc:docMk/>
+            <pc:sldMk cId="907886155" sldId="262"/>
+            <ac:spMk id="3" creationId="{E27AF73E-0C94-9B48-8201-28C6C2C509C4}"/>
+          </ac:spMkLst>
+        </pc:spChg>
+      </pc:sldChg>
+      <pc:sldChg chg="modSp new mod">
+        <pc:chgData name="Bujar Bakiu" userId="e904fb2c-68d1-467a-b390-8a296eef816a" providerId="ADAL" clId="{40B2D085-0091-174B-8484-676C06257F5E}" dt="2022-01-23T21:18:39.539" v="1852" actId="20577"/>
+        <pc:sldMkLst>
+          <pc:docMk/>
+          <pc:sldMk cId="561338479" sldId="263"/>
+        </pc:sldMkLst>
+        <pc:spChg chg="mod">
+          <ac:chgData name="Bujar Bakiu" userId="e904fb2c-68d1-467a-b390-8a296eef816a" providerId="ADAL" clId="{40B2D085-0091-174B-8484-676C06257F5E}" dt="2022-01-23T21:15:42.089" v="1501" actId="20577"/>
+          <ac:spMkLst>
+            <pc:docMk/>
+            <pc:sldMk cId="561338479" sldId="263"/>
+            <ac:spMk id="2" creationId="{E6383271-68A8-714C-8100-2438192C0608}"/>
+          </ac:spMkLst>
+        </pc:spChg>
+        <pc:spChg chg="mod">
+          <ac:chgData name="Bujar Bakiu" userId="e904fb2c-68d1-467a-b390-8a296eef816a" providerId="ADAL" clId="{40B2D085-0091-174B-8484-676C06257F5E}" dt="2022-01-23T21:18:39.539" v="1852" actId="20577"/>
+          <ac:spMkLst>
+            <pc:docMk/>
+            <pc:sldMk cId="561338479" sldId="263"/>
+            <ac:spMk id="3" creationId="{9616F3C2-98F6-274A-8712-B86A668AF9F6}"/>
+          </ac:spMkLst>
+        </pc:spChg>
+      </pc:sldChg>
+      <pc:sldChg chg="modSp new mod">
+        <pc:chgData name="Bujar Bakiu" userId="e904fb2c-68d1-467a-b390-8a296eef816a" providerId="ADAL" clId="{40B2D085-0091-174B-8484-676C06257F5E}" dt="2022-01-23T21:27:40.389" v="2103"/>
+        <pc:sldMkLst>
+          <pc:docMk/>
+          <pc:sldMk cId="3341153812" sldId="264"/>
+        </pc:sldMkLst>
+        <pc:spChg chg="mod">
+          <ac:chgData name="Bujar Bakiu" userId="e904fb2c-68d1-467a-b390-8a296eef816a" providerId="ADAL" clId="{40B2D085-0091-174B-8484-676C06257F5E}" dt="2022-01-23T21:25:56.972" v="2058" actId="20577"/>
+          <ac:spMkLst>
+            <pc:docMk/>
+            <pc:sldMk cId="3341153812" sldId="264"/>
+            <ac:spMk id="2" creationId="{E7D278E8-D73C-7247-93B7-EEEBBB9EF48E}"/>
+          </ac:spMkLst>
+        </pc:spChg>
+        <pc:spChg chg="mod">
+          <ac:chgData name="Bujar Bakiu" userId="e904fb2c-68d1-467a-b390-8a296eef816a" providerId="ADAL" clId="{40B2D085-0091-174B-8484-676C06257F5E}" dt="2022-01-23T21:27:40.389" v="2103"/>
+          <ac:spMkLst>
+            <pc:docMk/>
+            <pc:sldMk cId="3341153812" sldId="264"/>
+            <ac:spMk id="3" creationId="{B3954006-BAFB-7040-9048-262798012CCC}"/>
+          </ac:spMkLst>
+        </pc:spChg>
+      </pc:sldChg>
+      <pc:sldChg chg="addSp modSp new mod">
+        <pc:chgData name="Bujar Bakiu" userId="e904fb2c-68d1-467a-b390-8a296eef816a" providerId="ADAL" clId="{40B2D085-0091-174B-8484-676C06257F5E}" dt="2022-01-24T07:20:09.256" v="2272" actId="1076"/>
+        <pc:sldMkLst>
+          <pc:docMk/>
+          <pc:sldMk cId="1924283105" sldId="265"/>
+        </pc:sldMkLst>
+        <pc:spChg chg="mod">
+          <ac:chgData name="Bujar Bakiu" userId="e904fb2c-68d1-467a-b390-8a296eef816a" providerId="ADAL" clId="{40B2D085-0091-174B-8484-676C06257F5E}" dt="2022-01-24T07:11:02.170" v="2123" actId="20577"/>
+          <ac:spMkLst>
+            <pc:docMk/>
+            <pc:sldMk cId="1924283105" sldId="265"/>
+            <ac:spMk id="2" creationId="{A6B5B88D-C646-8C4B-8A09-6936A4E9AAA6}"/>
+          </ac:spMkLst>
+        </pc:spChg>
+        <pc:spChg chg="mod">
+          <ac:chgData name="Bujar Bakiu" userId="e904fb2c-68d1-467a-b390-8a296eef816a" providerId="ADAL" clId="{40B2D085-0091-174B-8484-676C06257F5E}" dt="2022-01-24T07:15:19.528" v="2225" actId="1076"/>
+          <ac:spMkLst>
+            <pc:docMk/>
+            <pc:sldMk cId="1924283105" sldId="265"/>
+            <ac:spMk id="3" creationId="{1212C618-96EC-B14E-BAE4-BFDA3965F170}"/>
+          </ac:spMkLst>
+        </pc:spChg>
+        <pc:picChg chg="add mod">
+          <ac:chgData name="Bujar Bakiu" userId="e904fb2c-68d1-467a-b390-8a296eef816a" providerId="ADAL" clId="{40B2D085-0091-174B-8484-676C06257F5E}" dt="2022-01-24T07:19:52.966" v="2269" actId="1076"/>
+          <ac:picMkLst>
+            <pc:docMk/>
+            <pc:sldMk cId="1924283105" sldId="265"/>
+            <ac:picMk id="1026" creationId="{F4563556-8C42-0949-941D-550B8E713786}"/>
+          </ac:picMkLst>
+        </pc:picChg>
+        <pc:picChg chg="add mod">
+          <ac:chgData name="Bujar Bakiu" userId="e904fb2c-68d1-467a-b390-8a296eef816a" providerId="ADAL" clId="{40B2D085-0091-174B-8484-676C06257F5E}" dt="2022-01-24T07:20:09.256" v="2272" actId="1076"/>
+          <ac:picMkLst>
+            <pc:docMk/>
+            <pc:sldMk cId="1924283105" sldId="265"/>
+            <ac:picMk id="1028" creationId="{6C76FC52-EA28-CA4E-92C2-DB654C4DD6D7}"/>
+          </ac:picMkLst>
+        </pc:picChg>
+        <pc:picChg chg="add mod">
+          <ac:chgData name="Bujar Bakiu" userId="e904fb2c-68d1-467a-b390-8a296eef816a" providerId="ADAL" clId="{40B2D085-0091-174B-8484-676C06257F5E}" dt="2022-01-24T07:20:02.551" v="2271" actId="14100"/>
+          <ac:picMkLst>
+            <pc:docMk/>
+            <pc:sldMk cId="1924283105" sldId="265"/>
+            <ac:picMk id="1030" creationId="{94F93F17-F1A4-C242-8E9B-C251B9A8C0E3}"/>
+          </ac:picMkLst>
+        </pc:picChg>
+      </pc:sldChg>
+      <pc:sldChg chg="modSp new mod ord">
+        <pc:chgData name="Bujar Bakiu" userId="e904fb2c-68d1-467a-b390-8a296eef816a" providerId="ADAL" clId="{40B2D085-0091-174B-8484-676C06257F5E}" dt="2022-01-24T19:51:30.218" v="2815" actId="1076"/>
+        <pc:sldMkLst>
+          <pc:docMk/>
+          <pc:sldMk cId="1723124966" sldId="266"/>
+        </pc:sldMkLst>
+        <pc:spChg chg="mod">
+          <ac:chgData name="Bujar Bakiu" userId="e904fb2c-68d1-467a-b390-8a296eef816a" providerId="ADAL" clId="{40B2D085-0091-174B-8484-676C06257F5E}" dt="2022-01-24T19:28:53.088" v="2290" actId="20577"/>
+          <ac:spMkLst>
+            <pc:docMk/>
+            <pc:sldMk cId="1723124966" sldId="266"/>
+            <ac:spMk id="2" creationId="{2B8AF4A4-6033-044A-9B63-23DD5DE438A3}"/>
+          </ac:spMkLst>
+        </pc:spChg>
+        <pc:spChg chg="mod">
+          <ac:chgData name="Bujar Bakiu" userId="e904fb2c-68d1-467a-b390-8a296eef816a" providerId="ADAL" clId="{40B2D085-0091-174B-8484-676C06257F5E}" dt="2022-01-24T19:51:30.218" v="2815" actId="1076"/>
+          <ac:spMkLst>
+            <pc:docMk/>
+            <pc:sldMk cId="1723124966" sldId="266"/>
+            <ac:spMk id="3" creationId="{30AAC505-69B0-2744-A8B7-37AEDB87B895}"/>
+          </ac:spMkLst>
+        </pc:spChg>
+      </pc:sldChg>
+      <pc:sldChg chg="addSp delSp modSp new del mod">
+        <pc:chgData name="Bujar Bakiu" userId="e904fb2c-68d1-467a-b390-8a296eef816a" providerId="ADAL" clId="{40B2D085-0091-174B-8484-676C06257F5E}" dt="2022-01-24T19:48:50.186" v="2766" actId="2696"/>
+        <pc:sldMkLst>
+          <pc:docMk/>
+          <pc:sldMk cId="4084033360" sldId="267"/>
+        </pc:sldMkLst>
+        <pc:spChg chg="mod">
+          <ac:chgData name="Bujar Bakiu" userId="e904fb2c-68d1-467a-b390-8a296eef816a" providerId="ADAL" clId="{40B2D085-0091-174B-8484-676C06257F5E}" dt="2022-01-24T19:39:30.302" v="2539" actId="20577"/>
+          <ac:spMkLst>
+            <pc:docMk/>
+            <pc:sldMk cId="4084033360" sldId="267"/>
+            <ac:spMk id="2" creationId="{84E0B9B6-F55B-F347-B017-084C46D3E94C}"/>
+          </ac:spMkLst>
+        </pc:spChg>
+        <pc:spChg chg="del">
+          <ac:chgData name="Bujar Bakiu" userId="e904fb2c-68d1-467a-b390-8a296eef816a" providerId="ADAL" clId="{40B2D085-0091-174B-8484-676C06257F5E}" dt="2022-01-24T19:39:32.409" v="2540"/>
+          <ac:spMkLst>
+            <pc:docMk/>
+            <pc:sldMk cId="4084033360" sldId="267"/>
+            <ac:spMk id="3" creationId="{2DF75E66-C2ED-3D4A-A0BB-6A5D98E3A232}"/>
+          </ac:spMkLst>
+        </pc:spChg>
+        <pc:spChg chg="add del mod">
+          <ac:chgData name="Bujar Bakiu" userId="e904fb2c-68d1-467a-b390-8a296eef816a" providerId="ADAL" clId="{40B2D085-0091-174B-8484-676C06257F5E}" dt="2022-01-24T19:40:45.245" v="2553" actId="767"/>
+          <ac:spMkLst>
+            <pc:docMk/>
+            <pc:sldMk cId="4084033360" sldId="267"/>
+            <ac:spMk id="4" creationId="{A4A185F7-44F2-924D-AB83-1F59533B26AE}"/>
+          </ac:spMkLst>
+        </pc:spChg>
+        <pc:picChg chg="add mod">
+          <ac:chgData name="Bujar Bakiu" userId="e904fb2c-68d1-467a-b390-8a296eef816a" providerId="ADAL" clId="{40B2D085-0091-174B-8484-676C06257F5E}" dt="2022-01-24T19:40:28.156" v="2551" actId="1076"/>
+          <ac:picMkLst>
+            <pc:docMk/>
+            <pc:sldMk cId="4084033360" sldId="267"/>
+            <ac:picMk id="2050" creationId="{35613684-8636-8E42-B400-EE5E2C3D88D4}"/>
+          </ac:picMkLst>
+        </pc:picChg>
+      </pc:sldChg>
+      <pc:sldChg chg="addSp delSp modSp new mod modClrScheme chgLayout">
+        <pc:chgData name="Bujar Bakiu" userId="e904fb2c-68d1-467a-b390-8a296eef816a" providerId="ADAL" clId="{40B2D085-0091-174B-8484-676C06257F5E}" dt="2022-01-24T19:48:34.448" v="2765" actId="1076"/>
+        <pc:sldMkLst>
+          <pc:docMk/>
+          <pc:sldMk cId="3725228026" sldId="268"/>
+        </pc:sldMkLst>
+        <pc:spChg chg="del mod ord">
+          <ac:chgData name="Bujar Bakiu" userId="e904fb2c-68d1-467a-b390-8a296eef816a" providerId="ADAL" clId="{40B2D085-0091-174B-8484-676C06257F5E}" dt="2022-01-24T19:42:07.215" v="2559" actId="700"/>
+          <ac:spMkLst>
+            <pc:docMk/>
+            <pc:sldMk cId="3725228026" sldId="268"/>
+            <ac:spMk id="2" creationId="{F0C0C779-11FA-8D4E-BA37-2604870A420A}"/>
+          </ac:spMkLst>
+        </pc:spChg>
+        <pc:spChg chg="del mod ord">
+          <ac:chgData name="Bujar Bakiu" userId="e904fb2c-68d1-467a-b390-8a296eef816a" providerId="ADAL" clId="{40B2D085-0091-174B-8484-676C06257F5E}" dt="2022-01-24T19:42:07.215" v="2559" actId="700"/>
+          <ac:spMkLst>
+            <pc:docMk/>
+            <pc:sldMk cId="3725228026" sldId="268"/>
+            <ac:spMk id="3" creationId="{7A980B24-B963-8F40-89D9-3F58F615E88A}"/>
+          </ac:spMkLst>
+        </pc:spChg>
+        <pc:spChg chg="add mod ord">
+          <ac:chgData name="Bujar Bakiu" userId="e904fb2c-68d1-467a-b390-8a296eef816a" providerId="ADAL" clId="{40B2D085-0091-174B-8484-676C06257F5E}" dt="2022-01-24T19:42:46.027" v="2620" actId="20577"/>
+          <ac:spMkLst>
+            <pc:docMk/>
+            <pc:sldMk cId="3725228026" sldId="268"/>
+            <ac:spMk id="4" creationId="{0D034950-5D67-5C4F-8118-39C114B9035E}"/>
+          </ac:spMkLst>
+        </pc:spChg>
+        <pc:spChg chg="add mod ord">
+          <ac:chgData name="Bujar Bakiu" userId="e904fb2c-68d1-467a-b390-8a296eef816a" providerId="ADAL" clId="{40B2D085-0091-174B-8484-676C06257F5E}" dt="2022-01-24T19:48:34.448" v="2765" actId="1076"/>
+          <ac:spMkLst>
+            <pc:docMk/>
+            <pc:sldMk cId="3725228026" sldId="268"/>
+            <ac:spMk id="5" creationId="{9AA47376-ABD9-6940-A56A-89BB0631D317}"/>
+          </ac:spMkLst>
+        </pc:spChg>
+        <pc:spChg chg="add mod ord">
+          <ac:chgData name="Bujar Bakiu" userId="e904fb2c-68d1-467a-b390-8a296eef816a" providerId="ADAL" clId="{40B2D085-0091-174B-8484-676C06257F5E}" dt="2022-01-24T19:42:07.215" v="2559" actId="700"/>
+          <ac:spMkLst>
+            <pc:docMk/>
+            <pc:sldMk cId="3725228026" sldId="268"/>
+            <ac:spMk id="6" creationId="{6B226079-CE7D-3248-AE84-8E8EF7F10C08}"/>
+          </ac:spMkLst>
+        </pc:spChg>
+        <pc:picChg chg="add mod">
+          <ac:chgData name="Bujar Bakiu" userId="e904fb2c-68d1-467a-b390-8a296eef816a" providerId="ADAL" clId="{40B2D085-0091-174B-8484-676C06257F5E}" dt="2022-01-24T19:47:24.325" v="2710" actId="14100"/>
+          <ac:picMkLst>
+            <pc:docMk/>
+            <pc:sldMk cId="3725228026" sldId="268"/>
+            <ac:picMk id="3074" creationId="{B7FF701F-9958-464F-A850-D54C9AAA0FC0}"/>
+          </ac:picMkLst>
+        </pc:picChg>
+      </pc:sldChg>
+      <pc:sldChg chg="new del">
+        <pc:chgData name="Bujar Bakiu" userId="e904fb2c-68d1-467a-b390-8a296eef816a" providerId="ADAL" clId="{40B2D085-0091-174B-8484-676C06257F5E}" dt="2022-01-24T19:41:47.290" v="2558" actId="2696"/>
+        <pc:sldMkLst>
+          <pc:docMk/>
+          <pc:sldMk cId="1691914625" sldId="269"/>
+        </pc:sldMkLst>
+      </pc:sldChg>
+    </pc:docChg>
+  </pc:docChgLst>
+  <pc:docChgLst>
+    <pc:chgData name="Bujar Bakiu" userId="S::bujar@data-max.io::e904fb2c-68d1-467a-b390-8a296eef816a" providerId="AD" clId="Web-{8457E5D9-C37A-43BC-8D9D-2086076BAF85}"/>
+    <pc:docChg chg="modSld addMainMaster delMainMaster">
+      <pc:chgData name="Bujar Bakiu" userId="S::bujar@data-max.io::e904fb2c-68d1-467a-b390-8a296eef816a" providerId="AD" clId="Web-{8457E5D9-C37A-43BC-8D9D-2086076BAF85}" dt="2022-01-23T20:38:47.160" v="14" actId="20577"/>
+      <pc:docMkLst>
+        <pc:docMk/>
+      </pc:docMkLst>
+      <pc:sldChg chg="modSp mod modClrScheme chgLayout">
+        <pc:chgData name="Bujar Bakiu" userId="S::bujar@data-max.io::e904fb2c-68d1-467a-b390-8a296eef816a" providerId="AD" clId="Web-{8457E5D9-C37A-43BC-8D9D-2086076BAF85}" dt="2022-01-23T20:38:47.160" v="14" actId="20577"/>
+        <pc:sldMkLst>
+          <pc:docMk/>
+          <pc:sldMk cId="109857222" sldId="256"/>
+        </pc:sldMkLst>
+        <pc:spChg chg="mod ord">
+          <ac:chgData name="Bujar Bakiu" userId="S::bujar@data-max.io::e904fb2c-68d1-467a-b390-8a296eef816a" providerId="AD" clId="Web-{8457E5D9-C37A-43BC-8D9D-2086076BAF85}" dt="2022-01-23T20:38:47.160" v="14" actId="20577"/>
+          <ac:spMkLst>
+            <pc:docMk/>
+            <pc:sldMk cId="109857222" sldId="256"/>
+            <ac:spMk id="2" creationId="{00000000-0000-0000-0000-000000000000}"/>
+          </ac:spMkLst>
+        </pc:spChg>
+        <pc:spChg chg="mod ord">
+          <ac:chgData name="Bujar Bakiu" userId="S::bujar@data-max.io::e904fb2c-68d1-467a-b390-8a296eef816a" providerId="AD" clId="Web-{8457E5D9-C37A-43BC-8D9D-2086076BAF85}" dt="2022-01-23T20:38:18.784" v="3"/>
+          <ac:spMkLst>
+            <pc:docMk/>
+            <pc:sldMk cId="109857222" sldId="256"/>
+            <ac:spMk id="3" creationId="{00000000-0000-0000-0000-000000000000}"/>
+          </ac:spMkLst>
+        </pc:spChg>
+      </pc:sldChg>
+      <pc:sldMasterChg chg="del delSldLayout">
+        <pc:chgData name="Bujar Bakiu" userId="S::bujar@data-max.io::e904fb2c-68d1-467a-b390-8a296eef816a" providerId="AD" clId="Web-{8457E5D9-C37A-43BC-8D9D-2086076BAF85}" dt="2022-01-23T20:37:10.733" v="0"/>
+        <pc:sldMasterMkLst>
+          <pc:docMk/>
+          <pc:sldMasterMk cId="2460954070" sldId="2147483660"/>
+        </pc:sldMasterMkLst>
+        <pc:sldLayoutChg chg="del">
+          <pc:chgData name="Bujar Bakiu" userId="S::bujar@data-max.io::e904fb2c-68d1-467a-b390-8a296eef816a" providerId="AD" clId="Web-{8457E5D9-C37A-43BC-8D9D-2086076BAF85}" dt="2022-01-23T20:37:10.733" v="0"/>
+          <pc:sldLayoutMkLst>
+            <pc:docMk/>
+            <pc:sldMasterMk cId="2460954070" sldId="2147483660"/>
+            <pc:sldLayoutMk cId="2385387890" sldId="2147483661"/>
+          </pc:sldLayoutMkLst>
+        </pc:sldLayoutChg>
+        <pc:sldLayoutChg chg="del">
+          <pc:chgData name="Bujar Bakiu" userId="S::bujar@data-max.io::e904fb2c-68d1-467a-b390-8a296eef816a" providerId="AD" clId="Web-{8457E5D9-C37A-43BC-8D9D-2086076BAF85}" dt="2022-01-23T20:37:10.733" v="0"/>
+          <pc:sldLayoutMkLst>
+            <pc:docMk/>
+            <pc:sldMasterMk cId="2460954070" sldId="2147483660"/>
+            <pc:sldLayoutMk cId="949138452" sldId="2147483662"/>
+          </pc:sldLayoutMkLst>
+        </pc:sldLayoutChg>
+        <pc:sldLayoutChg chg="del">
+          <pc:chgData name="Bujar Bakiu" userId="S::bujar@data-max.io::e904fb2c-68d1-467a-b390-8a296eef816a" providerId="AD" clId="Web-{8457E5D9-C37A-43BC-8D9D-2086076BAF85}" dt="2022-01-23T20:37:10.733" v="0"/>
+          <pc:sldLayoutMkLst>
+            <pc:docMk/>
+            <pc:sldMasterMk cId="2460954070" sldId="2147483660"/>
+            <pc:sldLayoutMk cId="2591524520" sldId="2147483663"/>
+          </pc:sldLayoutMkLst>
+        </pc:sldLayoutChg>
+        <pc:sldLayoutChg chg="del">
+          <pc:chgData name="Bujar Bakiu" userId="S::bujar@data-max.io::e904fb2c-68d1-467a-b390-8a296eef816a" providerId="AD" clId="Web-{8457E5D9-C37A-43BC-8D9D-2086076BAF85}" dt="2022-01-23T20:37:10.733" v="0"/>
+          <pc:sldLayoutMkLst>
+            <pc:docMk/>
+            <pc:sldMasterMk cId="2460954070" sldId="2147483660"/>
+            <pc:sldLayoutMk cId="1203092039" sldId="2147483664"/>
+          </pc:sldLayoutMkLst>
+        </pc:sldLayoutChg>
+        <pc:sldLayoutChg chg="del">
+          <pc:chgData name="Bujar Bakiu" userId="S::bujar@data-max.io::e904fb2c-68d1-467a-b390-8a296eef816a" providerId="AD" clId="Web-{8457E5D9-C37A-43BC-8D9D-2086076BAF85}" dt="2022-01-23T20:37:10.733" v="0"/>
+          <pc:sldLayoutMkLst>
+            <pc:docMk/>
+            <pc:sldMasterMk cId="2460954070" sldId="2147483660"/>
+            <pc:sldLayoutMk cId="3733172339" sldId="2147483665"/>
+          </pc:sldLayoutMkLst>
+        </pc:sldLayoutChg>
+        <pc:sldLayoutChg chg="del">
+          <pc:chgData name="Bujar Bakiu" userId="S::bujar@data-max.io::e904fb2c-68d1-467a-b390-8a296eef816a" providerId="AD" clId="Web-{8457E5D9-C37A-43BC-8D9D-2086076BAF85}" dt="2022-01-23T20:37:10.733" v="0"/>
+          <pc:sldLayoutMkLst>
+            <pc:docMk/>
+            <pc:sldMasterMk cId="2460954070" sldId="2147483660"/>
+            <pc:sldLayoutMk cId="3210312558" sldId="2147483666"/>
+          </pc:sldLayoutMkLst>
+        </pc:sldLayoutChg>
+        <pc:sldLayoutChg chg="del">
+          <pc:chgData name="Bujar Bakiu" userId="S::bujar@data-max.io::e904fb2c-68d1-467a-b390-8a296eef816a" providerId="AD" clId="Web-{8457E5D9-C37A-43BC-8D9D-2086076BAF85}" dt="2022-01-23T20:37:10.733" v="0"/>
+          <pc:sldLayoutMkLst>
+            <pc:docMk/>
+            <pc:sldMasterMk cId="2460954070" sldId="2147483660"/>
+            <pc:sldLayoutMk cId="3146388984" sldId="2147483667"/>
+          </pc:sldLayoutMkLst>
+        </pc:sldLayoutChg>
+        <pc:sldLayoutChg chg="del">
+          <pc:chgData name="Bujar Bakiu" userId="S::bujar@data-max.io::e904fb2c-68d1-467a-b390-8a296eef816a" providerId="AD" clId="Web-{8457E5D9-C37A-43BC-8D9D-2086076BAF85}" dt="2022-01-23T20:37:10.733" v="0"/>
+          <pc:sldLayoutMkLst>
+            <pc:docMk/>
+            <pc:sldMasterMk cId="2460954070" sldId="2147483660"/>
+            <pc:sldLayoutMk cId="3171841454" sldId="2147483668"/>
+          </pc:sldLayoutMkLst>
+        </pc:sldLayoutChg>
+        <pc:sldLayoutChg chg="del">
+          <pc:chgData name="Bujar Bakiu" userId="S::bujar@data-max.io::e904fb2c-68d1-467a-b390-8a296eef816a" providerId="AD" clId="Web-{8457E5D9-C37A-43BC-8D9D-2086076BAF85}" dt="2022-01-23T20:37:10.733" v="0"/>
+          <pc:sldLayoutMkLst>
+            <pc:docMk/>
+            <pc:sldMasterMk cId="2460954070" sldId="2147483660"/>
+            <pc:sldLayoutMk cId="1718958274" sldId="2147483669"/>
+          </pc:sldLayoutMkLst>
+        </pc:sldLayoutChg>
+        <pc:sldLayoutChg chg="del">
+          <pc:chgData name="Bujar Bakiu" userId="S::bujar@data-max.io::e904fb2c-68d1-467a-b390-8a296eef816a" providerId="AD" clId="Web-{8457E5D9-C37A-43BC-8D9D-2086076BAF85}" dt="2022-01-23T20:37:10.733" v="0"/>
+          <pc:sldLayoutMkLst>
+            <pc:docMk/>
+            <pc:sldMasterMk cId="2460954070" sldId="2147483660"/>
+            <pc:sldLayoutMk cId="2202905451" sldId="2147483670"/>
+          </pc:sldLayoutMkLst>
+        </pc:sldLayoutChg>
+        <pc:sldLayoutChg chg="del">
+          <pc:chgData name="Bujar Bakiu" userId="S::bujar@data-max.io::e904fb2c-68d1-467a-b390-8a296eef816a" providerId="AD" clId="Web-{8457E5D9-C37A-43BC-8D9D-2086076BAF85}" dt="2022-01-23T20:37:10.733" v="0"/>
+          <pc:sldLayoutMkLst>
+            <pc:docMk/>
+            <pc:sldMasterMk cId="2460954070" sldId="2147483660"/>
+            <pc:sldLayoutMk cId="3479445657" sldId="2147483671"/>
+          </pc:sldLayoutMkLst>
+        </pc:sldLayoutChg>
+      </pc:sldMasterChg>
+      <pc:sldMasterChg chg="add del addSldLayout delSldLayout modSldLayout">
+        <pc:chgData name="Bujar Bakiu" userId="S::bujar@data-max.io::e904fb2c-68d1-467a-b390-8a296eef816a" providerId="AD" clId="Web-{8457E5D9-C37A-43BC-8D9D-2086076BAF85}" dt="2022-01-23T20:37:22.624" v="1"/>
+        <pc:sldMasterMkLst>
+          <pc:docMk/>
+          <pc:sldMasterMk cId="3729348704" sldId="2147483672"/>
+        </pc:sldMasterMkLst>
+        <pc:sldLayoutChg chg="add del mod replId">
+          <pc:chgData name="Bujar Bakiu" userId="S::bujar@data-max.io::e904fb2c-68d1-467a-b390-8a296eef816a" providerId="AD" clId="Web-{8457E5D9-C37A-43BC-8D9D-2086076BAF85}" dt="2022-01-23T20:37:22.624" v="1"/>
+          <pc:sldLayoutMkLst>
+            <pc:docMk/>
+            <pc:sldMasterMk cId="3729348704" sldId="2147483672"/>
+            <pc:sldLayoutMk cId="1023298459" sldId="2147483673"/>
+          </pc:sldLayoutMkLst>
+        </pc:sldLayoutChg>
+        <pc:sldLayoutChg chg="add del mod replId">
+          <pc:chgData name="Bujar Bakiu" userId="S::bujar@data-max.io::e904fb2c-68d1-467a-b390-8a296eef816a" providerId="AD" clId="Web-{8457E5D9-C37A-43BC-8D9D-2086076BAF85}" dt="2022-01-23T20:37:22.624" v="1"/>
+          <pc:sldLayoutMkLst>
+            <pc:docMk/>
+            <pc:sldMasterMk cId="3729348704" sldId="2147483672"/>
+            <pc:sldLayoutMk cId="263291467" sldId="2147483674"/>
+          </pc:sldLayoutMkLst>
+        </pc:sldLayoutChg>
+        <pc:sldLayoutChg chg="add del mod replId">
+          <pc:chgData name="Bujar Bakiu" userId="S::bujar@data-max.io::e904fb2c-68d1-467a-b390-8a296eef816a" providerId="AD" clId="Web-{8457E5D9-C37A-43BC-8D9D-2086076BAF85}" dt="2022-01-23T20:37:22.624" v="1"/>
+          <pc:sldLayoutMkLst>
+            <pc:docMk/>
+            <pc:sldMasterMk cId="3729348704" sldId="2147483672"/>
+            <pc:sldLayoutMk cId="2974233018" sldId="2147483675"/>
+          </pc:sldLayoutMkLst>
+        </pc:sldLayoutChg>
+        <pc:sldLayoutChg chg="add del mod replId">
+          <pc:chgData name="Bujar Bakiu" userId="S::bujar@data-max.io::e904fb2c-68d1-467a-b390-8a296eef816a" providerId="AD" clId="Web-{8457E5D9-C37A-43BC-8D9D-2086076BAF85}" dt="2022-01-23T20:37:22.624" v="1"/>
+          <pc:sldLayoutMkLst>
+            <pc:docMk/>
+            <pc:sldMasterMk cId="3729348704" sldId="2147483672"/>
+            <pc:sldLayoutMk cId="3314831658" sldId="2147483676"/>
+          </pc:sldLayoutMkLst>
+        </pc:sldLayoutChg>
+        <pc:sldLayoutChg chg="add del mod replId">
+          <pc:chgData name="Bujar Bakiu" userId="S::bujar@data-max.io::e904fb2c-68d1-467a-b390-8a296eef816a" providerId="AD" clId="Web-{8457E5D9-C37A-43BC-8D9D-2086076BAF85}" dt="2022-01-23T20:37:22.624" v="1"/>
+          <pc:sldLayoutMkLst>
+            <pc:docMk/>
+            <pc:sldMasterMk cId="3729348704" sldId="2147483672"/>
+            <pc:sldLayoutMk cId="307257006" sldId="2147483677"/>
+          </pc:sldLayoutMkLst>
+        </pc:sldLayoutChg>
+        <pc:sldLayoutChg chg="add del mod replId">
+          <pc:chgData name="Bujar Bakiu" userId="S::bujar@data-max.io::e904fb2c-68d1-467a-b390-8a296eef816a" providerId="AD" clId="Web-{8457E5D9-C37A-43BC-8D9D-2086076BAF85}" dt="2022-01-23T20:37:22.624" v="1"/>
+          <pc:sldLayoutMkLst>
+            <pc:docMk/>
+            <pc:sldMasterMk cId="3729348704" sldId="2147483672"/>
+            <pc:sldLayoutMk cId="4047775820" sldId="2147483678"/>
+          </pc:sldLayoutMkLst>
+        </pc:sldLayoutChg>
+        <pc:sldLayoutChg chg="add del mod replId">
+          <pc:chgData name="Bujar Bakiu" userId="S::bujar@data-max.io::e904fb2c-68d1-467a-b390-8a296eef816a" providerId="AD" clId="Web-{8457E5D9-C37A-43BC-8D9D-2086076BAF85}" dt="2022-01-23T20:37:22.624" v="1"/>
+          <pc:sldLayoutMkLst>
+            <pc:docMk/>
+            <pc:sldMasterMk cId="3729348704" sldId="2147483672"/>
+            <pc:sldLayoutMk cId="3526519931" sldId="2147483679"/>
+          </pc:sldLayoutMkLst>
+        </pc:sldLayoutChg>
+        <pc:sldLayoutChg chg="add del mod replId">
+          <pc:chgData name="Bujar Bakiu" userId="S::bujar@data-max.io::e904fb2c-68d1-467a-b390-8a296eef816a" providerId="AD" clId="Web-{8457E5D9-C37A-43BC-8D9D-2086076BAF85}" dt="2022-01-23T20:37:22.624" v="1"/>
+          <pc:sldLayoutMkLst>
+            <pc:docMk/>
+            <pc:sldMasterMk cId="3729348704" sldId="2147483672"/>
+            <pc:sldLayoutMk cId="3716692035" sldId="2147483680"/>
+          </pc:sldLayoutMkLst>
+        </pc:sldLayoutChg>
+        <pc:sldLayoutChg chg="add del mod replId">
+          <pc:chgData name="Bujar Bakiu" userId="S::bujar@data-max.io::e904fb2c-68d1-467a-b390-8a296eef816a" providerId="AD" clId="Web-{8457E5D9-C37A-43BC-8D9D-2086076BAF85}" dt="2022-01-23T20:37:22.624" v="1"/>
+          <pc:sldLayoutMkLst>
+            <pc:docMk/>
+            <pc:sldMasterMk cId="3729348704" sldId="2147483672"/>
+            <pc:sldLayoutMk cId="198743542" sldId="2147483681"/>
+          </pc:sldLayoutMkLst>
+        </pc:sldLayoutChg>
+        <pc:sldLayoutChg chg="add del mod replId">
+          <pc:chgData name="Bujar Bakiu" userId="S::bujar@data-max.io::e904fb2c-68d1-467a-b390-8a296eef816a" providerId="AD" clId="Web-{8457E5D9-C37A-43BC-8D9D-2086076BAF85}" dt="2022-01-23T20:37:22.624" v="1"/>
+          <pc:sldLayoutMkLst>
+            <pc:docMk/>
+            <pc:sldMasterMk cId="3729348704" sldId="2147483672"/>
+            <pc:sldLayoutMk cId="3241394367" sldId="2147483682"/>
+          </pc:sldLayoutMkLst>
+        </pc:sldLayoutChg>
+        <pc:sldLayoutChg chg="add del mod replId">
+          <pc:chgData name="Bujar Bakiu" userId="S::bujar@data-max.io::e904fb2c-68d1-467a-b390-8a296eef816a" providerId="AD" clId="Web-{8457E5D9-C37A-43BC-8D9D-2086076BAF85}" dt="2022-01-23T20:37:22.624" v="1"/>
+          <pc:sldLayoutMkLst>
+            <pc:docMk/>
+            <pc:sldMasterMk cId="3729348704" sldId="2147483672"/>
+            <pc:sldLayoutMk cId="606088986" sldId="2147483683"/>
+          </pc:sldLayoutMkLst>
+        </pc:sldLayoutChg>
+        <pc:sldLayoutChg chg="add del mod replId">
+          <pc:chgData name="Bujar Bakiu" userId="S::bujar@data-max.io::e904fb2c-68d1-467a-b390-8a296eef816a" providerId="AD" clId="Web-{8457E5D9-C37A-43BC-8D9D-2086076BAF85}" dt="2022-01-23T20:37:22.624" v="1"/>
+          <pc:sldLayoutMkLst>
+            <pc:docMk/>
+            <pc:sldMasterMk cId="3729348704" sldId="2147483672"/>
+            <pc:sldLayoutMk cId="1184535212" sldId="2147483684"/>
+          </pc:sldLayoutMkLst>
+        </pc:sldLayoutChg>
+        <pc:sldLayoutChg chg="add del mod replId">
+          <pc:chgData name="Bujar Bakiu" userId="S::bujar@data-max.io::e904fb2c-68d1-467a-b390-8a296eef816a" providerId="AD" clId="Web-{8457E5D9-C37A-43BC-8D9D-2086076BAF85}" dt="2022-01-23T20:37:22.624" v="1"/>
+          <pc:sldLayoutMkLst>
+            <pc:docMk/>
+            <pc:sldMasterMk cId="3729348704" sldId="2147483672"/>
+            <pc:sldLayoutMk cId="4244921132" sldId="2147483685"/>
+          </pc:sldLayoutMkLst>
+        </pc:sldLayoutChg>
+        <pc:sldLayoutChg chg="add del mod replId">
+          <pc:chgData name="Bujar Bakiu" userId="S::bujar@data-max.io::e904fb2c-68d1-467a-b390-8a296eef816a" providerId="AD" clId="Web-{8457E5D9-C37A-43BC-8D9D-2086076BAF85}" dt="2022-01-23T20:37:22.624" v="1"/>
+          <pc:sldLayoutMkLst>
+            <pc:docMk/>
+            <pc:sldMasterMk cId="3729348704" sldId="2147483672"/>
+            <pc:sldLayoutMk cId="4099377049" sldId="2147483686"/>
+          </pc:sldLayoutMkLst>
+        </pc:sldLayoutChg>
+        <pc:sldLayoutChg chg="add del mod replId">
+          <pc:chgData name="Bujar Bakiu" userId="S::bujar@data-max.io::e904fb2c-68d1-467a-b390-8a296eef816a" providerId="AD" clId="Web-{8457E5D9-C37A-43BC-8D9D-2086076BAF85}" dt="2022-01-23T20:37:22.624" v="1"/>
+          <pc:sldLayoutMkLst>
+            <pc:docMk/>
+            <pc:sldMasterMk cId="3729348704" sldId="2147483672"/>
+            <pc:sldLayoutMk cId="2603776077" sldId="2147483687"/>
+          </pc:sldLayoutMkLst>
+        </pc:sldLayoutChg>
+        <pc:sldLayoutChg chg="add del mod replId">
+          <pc:chgData name="Bujar Bakiu" userId="S::bujar@data-max.io::e904fb2c-68d1-467a-b390-8a296eef816a" providerId="AD" clId="Web-{8457E5D9-C37A-43BC-8D9D-2086076BAF85}" dt="2022-01-23T20:37:22.624" v="1"/>
+          <pc:sldLayoutMkLst>
+            <pc:docMk/>
+            <pc:sldMasterMk cId="3729348704" sldId="2147483672"/>
+            <pc:sldLayoutMk cId="189762358" sldId="2147483688"/>
+          </pc:sldLayoutMkLst>
+        </pc:sldLayoutChg>
+      </pc:sldMasterChg>
+      <pc:sldMasterChg chg="add del addSldLayout delSldLayout modSldLayout">
+        <pc:chgData name="Bujar Bakiu" userId="S::bujar@data-max.io::e904fb2c-68d1-467a-b390-8a296eef816a" providerId="AD" clId="Web-{8457E5D9-C37A-43BC-8D9D-2086076BAF85}" dt="2022-01-23T20:37:28.421" v="2"/>
+        <pc:sldMasterMkLst>
+          <pc:docMk/>
+          <pc:sldMasterMk cId="499797849" sldId="2147483689"/>
+        </pc:sldMasterMkLst>
+        <pc:sldLayoutChg chg="add del mod replId">
+          <pc:chgData name="Bujar Bakiu" userId="S::bujar@data-max.io::e904fb2c-68d1-467a-b390-8a296eef816a" providerId="AD" clId="Web-{8457E5D9-C37A-43BC-8D9D-2086076BAF85}" dt="2022-01-23T20:37:28.421" v="2"/>
+          <pc:sldLayoutMkLst>
+            <pc:docMk/>
+            <pc:sldMasterMk cId="499797849" sldId="2147483689"/>
+            <pc:sldLayoutMk cId="1095773658" sldId="2147483690"/>
+          </pc:sldLayoutMkLst>
+        </pc:sldLayoutChg>
+        <pc:sldLayoutChg chg="add del mod replId">
+          <pc:chgData name="Bujar Bakiu" userId="S::bujar@data-max.io::e904fb2c-68d1-467a-b390-8a296eef816a" providerId="AD" clId="Web-{8457E5D9-C37A-43BC-8D9D-2086076BAF85}" dt="2022-01-23T20:37:28.421" v="2"/>
+          <pc:sldLayoutMkLst>
+            <pc:docMk/>
+            <pc:sldMasterMk cId="499797849" sldId="2147483689"/>
+            <pc:sldLayoutMk cId="3739659774" sldId="2147483691"/>
+          </pc:sldLayoutMkLst>
+        </pc:sldLayoutChg>
+        <pc:sldLayoutChg chg="add del mod replId">
+          <pc:chgData name="Bujar Bakiu" userId="S::bujar@data-max.io::e904fb2c-68d1-467a-b390-8a296eef816a" providerId="AD" clId="Web-{8457E5D9-C37A-43BC-8D9D-2086076BAF85}" dt="2022-01-23T20:37:28.421" v="2"/>
+          <pc:sldLayoutMkLst>
+            <pc:docMk/>
+            <pc:sldMasterMk cId="499797849" sldId="2147483689"/>
+            <pc:sldLayoutMk cId="1523153782" sldId="2147483692"/>
+          </pc:sldLayoutMkLst>
+        </pc:sldLayoutChg>
+        <pc:sldLayoutChg chg="add del mod replId">
+          <pc:chgData name="Bujar Bakiu" userId="S::bujar@data-max.io::e904fb2c-68d1-467a-b390-8a296eef816a" providerId="AD" clId="Web-{8457E5D9-C37A-43BC-8D9D-2086076BAF85}" dt="2022-01-23T20:37:28.421" v="2"/>
+          <pc:sldLayoutMkLst>
+            <pc:docMk/>
+            <pc:sldMasterMk cId="499797849" sldId="2147483689"/>
+            <pc:sldLayoutMk cId="3172702159" sldId="2147483693"/>
+          </pc:sldLayoutMkLst>
+        </pc:sldLayoutChg>
+        <pc:sldLayoutChg chg="add del mod replId">
+          <pc:chgData name="Bujar Bakiu" userId="S::bujar@data-max.io::e904fb2c-68d1-467a-b390-8a296eef816a" providerId="AD" clId="Web-{8457E5D9-C37A-43BC-8D9D-2086076BAF85}" dt="2022-01-23T20:37:28.421" v="2"/>
+          <pc:sldLayoutMkLst>
+            <pc:docMk/>
+            <pc:sldMasterMk cId="499797849" sldId="2147483689"/>
+            <pc:sldLayoutMk cId="3024509887" sldId="2147483694"/>
+          </pc:sldLayoutMkLst>
+        </pc:sldLayoutChg>
+        <pc:sldLayoutChg chg="add del mod replId">
+          <pc:chgData name="Bujar Bakiu" userId="S::bujar@data-max.io::e904fb2c-68d1-467a-b390-8a296eef816a" providerId="AD" clId="Web-{8457E5D9-C37A-43BC-8D9D-2086076BAF85}" dt="2022-01-23T20:37:28.421" v="2"/>
+          <pc:sldLayoutMkLst>
+            <pc:docMk/>
+            <pc:sldMasterMk cId="499797849" sldId="2147483689"/>
+            <pc:sldLayoutMk cId="3532777287" sldId="2147483695"/>
+          </pc:sldLayoutMkLst>
+        </pc:sldLayoutChg>
+        <pc:sldLayoutChg chg="add del mod replId">
+          <pc:chgData name="Bujar Bakiu" userId="S::bujar@data-max.io::e904fb2c-68d1-467a-b390-8a296eef816a" providerId="AD" clId="Web-{8457E5D9-C37A-43BC-8D9D-2086076BAF85}" dt="2022-01-23T20:37:28.421" v="2"/>
+          <pc:sldLayoutMkLst>
+            <pc:docMk/>
+            <pc:sldMasterMk cId="499797849" sldId="2147483689"/>
+            <pc:sldLayoutMk cId="1793755476" sldId="2147483696"/>
+          </pc:sldLayoutMkLst>
+        </pc:sldLayoutChg>
+        <pc:sldLayoutChg chg="add del mod replId">
+          <pc:chgData name="Bujar Bakiu" userId="S::bujar@data-max.io::e904fb2c-68d1-467a-b390-8a296eef816a" providerId="AD" clId="Web-{8457E5D9-C37A-43BC-8D9D-2086076BAF85}" dt="2022-01-23T20:37:28.421" v="2"/>
+          <pc:sldLayoutMkLst>
+            <pc:docMk/>
+            <pc:sldMasterMk cId="499797849" sldId="2147483689"/>
+            <pc:sldLayoutMk cId="1114427823" sldId="2147483697"/>
+          </pc:sldLayoutMkLst>
+        </pc:sldLayoutChg>
+        <pc:sldLayoutChg chg="add del mod replId">
+          <pc:chgData name="Bujar Bakiu" userId="S::bujar@data-max.io::e904fb2c-68d1-467a-b390-8a296eef816a" providerId="AD" clId="Web-{8457E5D9-C37A-43BC-8D9D-2086076BAF85}" dt="2022-01-23T20:37:28.421" v="2"/>
+          <pc:sldLayoutMkLst>
+            <pc:docMk/>
+            <pc:sldMasterMk cId="499797849" sldId="2147483689"/>
+            <pc:sldLayoutMk cId="501061108" sldId="2147483698"/>
+          </pc:sldLayoutMkLst>
+        </pc:sldLayoutChg>
+        <pc:sldLayoutChg chg="add del mod replId">
+          <pc:chgData name="Bujar Bakiu" userId="S::bujar@data-max.io::e904fb2c-68d1-467a-b390-8a296eef816a" providerId="AD" clId="Web-{8457E5D9-C37A-43BC-8D9D-2086076BAF85}" dt="2022-01-23T20:37:28.421" v="2"/>
+          <pc:sldLayoutMkLst>
+            <pc:docMk/>
+            <pc:sldMasterMk cId="499797849" sldId="2147483689"/>
+            <pc:sldLayoutMk cId="3589413022" sldId="2147483699"/>
+          </pc:sldLayoutMkLst>
+        </pc:sldLayoutChg>
+        <pc:sldLayoutChg chg="add del mod replId">
+          <pc:chgData name="Bujar Bakiu" userId="S::bujar@data-max.io::e904fb2c-68d1-467a-b390-8a296eef816a" providerId="AD" clId="Web-{8457E5D9-C37A-43BC-8D9D-2086076BAF85}" dt="2022-01-23T20:37:28.421" v="2"/>
+          <pc:sldLayoutMkLst>
+            <pc:docMk/>
+            <pc:sldMasterMk cId="499797849" sldId="2147483689"/>
+            <pc:sldLayoutMk cId="3758254185" sldId="2147483700"/>
+          </pc:sldLayoutMkLst>
+        </pc:sldLayoutChg>
+        <pc:sldLayoutChg chg="add del mod replId">
+          <pc:chgData name="Bujar Bakiu" userId="S::bujar@data-max.io::e904fb2c-68d1-467a-b390-8a296eef816a" providerId="AD" clId="Web-{8457E5D9-C37A-43BC-8D9D-2086076BAF85}" dt="2022-01-23T20:37:28.421" v="2"/>
+          <pc:sldLayoutMkLst>
+            <pc:docMk/>
+            <pc:sldMasterMk cId="499797849" sldId="2147483689"/>
+            <pc:sldLayoutMk cId="2511129973" sldId="2147483701"/>
+          </pc:sldLayoutMkLst>
+        </pc:sldLayoutChg>
+        <pc:sldLayoutChg chg="add del mod replId">
+          <pc:chgData name="Bujar Bakiu" userId="S::bujar@data-max.io::e904fb2c-68d1-467a-b390-8a296eef816a" providerId="AD" clId="Web-{8457E5D9-C37A-43BC-8D9D-2086076BAF85}" dt="2022-01-23T20:37:28.421" v="2"/>
+          <pc:sldLayoutMkLst>
+            <pc:docMk/>
+            <pc:sldMasterMk cId="499797849" sldId="2147483689"/>
+            <pc:sldLayoutMk cId="35198960" sldId="2147483702"/>
+          </pc:sldLayoutMkLst>
+        </pc:sldLayoutChg>
+        <pc:sldLayoutChg chg="add del mod replId">
+          <pc:chgData name="Bujar Bakiu" userId="S::bujar@data-max.io::e904fb2c-68d1-467a-b390-8a296eef816a" providerId="AD" clId="Web-{8457E5D9-C37A-43BC-8D9D-2086076BAF85}" dt="2022-01-23T20:37:28.421" v="2"/>
+          <pc:sldLayoutMkLst>
+            <pc:docMk/>
+            <pc:sldMasterMk cId="499797849" sldId="2147483689"/>
+            <pc:sldLayoutMk cId="807749652" sldId="2147483703"/>
+          </pc:sldLayoutMkLst>
+        </pc:sldLayoutChg>
+        <pc:sldLayoutChg chg="add del mod replId">
+          <pc:chgData name="Bujar Bakiu" userId="S::bujar@data-max.io::e904fb2c-68d1-467a-b390-8a296eef816a" providerId="AD" clId="Web-{8457E5D9-C37A-43BC-8D9D-2086076BAF85}" dt="2022-01-23T20:37:28.421" v="2"/>
+          <pc:sldLayoutMkLst>
+            <pc:docMk/>
+            <pc:sldMasterMk cId="499797849" sldId="2147483689"/>
+            <pc:sldLayoutMk cId="574763143" sldId="2147483704"/>
+          </pc:sldLayoutMkLst>
+        </pc:sldLayoutChg>
+        <pc:sldLayoutChg chg="add del mod replId">
+          <pc:chgData name="Bujar Bakiu" userId="S::bujar@data-max.io::e904fb2c-68d1-467a-b390-8a296eef816a" providerId="AD" clId="Web-{8457E5D9-C37A-43BC-8D9D-2086076BAF85}" dt="2022-01-23T20:37:28.421" v="2"/>
+          <pc:sldLayoutMkLst>
+            <pc:docMk/>
+            <pc:sldMasterMk cId="499797849" sldId="2147483689"/>
+            <pc:sldLayoutMk cId="1278334846" sldId="2147483705"/>
+          </pc:sldLayoutMkLst>
+        </pc:sldLayoutChg>
+      </pc:sldMasterChg>
+      <pc:sldMasterChg chg="add del addSldLayout delSldLayout modSldLayout">
+        <pc:chgData name="Bujar Bakiu" userId="S::bujar@data-max.io::e904fb2c-68d1-467a-b390-8a296eef816a" providerId="AD" clId="Web-{8457E5D9-C37A-43BC-8D9D-2086076BAF85}" dt="2022-01-23T20:38:18.784" v="3"/>
+        <pc:sldMasterMkLst>
+          <pc:docMk/>
+          <pc:sldMasterMk cId="3625030185" sldId="2147483706"/>
+        </pc:sldMasterMkLst>
+        <pc:sldLayoutChg chg="add del mod replId">
+          <pc:chgData name="Bujar Bakiu" userId="S::bujar@data-max.io::e904fb2c-68d1-467a-b390-8a296eef816a" providerId="AD" clId="Web-{8457E5D9-C37A-43BC-8D9D-2086076BAF85}" dt="2022-01-23T20:38:18.784" v="3"/>
+          <pc:sldLayoutMkLst>
+            <pc:docMk/>
+            <pc:sldMasterMk cId="3625030185" sldId="2147483706"/>
+            <pc:sldLayoutMk cId="3949287855" sldId="2147483707"/>
+          </pc:sldLayoutMkLst>
+        </pc:sldLayoutChg>
+        <pc:sldLayoutChg chg="add del mod replId">
+          <pc:chgData name="Bujar Bakiu" userId="S::bujar@data-max.io::e904fb2c-68d1-467a-b390-8a296eef816a" providerId="AD" clId="Web-{8457E5D9-C37A-43BC-8D9D-2086076BAF85}" dt="2022-01-23T20:38:18.784" v="3"/>
+          <pc:sldLayoutMkLst>
+            <pc:docMk/>
+            <pc:sldMasterMk cId="3625030185" sldId="2147483706"/>
+            <pc:sldLayoutMk cId="679871344" sldId="2147483708"/>
+          </pc:sldLayoutMkLst>
+        </pc:sldLayoutChg>
+        <pc:sldLayoutChg chg="add del mod replId">
+          <pc:chgData name="Bujar Bakiu" userId="S::bujar@data-max.io::e904fb2c-68d1-467a-b390-8a296eef816a" providerId="AD" clId="Web-{8457E5D9-C37A-43BC-8D9D-2086076BAF85}" dt="2022-01-23T20:38:18.784" v="3"/>
+          <pc:sldLayoutMkLst>
+            <pc:docMk/>
+            <pc:sldMasterMk cId="3625030185" sldId="2147483706"/>
+            <pc:sldLayoutMk cId="722131003" sldId="2147483709"/>
+          </pc:sldLayoutMkLst>
+        </pc:sldLayoutChg>
+        <pc:sldLayoutChg chg="add del mod replId">
+          <pc:chgData name="Bujar Bakiu" userId="S::bujar@data-max.io::e904fb2c-68d1-467a-b390-8a296eef816a" providerId="AD" clId="Web-{8457E5D9-C37A-43BC-8D9D-2086076BAF85}" dt="2022-01-23T20:38:18.784" v="3"/>
+          <pc:sldLayoutMkLst>
+            <pc:docMk/>
+            <pc:sldMasterMk cId="3625030185" sldId="2147483706"/>
+            <pc:sldLayoutMk cId="3444356398" sldId="2147483710"/>
+          </pc:sldLayoutMkLst>
+        </pc:sldLayoutChg>
+        <pc:sldLayoutChg chg="add del mod replId">
+          <pc:chgData name="Bujar Bakiu" userId="S::bujar@data-max.io::e904fb2c-68d1-467a-b390-8a296eef816a" providerId="AD" clId="Web-{8457E5D9-C37A-43BC-8D9D-2086076BAF85}" dt="2022-01-23T20:38:18.784" v="3"/>
+          <pc:sldLayoutMkLst>
+            <pc:docMk/>
+            <pc:sldMasterMk cId="3625030185" sldId="2147483706"/>
+            <pc:sldLayoutMk cId="719339444" sldId="2147483711"/>
+          </pc:sldLayoutMkLst>
+        </pc:sldLayoutChg>
+        <pc:sldLayoutChg chg="add del mod replId">
+          <pc:chgData name="Bujar Bakiu" userId="S::bujar@data-max.io::e904fb2c-68d1-467a-b390-8a296eef816a" providerId="AD" clId="Web-{8457E5D9-C37A-43BC-8D9D-2086076BAF85}" dt="2022-01-23T20:38:18.784" v="3"/>
+          <pc:sldLayoutMkLst>
+            <pc:docMk/>
+            <pc:sldMasterMk cId="3625030185" sldId="2147483706"/>
+            <pc:sldLayoutMk cId="3076898204" sldId="2147483712"/>
+          </pc:sldLayoutMkLst>
+        </pc:sldLayoutChg>
+        <pc:sldLayoutChg chg="add del mod replId">
+          <pc:chgData name="Bujar Bakiu" userId="S::bujar@data-max.io::e904fb2c-68d1-467a-b390-8a296eef816a" providerId="AD" clId="Web-{8457E5D9-C37A-43BC-8D9D-2086076BAF85}" dt="2022-01-23T20:38:18.784" v="3"/>
+          <pc:sldLayoutMkLst>
+            <pc:docMk/>
+            <pc:sldMasterMk cId="3625030185" sldId="2147483706"/>
+            <pc:sldLayoutMk cId="3775001003" sldId="2147483713"/>
+          </pc:sldLayoutMkLst>
+        </pc:sldLayoutChg>
+        <pc:sldLayoutChg chg="add del mod replId">
+          <pc:chgData name="Bujar Bakiu" userId="S::bujar@data-max.io::e904fb2c-68d1-467a-b390-8a296eef816a" providerId="AD" clId="Web-{8457E5D9-C37A-43BC-8D9D-2086076BAF85}" dt="2022-01-23T20:38:18.784" v="3"/>
+          <pc:sldLayoutMkLst>
+            <pc:docMk/>
+            <pc:sldMasterMk cId="3625030185" sldId="2147483706"/>
+            <pc:sldLayoutMk cId="1135183374" sldId="2147483714"/>
+          </pc:sldLayoutMkLst>
+        </pc:sldLayoutChg>
+        <pc:sldLayoutChg chg="add del mod replId">
+          <pc:chgData name="Bujar Bakiu" userId="S::bujar@data-max.io::e904fb2c-68d1-467a-b390-8a296eef816a" providerId="AD" clId="Web-{8457E5D9-C37A-43BC-8D9D-2086076BAF85}" dt="2022-01-23T20:38:18.784" v="3"/>
+          <pc:sldLayoutMkLst>
+            <pc:docMk/>
+            <pc:sldMasterMk cId="3625030185" sldId="2147483706"/>
+            <pc:sldLayoutMk cId="1308182292" sldId="2147483715"/>
+          </pc:sldLayoutMkLst>
+        </pc:sldLayoutChg>
+        <pc:sldLayoutChg chg="add del mod replId">
+          <pc:chgData name="Bujar Bakiu" userId="S::bujar@data-max.io::e904fb2c-68d1-467a-b390-8a296eef816a" providerId="AD" clId="Web-{8457E5D9-C37A-43BC-8D9D-2086076BAF85}" dt="2022-01-23T20:38:18.784" v="3"/>
+          <pc:sldLayoutMkLst>
+            <pc:docMk/>
+            <pc:sldMasterMk cId="3625030185" sldId="2147483706"/>
+            <pc:sldLayoutMk cId="4193893460" sldId="2147483716"/>
+          </pc:sldLayoutMkLst>
+        </pc:sldLayoutChg>
+        <pc:sldLayoutChg chg="add del mod replId">
+          <pc:chgData name="Bujar Bakiu" userId="S::bujar@data-max.io::e904fb2c-68d1-467a-b390-8a296eef816a" providerId="AD" clId="Web-{8457E5D9-C37A-43BC-8D9D-2086076BAF85}" dt="2022-01-23T20:38:18.784" v="3"/>
+          <pc:sldLayoutMkLst>
+            <pc:docMk/>
+            <pc:sldMasterMk cId="3625030185" sldId="2147483706"/>
+            <pc:sldLayoutMk cId="3160143847" sldId="2147483717"/>
+          </pc:sldLayoutMkLst>
+        </pc:sldLayoutChg>
+        <pc:sldLayoutChg chg="add del mod replId">
+          <pc:chgData name="Bujar Bakiu" userId="S::bujar@data-max.io::e904fb2c-68d1-467a-b390-8a296eef816a" providerId="AD" clId="Web-{8457E5D9-C37A-43BC-8D9D-2086076BAF85}" dt="2022-01-23T20:38:18.784" v="3"/>
+          <pc:sldLayoutMkLst>
+            <pc:docMk/>
+            <pc:sldMasterMk cId="3625030185" sldId="2147483706"/>
+            <pc:sldLayoutMk cId="3330332776" sldId="2147483718"/>
+          </pc:sldLayoutMkLst>
+        </pc:sldLayoutChg>
+        <pc:sldLayoutChg chg="add del mod replId">
+          <pc:chgData name="Bujar Bakiu" userId="S::bujar@data-max.io::e904fb2c-68d1-467a-b390-8a296eef816a" providerId="AD" clId="Web-{8457E5D9-C37A-43BC-8D9D-2086076BAF85}" dt="2022-01-23T20:38:18.784" v="3"/>
+          <pc:sldLayoutMkLst>
+            <pc:docMk/>
+            <pc:sldMasterMk cId="3625030185" sldId="2147483706"/>
+            <pc:sldLayoutMk cId="406005383" sldId="2147483719"/>
+          </pc:sldLayoutMkLst>
+        </pc:sldLayoutChg>
+        <pc:sldLayoutChg chg="add del mod replId">
+          <pc:chgData name="Bujar Bakiu" userId="S::bujar@data-max.io::e904fb2c-68d1-467a-b390-8a296eef816a" providerId="AD" clId="Web-{8457E5D9-C37A-43BC-8D9D-2086076BAF85}" dt="2022-01-23T20:38:18.784" v="3"/>
+          <pc:sldLayoutMkLst>
+            <pc:docMk/>
+            <pc:sldMasterMk cId="3625030185" sldId="2147483706"/>
+            <pc:sldLayoutMk cId="1294180849" sldId="2147483720"/>
+          </pc:sldLayoutMkLst>
+        </pc:sldLayoutChg>
+        <pc:sldLayoutChg chg="add del mod replId">
+          <pc:chgData name="Bujar Bakiu" userId="S::bujar@data-max.io::e904fb2c-68d1-467a-b390-8a296eef816a" providerId="AD" clId="Web-{8457E5D9-C37A-43BC-8D9D-2086076BAF85}" dt="2022-01-23T20:38:18.784" v="3"/>
+          <pc:sldLayoutMkLst>
+            <pc:docMk/>
+            <pc:sldMasterMk cId="3625030185" sldId="2147483706"/>
+            <pc:sldLayoutMk cId="3932160492" sldId="2147483721"/>
+          </pc:sldLayoutMkLst>
+        </pc:sldLayoutChg>
+        <pc:sldLayoutChg chg="add del mod replId">
+          <pc:chgData name="Bujar Bakiu" userId="S::bujar@data-max.io::e904fb2c-68d1-467a-b390-8a296eef816a" providerId="AD" clId="Web-{8457E5D9-C37A-43BC-8D9D-2086076BAF85}" dt="2022-01-23T20:38:18.784" v="3"/>
+          <pc:sldLayoutMkLst>
+            <pc:docMk/>
+            <pc:sldMasterMk cId="3625030185" sldId="2147483706"/>
+            <pc:sldLayoutMk cId="2908081528" sldId="2147483722"/>
+          </pc:sldLayoutMkLst>
+        </pc:sldLayoutChg>
+      </pc:sldMasterChg>
+      <pc:sldMasterChg chg="add addSldLayout modSldLayout">
+        <pc:chgData name="Bujar Bakiu" userId="S::bujar@data-max.io::e904fb2c-68d1-467a-b390-8a296eef816a" providerId="AD" clId="Web-{8457E5D9-C37A-43BC-8D9D-2086076BAF85}" dt="2022-01-23T20:38:18.784" v="3"/>
+        <pc:sldMasterMkLst>
+          <pc:docMk/>
+          <pc:sldMasterMk cId="621863871" sldId="2147483723"/>
+        </pc:sldMasterMkLst>
+        <pc:sldLayoutChg chg="add mod replId">
+          <pc:chgData name="Bujar Bakiu" userId="S::bujar@data-max.io::e904fb2c-68d1-467a-b390-8a296eef816a" providerId="AD" clId="Web-{8457E5D9-C37A-43BC-8D9D-2086076BAF85}" dt="2022-01-23T20:38:18.784" v="3"/>
+          <pc:sldLayoutMkLst>
+            <pc:docMk/>
+            <pc:sldMasterMk cId="621863871" sldId="2147483723"/>
+            <pc:sldLayoutMk cId="474793483" sldId="2147483724"/>
+          </pc:sldLayoutMkLst>
+        </pc:sldLayoutChg>
+        <pc:sldLayoutChg chg="add mod replId">
+          <pc:chgData name="Bujar Bakiu" userId="S::bujar@data-max.io::e904fb2c-68d1-467a-b390-8a296eef816a" providerId="AD" clId="Web-{8457E5D9-C37A-43BC-8D9D-2086076BAF85}" dt="2022-01-23T20:38:18.784" v="3"/>
+          <pc:sldLayoutMkLst>
+            <pc:docMk/>
+            <pc:sldMasterMk cId="621863871" sldId="2147483723"/>
+            <pc:sldLayoutMk cId="1678487050" sldId="2147483725"/>
+          </pc:sldLayoutMkLst>
+        </pc:sldLayoutChg>
+        <pc:sldLayoutChg chg="add mod replId">
+          <pc:chgData name="Bujar Bakiu" userId="S::bujar@data-max.io::e904fb2c-68d1-467a-b390-8a296eef816a" providerId="AD" clId="Web-{8457E5D9-C37A-43BC-8D9D-2086076BAF85}" dt="2022-01-23T20:38:18.784" v="3"/>
+          <pc:sldLayoutMkLst>
+            <pc:docMk/>
+            <pc:sldMasterMk cId="621863871" sldId="2147483723"/>
+            <pc:sldLayoutMk cId="4194555368" sldId="2147483727"/>
+          </pc:sldLayoutMkLst>
+        </pc:sldLayoutChg>
+        <pc:sldLayoutChg chg="add mod replId">
+          <pc:chgData name="Bujar Bakiu" userId="S::bujar@data-max.io::e904fb2c-68d1-467a-b390-8a296eef816a" providerId="AD" clId="Web-{8457E5D9-C37A-43BC-8D9D-2086076BAF85}" dt="2022-01-23T20:38:18.784" v="3"/>
+          <pc:sldLayoutMkLst>
+            <pc:docMk/>
+            <pc:sldMasterMk cId="621863871" sldId="2147483723"/>
+            <pc:sldLayoutMk cId="1382833513" sldId="2147483729"/>
+          </pc:sldLayoutMkLst>
+        </pc:sldLayoutChg>
+        <pc:sldLayoutChg chg="add mod replId">
+          <pc:chgData name="Bujar Bakiu" userId="S::bujar@data-max.io::e904fb2c-68d1-467a-b390-8a296eef816a" providerId="AD" clId="Web-{8457E5D9-C37A-43BC-8D9D-2086076BAF85}" dt="2022-01-23T20:38:18.784" v="3"/>
+          <pc:sldLayoutMkLst>
+            <pc:docMk/>
+            <pc:sldMasterMk cId="621863871" sldId="2147483723"/>
+            <pc:sldLayoutMk cId="2706708640" sldId="2147483731"/>
+          </pc:sldLayoutMkLst>
+        </pc:sldLayoutChg>
+        <pc:sldLayoutChg chg="add mod replId">
+          <pc:chgData name="Bujar Bakiu" userId="S::bujar@data-max.io::e904fb2c-68d1-467a-b390-8a296eef816a" providerId="AD" clId="Web-{8457E5D9-C37A-43BC-8D9D-2086076BAF85}" dt="2022-01-23T20:38:18.784" v="3"/>
+          <pc:sldLayoutMkLst>
+            <pc:docMk/>
+            <pc:sldMasterMk cId="621863871" sldId="2147483723"/>
+            <pc:sldLayoutMk cId="2439858519" sldId="2147483732"/>
+          </pc:sldLayoutMkLst>
+        </pc:sldLayoutChg>
+        <pc:sldLayoutChg chg="add mod replId">
+          <pc:chgData name="Bujar Bakiu" userId="S::bujar@data-max.io::e904fb2c-68d1-467a-b390-8a296eef816a" providerId="AD" clId="Web-{8457E5D9-C37A-43BC-8D9D-2086076BAF85}" dt="2022-01-23T20:38:18.784" v="3"/>
+          <pc:sldLayoutMkLst>
+            <pc:docMk/>
+            <pc:sldMasterMk cId="621863871" sldId="2147483723"/>
+            <pc:sldLayoutMk cId="1754730460" sldId="2147483733"/>
+          </pc:sldLayoutMkLst>
+        </pc:sldLayoutChg>
+        <pc:sldLayoutChg chg="add mod replId">
+          <pc:chgData name="Bujar Bakiu" userId="S::bujar@data-max.io::e904fb2c-68d1-467a-b390-8a296eef816a" providerId="AD" clId="Web-{8457E5D9-C37A-43BC-8D9D-2086076BAF85}" dt="2022-01-23T20:38:18.784" v="3"/>
+          <pc:sldLayoutMkLst>
+            <pc:docMk/>
+            <pc:sldMasterMk cId="621863871" sldId="2147483723"/>
+            <pc:sldLayoutMk cId="2330423422" sldId="2147483734"/>
+          </pc:sldLayoutMkLst>
+        </pc:sldLayoutChg>
+        <pc:sldLayoutChg chg="add mod replId">
+          <pc:chgData name="Bujar Bakiu" userId="S::bujar@data-max.io::e904fb2c-68d1-467a-b390-8a296eef816a" providerId="AD" clId="Web-{8457E5D9-C37A-43BC-8D9D-2086076BAF85}" dt="2022-01-23T20:38:18.784" v="3"/>
+          <pc:sldLayoutMkLst>
+            <pc:docMk/>
+            <pc:sldMasterMk cId="621863871" sldId="2147483723"/>
+            <pc:sldLayoutMk cId="2499349820" sldId="2147483735"/>
+          </pc:sldLayoutMkLst>
+        </pc:sldLayoutChg>
+        <pc:sldLayoutChg chg="add mod replId">
+          <pc:chgData name="Bujar Bakiu" userId="S::bujar@data-max.io::e904fb2c-68d1-467a-b390-8a296eef816a" providerId="AD" clId="Web-{8457E5D9-C37A-43BC-8D9D-2086076BAF85}" dt="2022-01-23T20:38:18.784" v="3"/>
+          <pc:sldLayoutMkLst>
+            <pc:docMk/>
+            <pc:sldMasterMk cId="621863871" sldId="2147483723"/>
+            <pc:sldLayoutMk cId="4138358554" sldId="2147483736"/>
+          </pc:sldLayoutMkLst>
+        </pc:sldLayoutChg>
+        <pc:sldLayoutChg chg="add mod replId">
+          <pc:chgData name="Bujar Bakiu" userId="S::bujar@data-max.io::e904fb2c-68d1-467a-b390-8a296eef816a" providerId="AD" clId="Web-{8457E5D9-C37A-43BC-8D9D-2086076BAF85}" dt="2022-01-23T20:38:18.784" v="3"/>
+          <pc:sldLayoutMkLst>
+            <pc:docMk/>
+            <pc:sldMasterMk cId="621863871" sldId="2147483723"/>
+            <pc:sldLayoutMk cId="425098950" sldId="2147483737"/>
+          </pc:sldLayoutMkLst>
+        </pc:sldLayoutChg>
+        <pc:sldLayoutChg chg="add mod replId">
+          <pc:chgData name="Bujar Bakiu" userId="S::bujar@data-max.io::e904fb2c-68d1-467a-b390-8a296eef816a" providerId="AD" clId="Web-{8457E5D9-C37A-43BC-8D9D-2086076BAF85}" dt="2022-01-23T20:38:18.784" v="3"/>
+          <pc:sldLayoutMkLst>
+            <pc:docMk/>
+            <pc:sldMasterMk cId="621863871" sldId="2147483723"/>
+            <pc:sldLayoutMk cId="1025069772" sldId="2147483738"/>
+          </pc:sldLayoutMkLst>
+        </pc:sldLayoutChg>
+        <pc:sldLayoutChg chg="add mod replId">
+          <pc:chgData name="Bujar Bakiu" userId="S::bujar@data-max.io::e904fb2c-68d1-467a-b390-8a296eef816a" providerId="AD" clId="Web-{8457E5D9-C37A-43BC-8D9D-2086076BAF85}" dt="2022-01-23T20:38:18.784" v="3"/>
+          <pc:sldLayoutMkLst>
+            <pc:docMk/>
+            <pc:sldMasterMk cId="621863871" sldId="2147483723"/>
+            <pc:sldLayoutMk cId="1145578561" sldId="2147483739"/>
+          </pc:sldLayoutMkLst>
+        </pc:sldLayoutChg>
+        <pc:sldLayoutChg chg="add mod replId">
+          <pc:chgData name="Bujar Bakiu" userId="S::bujar@data-max.io::e904fb2c-68d1-467a-b390-8a296eef816a" providerId="AD" clId="Web-{8457E5D9-C37A-43BC-8D9D-2086076BAF85}" dt="2022-01-23T20:38:18.784" v="3"/>
+          <pc:sldLayoutMkLst>
+            <pc:docMk/>
+            <pc:sldMasterMk cId="621863871" sldId="2147483723"/>
+            <pc:sldLayoutMk cId="4224724240" sldId="2147483740"/>
+          </pc:sldLayoutMkLst>
+        </pc:sldLayoutChg>
+        <pc:sldLayoutChg chg="add mod replId">
+          <pc:chgData name="Bujar Bakiu" userId="S::bujar@data-max.io::e904fb2c-68d1-467a-b390-8a296eef816a" providerId="AD" clId="Web-{8457E5D9-C37A-43BC-8D9D-2086076BAF85}" dt="2022-01-23T20:38:18.784" v="3"/>
+          <pc:sldLayoutMkLst>
+            <pc:docMk/>
+            <pc:sldMasterMk cId="621863871" sldId="2147483723"/>
+            <pc:sldLayoutMk cId="1292240176" sldId="2147483741"/>
+          </pc:sldLayoutMkLst>
+        </pc:sldLayoutChg>
+        <pc:sldLayoutChg chg="add mod replId">
+          <pc:chgData name="Bujar Bakiu" userId="S::bujar@data-max.io::e904fb2c-68d1-467a-b390-8a296eef816a" providerId="AD" clId="Web-{8457E5D9-C37A-43BC-8D9D-2086076BAF85}" dt="2022-01-23T20:38:18.784" v="3"/>
+          <pc:sldLayoutMkLst>
+            <pc:docMk/>
+            <pc:sldMasterMk cId="621863871" sldId="2147483723"/>
+            <pc:sldLayoutMk cId="1412989687" sldId="2147483742"/>
+          </pc:sldLayoutMkLst>
+        </pc:sldLayoutChg>
+      </pc:sldMasterChg>
+    </pc:docChg>
+  </pc:docChgLst>
+  <pc:docChgLst>
+    <pc:chgData name="Deni Myftiu" userId="S::deni@data-max.io::f99d7453-ae62-4519-bfb1-0c6f7a7733fd" providerId="AD" clId="Web-{F7DF1FE3-7B8F-ED1D-58A6-2366A43C53DF}"/>
+    <pc:docChg chg="addSld delSld modSld sldOrd addMainMaster modMainMaster">
+      <pc:chgData name="Deni Myftiu" userId="S::deni@data-max.io::f99d7453-ae62-4519-bfb1-0c6f7a7733fd" providerId="AD" clId="Web-{F7DF1FE3-7B8F-ED1D-58A6-2366A43C53DF}" dt="2022-01-26T16:10:35.001" v="46"/>
+      <pc:docMkLst>
+        <pc:docMk/>
+      </pc:docMkLst>
+      <pc:sldChg chg="add del replId">
+        <pc:chgData name="Deni Myftiu" userId="S::deni@data-max.io::f99d7453-ae62-4519-bfb1-0c6f7a7733fd" providerId="AD" clId="Web-{F7DF1FE3-7B8F-ED1D-58A6-2366A43C53DF}" dt="2022-01-26T16:04:13.368" v="1"/>
+        <pc:sldMkLst>
+          <pc:docMk/>
+          <pc:sldMk cId="202133618" sldId="269"/>
+        </pc:sldMkLst>
+      </pc:sldChg>
+      <pc:sldChg chg="new del">
+        <pc:chgData name="Deni Myftiu" userId="S::deni@data-max.io::f99d7453-ae62-4519-bfb1-0c6f7a7733fd" providerId="AD" clId="Web-{F7DF1FE3-7B8F-ED1D-58A6-2366A43C53DF}" dt="2022-01-26T16:08:35.056" v="33"/>
+        <pc:sldMkLst>
+          <pc:docMk/>
+          <pc:sldMk cId="2266991212" sldId="269"/>
+        </pc:sldMkLst>
+      </pc:sldChg>
+      <pc:sldChg chg="new del">
+        <pc:chgData name="Deni Myftiu" userId="S::deni@data-max.io::f99d7453-ae62-4519-bfb1-0c6f7a7733fd" providerId="AD" clId="Web-{F7DF1FE3-7B8F-ED1D-58A6-2366A43C53DF}" dt="2022-01-26T16:04:29.979" v="3"/>
+        <pc:sldMkLst>
+          <pc:docMk/>
+          <pc:sldMk cId="3513347816" sldId="269"/>
+        </pc:sldMkLst>
+      </pc:sldChg>
+      <pc:sldChg chg="delSp modSp add del ord">
+        <pc:chgData name="Deni Myftiu" userId="S::deni@data-max.io::f99d7453-ae62-4519-bfb1-0c6f7a7733fd" providerId="AD" clId="Web-{F7DF1FE3-7B8F-ED1D-58A6-2366A43C53DF}" dt="2022-01-26T16:07:46.069" v="31"/>
+        <pc:sldMkLst>
+          <pc:docMk/>
+          <pc:sldMk cId="3210928335" sldId="270"/>
+        </pc:sldMkLst>
+        <pc:spChg chg="mod">
+          <ac:chgData name="Deni Myftiu" userId="S::deni@data-max.io::f99d7453-ae62-4519-bfb1-0c6f7a7733fd" providerId="AD" clId="Web-{F7DF1FE3-7B8F-ED1D-58A6-2366A43C53DF}" dt="2022-01-26T16:06:11.313" v="13" actId="20577"/>
+          <ac:spMkLst>
+            <pc:docMk/>
+            <pc:sldMk cId="3210928335" sldId="270"/>
+            <ac:spMk id="250" creationId="{396909D6-62C7-46BC-AC86-2FB35493B12E}"/>
+          </ac:spMkLst>
+        </pc:spChg>
+        <pc:picChg chg="del mod">
+          <ac:chgData name="Deni Myftiu" userId="S::deni@data-max.io::f99d7453-ae62-4519-bfb1-0c6f7a7733fd" providerId="AD" clId="Web-{F7DF1FE3-7B8F-ED1D-58A6-2366A43C53DF}" dt="2022-01-26T16:07:02.801" v="21"/>
+          <ac:picMkLst>
+            <pc:docMk/>
+            <pc:sldMk cId="3210928335" sldId="270"/>
+            <ac:picMk id="3" creationId="{2525EA20-5D19-4604-88C9-5CB92E123417}"/>
+          </ac:picMkLst>
+        </pc:picChg>
+      </pc:sldChg>
+      <pc:sldChg chg="addSp delSp modSp new">
+        <pc:chgData name="Deni Myftiu" userId="S::deni@data-max.io::f99d7453-ae62-4519-bfb1-0c6f7a7733fd" providerId="AD" clId="Web-{F7DF1FE3-7B8F-ED1D-58A6-2366A43C53DF}" dt="2022-01-26T16:09:25.106" v="44" actId="1076"/>
+        <pc:sldMkLst>
+          <pc:docMk/>
+          <pc:sldMk cId="3067020111" sldId="271"/>
+        </pc:sldMkLst>
+        <pc:spChg chg="mod">
+          <ac:chgData name="Deni Myftiu" userId="S::deni@data-max.io::f99d7453-ae62-4519-bfb1-0c6f7a7733fd" providerId="AD" clId="Web-{F7DF1FE3-7B8F-ED1D-58A6-2366A43C53DF}" dt="2022-01-26T16:06:03.547" v="11" actId="14100"/>
+          <ac:spMkLst>
+            <pc:docMk/>
+            <pc:sldMk cId="3067020111" sldId="271"/>
+            <ac:spMk id="2" creationId="{FC10DE8E-1982-464A-8461-DA663AFAFC8A}"/>
+          </ac:spMkLst>
+        </pc:spChg>
+        <pc:spChg chg="mod">
+          <ac:chgData name="Deni Myftiu" userId="S::deni@data-max.io::f99d7453-ae62-4519-bfb1-0c6f7a7733fd" providerId="AD" clId="Web-{F7DF1FE3-7B8F-ED1D-58A6-2366A43C53DF}" dt="2022-01-26T16:07:41.225" v="30" actId="20577"/>
+          <ac:spMkLst>
+            <pc:docMk/>
+            <pc:sldMk cId="3067020111" sldId="271"/>
+            <ac:spMk id="3" creationId="{6BC07E36-DD53-4738-AA9D-B4EC84C7404B}"/>
+          </ac:spMkLst>
+        </pc:spChg>
+        <pc:spChg chg="del">
+          <ac:chgData name="Deni Myftiu" userId="S::deni@data-max.io::f99d7453-ae62-4519-bfb1-0c6f7a7733fd" providerId="AD" clId="Web-{F7DF1FE3-7B8F-ED1D-58A6-2366A43C53DF}" dt="2022-01-26T16:07:14.426" v="22"/>
+          <ac:spMkLst>
+            <pc:docMk/>
+            <pc:sldMk cId="3067020111" sldId="271"/>
+            <ac:spMk id="4" creationId="{32A3B0FB-7D0A-4867-ACC6-75CC64D70449}"/>
+          </ac:spMkLst>
+        </pc:spChg>
+        <pc:spChg chg="add del">
+          <ac:chgData name="Deni Myftiu" userId="S::deni@data-max.io::f99d7453-ae62-4519-bfb1-0c6f7a7733fd" providerId="AD" clId="Web-{F7DF1FE3-7B8F-ED1D-58A6-2366A43C53DF}" dt="2022-01-26T16:06:37.596" v="17"/>
+          <ac:spMkLst>
+            <pc:docMk/>
+            <pc:sldMk cId="3067020111" sldId="271"/>
+            <ac:spMk id="5" creationId="{A36E9244-6CD8-4435-9D30-8CC648AF1CAC}"/>
+          </ac:spMkLst>
+        </pc:spChg>
+        <pc:picChg chg="add mod ord">
+          <ac:chgData name="Deni Myftiu" userId="S::deni@data-max.io::f99d7453-ae62-4519-bfb1-0c6f7a7733fd" providerId="AD" clId="Web-{F7DF1FE3-7B8F-ED1D-58A6-2366A43C53DF}" dt="2022-01-26T16:09:25.106" v="44" actId="1076"/>
+          <ac:picMkLst>
+            <pc:docMk/>
+            <pc:sldMk cId="3067020111" sldId="271"/>
+            <ac:picMk id="6" creationId="{9FE42BCC-6B06-44B0-9D36-7A27CAA2568A}"/>
+          </ac:picMkLst>
+        </pc:picChg>
+      </pc:sldChg>
+      <pc:sldChg chg="addSp delSp modSp add">
+        <pc:chgData name="Deni Myftiu" userId="S::deni@data-max.io::f99d7453-ae62-4519-bfb1-0c6f7a7733fd" providerId="AD" clId="Web-{F7DF1FE3-7B8F-ED1D-58A6-2366A43C53DF}" dt="2022-01-26T16:10:35.001" v="46"/>
+        <pc:sldMkLst>
+          <pc:docMk/>
+          <pc:sldMk cId="354841999" sldId="272"/>
+        </pc:sldMkLst>
+        <pc:spChg chg="mod">
+          <ac:chgData name="Deni Myftiu" userId="S::deni@data-max.io::f99d7453-ae62-4519-bfb1-0c6f7a7733fd" providerId="AD" clId="Web-{F7DF1FE3-7B8F-ED1D-58A6-2366A43C53DF}" dt="2022-01-26T16:09:14.418" v="41" actId="20577"/>
+          <ac:spMkLst>
+            <pc:docMk/>
+            <pc:sldMk cId="354841999" sldId="272"/>
+            <ac:spMk id="2" creationId="{523BFC09-69EC-45FC-BB7D-AEF192974CA3}"/>
+          </ac:spMkLst>
+        </pc:spChg>
+        <pc:spChg chg="del">
+          <ac:chgData name="Deni Myftiu" userId="S::deni@data-max.io::f99d7453-ae62-4519-bfb1-0c6f7a7733fd" providerId="AD" clId="Web-{F7DF1FE3-7B8F-ED1D-58A6-2366A43C53DF}" dt="2022-01-26T16:10:35.001" v="46"/>
+          <ac:spMkLst>
+            <pc:docMk/>
+            <pc:sldMk cId="354841999" sldId="272"/>
+            <ac:spMk id="3" creationId="{30AB2D82-7F6E-4C21-AFD1-CFE29204F947}"/>
+          </ac:spMkLst>
+        </pc:spChg>
+        <pc:spChg chg="add mod">
+          <ac:chgData name="Deni Myftiu" userId="S::deni@data-max.io::f99d7453-ae62-4519-bfb1-0c6f7a7733fd" providerId="AD" clId="Web-{F7DF1FE3-7B8F-ED1D-58A6-2366A43C53DF}" dt="2022-01-26T16:10:35.001" v="46"/>
+          <ac:spMkLst>
+            <pc:docMk/>
+            <pc:sldMk cId="354841999" sldId="272"/>
+            <ac:spMk id="5" creationId="{0510C874-457A-4703-A64D-082BF2EE54A8}"/>
+          </ac:spMkLst>
+        </pc:spChg>
+      </pc:sldChg>
+      <pc:sldChg chg="add">
+        <pc:chgData name="Deni Myftiu" userId="S::deni@data-max.io::f99d7453-ae62-4519-bfb1-0c6f7a7733fd" providerId="AD" clId="Web-{F7DF1FE3-7B8F-ED1D-58A6-2366A43C53DF}" dt="2022-01-26T16:08:40.541" v="34"/>
+        <pc:sldMkLst>
+          <pc:docMk/>
+          <pc:sldMk cId="530652964" sldId="273"/>
+        </pc:sldMkLst>
+      </pc:sldChg>
+      <pc:sldChg chg="add">
+        <pc:chgData name="Deni Myftiu" userId="S::deni@data-max.io::f99d7453-ae62-4519-bfb1-0c6f7a7733fd" providerId="AD" clId="Web-{F7DF1FE3-7B8F-ED1D-58A6-2366A43C53DF}" dt="2022-01-26T16:08:42.557" v="35"/>
+        <pc:sldMkLst>
+          <pc:docMk/>
+          <pc:sldMk cId="3425057002" sldId="274"/>
+        </pc:sldMkLst>
+      </pc:sldChg>
+      <pc:sldChg chg="add">
+        <pc:chgData name="Deni Myftiu" userId="S::deni@data-max.io::f99d7453-ae62-4519-bfb1-0c6f7a7733fd" providerId="AD" clId="Web-{F7DF1FE3-7B8F-ED1D-58A6-2366A43C53DF}" dt="2022-01-26T16:08:48.666" v="36"/>
+        <pc:sldMkLst>
+          <pc:docMk/>
+          <pc:sldMk cId="820233720" sldId="275"/>
+        </pc:sldMkLst>
+      </pc:sldChg>
+      <pc:sldChg chg="add">
+        <pc:chgData name="Deni Myftiu" userId="S::deni@data-max.io::f99d7453-ae62-4519-bfb1-0c6f7a7733fd" providerId="AD" clId="Web-{F7DF1FE3-7B8F-ED1D-58A6-2366A43C53DF}" dt="2022-01-26T16:08:50.307" v="37"/>
+        <pc:sldMkLst>
+          <pc:docMk/>
+          <pc:sldMk cId="2132629216" sldId="276"/>
+        </pc:sldMkLst>
+      </pc:sldChg>
+      <pc:sldChg chg="add">
+        <pc:chgData name="Deni Myftiu" userId="S::deni@data-max.io::f99d7453-ae62-4519-bfb1-0c6f7a7733fd" providerId="AD" clId="Web-{F7DF1FE3-7B8F-ED1D-58A6-2366A43C53DF}" dt="2022-01-26T16:08:52.010" v="38"/>
+        <pc:sldMkLst>
+          <pc:docMk/>
+          <pc:sldMk cId="824734717" sldId="277"/>
+        </pc:sldMkLst>
+      </pc:sldChg>
+      <pc:sldChg chg="add">
+        <pc:chgData name="Deni Myftiu" userId="S::deni@data-max.io::f99d7453-ae62-4519-bfb1-0c6f7a7733fd" providerId="AD" clId="Web-{F7DF1FE3-7B8F-ED1D-58A6-2366A43C53DF}" dt="2022-01-26T16:08:53.495" v="39"/>
+        <pc:sldMkLst>
+          <pc:docMk/>
+          <pc:sldMk cId="931094086" sldId="278"/>
+        </pc:sldMkLst>
+      </pc:sldChg>
+      <pc:sldChg chg="new">
+        <pc:chgData name="Deni Myftiu" userId="S::deni@data-max.io::f99d7453-ae62-4519-bfb1-0c6f7a7733fd" providerId="AD" clId="Web-{F7DF1FE3-7B8F-ED1D-58A6-2366A43C53DF}" dt="2022-01-26T16:10:24.641" v="45"/>
+        <pc:sldMkLst>
+          <pc:docMk/>
+          <pc:sldMk cId="3655932242" sldId="279"/>
+        </pc:sldMkLst>
+      </pc:sldChg>
+      <pc:sldMasterChg chg="modSldLayout">
+        <pc:chgData name="Deni Myftiu" userId="S::deni@data-max.io::f99d7453-ae62-4519-bfb1-0c6f7a7733fd" providerId="AD" clId="Web-{F7DF1FE3-7B8F-ED1D-58A6-2366A43C53DF}" dt="2022-01-26T16:08:40.541" v="34"/>
+        <pc:sldMasterMkLst>
+          <pc:docMk/>
+          <pc:sldMasterMk cId="621863871" sldId="2147483723"/>
+        </pc:sldMasterMkLst>
+        <pc:sldLayoutChg chg="replId">
+          <pc:chgData name="Deni Myftiu" userId="S::deni@data-max.io::f99d7453-ae62-4519-bfb1-0c6f7a7733fd" providerId="AD" clId="Web-{F7DF1FE3-7B8F-ED1D-58A6-2366A43C53DF}" dt="2022-01-26T16:05:25.701" v="5"/>
+          <pc:sldLayoutMkLst>
+            <pc:docMk/>
+            <pc:sldMasterMk cId="621863871" sldId="2147483723"/>
+            <pc:sldLayoutMk cId="4224724240" sldId="2147483740"/>
+          </pc:sldLayoutMkLst>
+        </pc:sldLayoutChg>
+        <pc:sldLayoutChg chg="replId">
+          <pc:chgData name="Deni Myftiu" userId="S::deni@data-max.io::f99d7453-ae62-4519-bfb1-0c6f7a7733fd" providerId="AD" clId="Web-{F7DF1FE3-7B8F-ED1D-58A6-2366A43C53DF}" dt="2022-01-26T16:05:25.701" v="5"/>
+          <pc:sldLayoutMkLst>
+            <pc:docMk/>
+            <pc:sldMasterMk cId="621863871" sldId="2147483723"/>
+            <pc:sldLayoutMk cId="1292240176" sldId="2147483741"/>
+          </pc:sldLayoutMkLst>
+        </pc:sldLayoutChg>
+        <pc:sldLayoutChg chg="replId">
+          <pc:chgData name="Deni Myftiu" userId="S::deni@data-max.io::f99d7453-ae62-4519-bfb1-0c6f7a7733fd" providerId="AD" clId="Web-{F7DF1FE3-7B8F-ED1D-58A6-2366A43C53DF}" dt="2022-01-26T16:08:40.541" v="34"/>
+          <pc:sldLayoutMkLst>
+            <pc:docMk/>
+            <pc:sldMasterMk cId="621863871" sldId="2147483723"/>
+            <pc:sldLayoutMk cId="1412989687" sldId="2147483742"/>
+          </pc:sldLayoutMkLst>
+        </pc:sldLayoutChg>
+      </pc:sldMasterChg>
+      <pc:sldMasterChg chg="add addSldLayout">
+        <pc:chgData name="Deni Myftiu" userId="S::deni@data-max.io::f99d7453-ae62-4519-bfb1-0c6f7a7733fd" providerId="AD" clId="Web-{F7DF1FE3-7B8F-ED1D-58A6-2366A43C53DF}" dt="2022-01-26T16:08:40.541" v="34"/>
+        <pc:sldMasterMkLst>
+          <pc:docMk/>
+          <pc:sldMasterMk cId="2818615679" sldId="2147483726"/>
+        </pc:sldMasterMkLst>
+        <pc:sldLayoutChg chg="add">
+          <pc:chgData name="Deni Myftiu" userId="S::deni@data-max.io::f99d7453-ae62-4519-bfb1-0c6f7a7733fd" providerId="AD" clId="Web-{F7DF1FE3-7B8F-ED1D-58A6-2366A43C53DF}" dt="2022-01-26T16:05:25.701" v="5"/>
+          <pc:sldLayoutMkLst>
+            <pc:docMk/>
+            <pc:sldMasterMk cId="2818615679" sldId="2147483726"/>
+            <pc:sldLayoutMk cId="420365821" sldId="2147483728"/>
+          </pc:sldLayoutMkLst>
+        </pc:sldLayoutChg>
+        <pc:sldLayoutChg chg="add">
+          <pc:chgData name="Deni Myftiu" userId="S::deni@data-max.io::f99d7453-ae62-4519-bfb1-0c6f7a7733fd" providerId="AD" clId="Web-{F7DF1FE3-7B8F-ED1D-58A6-2366A43C53DF}" dt="2022-01-26T16:08:40.541" v="34"/>
+          <pc:sldLayoutMkLst>
+            <pc:docMk/>
+            <pc:sldMasterMk cId="2818615679" sldId="2147483726"/>
+            <pc:sldLayoutMk cId="2345738610" sldId="2147483730"/>
+          </pc:sldLayoutMkLst>
+        </pc:sldLayoutChg>
+      </pc:sldMasterChg>
+    </pc:docChg>
+  </pc:docChgLst>
+  <pc:docChgLst>
+    <pc:chgData name="Deni Myftiu" userId="S::deni@data-max.io::f99d7453-ae62-4519-bfb1-0c6f7a7733fd" providerId="AD" clId="Web-{2C6A122F-7688-C0CB-C218-08F680F202AE}"/>
+    <pc:docChg chg="addSld delSld modSld">
+      <pc:chgData name="Deni Myftiu" userId="S::deni@data-max.io::f99d7453-ae62-4519-bfb1-0c6f7a7733fd" providerId="AD" clId="Web-{2C6A122F-7688-C0CB-C218-08F680F202AE}" dt="2022-01-26T16:24:05.731" v="158"/>
+      <pc:docMkLst>
+        <pc:docMk/>
+      </pc:docMkLst>
+      <pc:sldChg chg="addSp delSp modSp del">
+        <pc:chgData name="Deni Myftiu" userId="S::deni@data-max.io::f99d7453-ae62-4519-bfb1-0c6f7a7733fd" providerId="AD" clId="Web-{2C6A122F-7688-C0CB-C218-08F680F202AE}" dt="2022-01-26T16:12:45.333" v="23"/>
+        <pc:sldMkLst>
+          <pc:docMk/>
+          <pc:sldMk cId="354841999" sldId="272"/>
+        </pc:sldMkLst>
+        <pc:spChg chg="del mod">
+          <ac:chgData name="Deni Myftiu" userId="S::deni@data-max.io::f99d7453-ae62-4519-bfb1-0c6f7a7733fd" providerId="AD" clId="Web-{2C6A122F-7688-C0CB-C218-08F680F202AE}" dt="2022-01-26T16:11:30.985" v="6"/>
+          <ac:spMkLst>
+            <pc:docMk/>
+            <pc:sldMk cId="354841999" sldId="272"/>
+            <ac:spMk id="2" creationId="{523BFC09-69EC-45FC-BB7D-AEF192974CA3}"/>
+          </ac:spMkLst>
+        </pc:spChg>
+        <pc:spChg chg="add mod">
+          <ac:chgData name="Deni Myftiu" userId="S::deni@data-max.io::f99d7453-ae62-4519-bfb1-0c6f7a7733fd" providerId="AD" clId="Web-{2C6A122F-7688-C0CB-C218-08F680F202AE}" dt="2022-01-26T16:11:30.985" v="6"/>
+          <ac:spMkLst>
+            <pc:docMk/>
+            <pc:sldMk cId="354841999" sldId="272"/>
+            <ac:spMk id="4" creationId="{9008AFF4-E38C-4166-BBBD-C8BBFE91A6D0}"/>
+          </ac:spMkLst>
+        </pc:spChg>
+      </pc:sldChg>
+      <pc:sldChg chg="addSp delSp modSp del">
+        <pc:chgData name="Deni Myftiu" userId="S::deni@data-max.io::f99d7453-ae62-4519-bfb1-0c6f7a7733fd" providerId="AD" clId="Web-{2C6A122F-7688-C0CB-C218-08F680F202AE}" dt="2022-01-26T16:14:41.277" v="46"/>
+        <pc:sldMkLst>
+          <pc:docMk/>
+          <pc:sldMk cId="530652964" sldId="273"/>
+        </pc:sldMkLst>
+        <pc:spChg chg="del">
+          <ac:chgData name="Deni Myftiu" userId="S::deni@data-max.io::f99d7453-ae62-4519-bfb1-0c6f7a7733fd" providerId="AD" clId="Web-{2C6A122F-7688-C0CB-C218-08F680F202AE}" dt="2022-01-26T16:13:16.460" v="30"/>
+          <ac:spMkLst>
+            <pc:docMk/>
+            <pc:sldMk cId="530652964" sldId="273"/>
+            <ac:spMk id="2" creationId="{1F7E296E-A736-4BDC-8D42-4B1A6711F83A}"/>
+          </ac:spMkLst>
+        </pc:spChg>
+        <pc:spChg chg="del">
+          <ac:chgData name="Deni Myftiu" userId="S::deni@data-max.io::f99d7453-ae62-4519-bfb1-0c6f7a7733fd" providerId="AD" clId="Web-{2C6A122F-7688-C0CB-C218-08F680F202AE}" dt="2022-01-26T16:13:21.929" v="32"/>
+          <ac:spMkLst>
+            <pc:docMk/>
+            <pc:sldMk cId="530652964" sldId="273"/>
+            <ac:spMk id="3" creationId="{9B626573-8E30-4EE3-82C5-4545A26B9F93}"/>
+          </ac:spMkLst>
+        </pc:spChg>
+        <pc:spChg chg="del">
+          <ac:chgData name="Deni Myftiu" userId="S::deni@data-max.io::f99d7453-ae62-4519-bfb1-0c6f7a7733fd" providerId="AD" clId="Web-{2C6A122F-7688-C0CB-C218-08F680F202AE}" dt="2022-01-26T16:13:30.055" v="34"/>
+          <ac:spMkLst>
+            <pc:docMk/>
+            <pc:sldMk cId="530652964" sldId="273"/>
+            <ac:spMk id="4" creationId="{4E26B1FE-7EFE-4E29-9AF1-74899B15B82B}"/>
+          </ac:spMkLst>
+        </pc:spChg>
+        <pc:spChg chg="add mod">
+          <ac:chgData name="Deni Myftiu" userId="S::deni@data-max.io::f99d7453-ae62-4519-bfb1-0c6f7a7733fd" providerId="AD" clId="Web-{2C6A122F-7688-C0CB-C218-08F680F202AE}" dt="2022-01-26T16:13:16.460" v="30"/>
+          <ac:spMkLst>
+            <pc:docMk/>
+            <pc:sldMk cId="530652964" sldId="273"/>
+            <ac:spMk id="6" creationId="{D700FF57-E907-4F04-A5A5-01620DBE346E}"/>
+          </ac:spMkLst>
+        </pc:spChg>
+        <pc:spChg chg="add mod">
+          <ac:chgData name="Deni Myftiu" userId="S::deni@data-max.io::f99d7453-ae62-4519-bfb1-0c6f7a7733fd" providerId="AD" clId="Web-{2C6A122F-7688-C0CB-C218-08F680F202AE}" dt="2022-01-26T16:13:21.929" v="32"/>
+          <ac:spMkLst>
+            <pc:docMk/>
+            <pc:sldMk cId="530652964" sldId="273"/>
+            <ac:spMk id="8" creationId="{50AA4E5E-8738-48B8-8F5F-A5EB83AC1800}"/>
+          </ac:spMkLst>
+        </pc:spChg>
+        <pc:spChg chg="add mod">
+          <ac:chgData name="Deni Myftiu" userId="S::deni@data-max.io::f99d7453-ae62-4519-bfb1-0c6f7a7733fd" providerId="AD" clId="Web-{2C6A122F-7688-C0CB-C218-08F680F202AE}" dt="2022-01-26T16:13:30.055" v="34"/>
+          <ac:spMkLst>
+            <pc:docMk/>
+            <pc:sldMk cId="530652964" sldId="273"/>
+            <ac:spMk id="10" creationId="{57F616FB-D523-4217-908E-4382887D5816}"/>
+          </ac:spMkLst>
+        </pc:spChg>
+      </pc:sldChg>
+      <pc:sldChg chg="addSp delSp modSp del">
+        <pc:chgData name="Deni Myftiu" userId="S::deni@data-max.io::f99d7453-ae62-4519-bfb1-0c6f7a7733fd" providerId="AD" clId="Web-{2C6A122F-7688-C0CB-C218-08F680F202AE}" dt="2022-01-26T16:16:09.532" v="64"/>
+        <pc:sldMkLst>
+          <pc:docMk/>
+          <pc:sldMk cId="3425057002" sldId="274"/>
+        </pc:sldMkLst>
+        <pc:spChg chg="del">
+          <ac:chgData name="Deni Myftiu" userId="S::deni@data-max.io::f99d7453-ae62-4519-bfb1-0c6f7a7733fd" providerId="AD" clId="Web-{2C6A122F-7688-C0CB-C218-08F680F202AE}" dt="2022-01-26T16:15:17.264" v="55"/>
+          <ac:spMkLst>
+            <pc:docMk/>
+            <pc:sldMk cId="3425057002" sldId="274"/>
+            <ac:spMk id="2" creationId="{5536A4ED-9DF6-449B-B479-B805C7E19A12}"/>
+          </ac:spMkLst>
+        </pc:spChg>
+        <pc:spChg chg="del">
+          <ac:chgData name="Deni Myftiu" userId="S::deni@data-max.io::f99d7453-ae62-4519-bfb1-0c6f7a7733fd" providerId="AD" clId="Web-{2C6A122F-7688-C0CB-C218-08F680F202AE}" dt="2022-01-26T16:15:11.748" v="53"/>
+          <ac:spMkLst>
+            <pc:docMk/>
+            <pc:sldMk cId="3425057002" sldId="274"/>
+            <ac:spMk id="3" creationId="{53072B07-C90F-48ED-AB40-F17837C18F53}"/>
+          </ac:spMkLst>
+        </pc:spChg>
+        <pc:spChg chg="add mod">
+          <ac:chgData name="Deni Myftiu" userId="S::deni@data-max.io::f99d7453-ae62-4519-bfb1-0c6f7a7733fd" providerId="AD" clId="Web-{2C6A122F-7688-C0CB-C218-08F680F202AE}" dt="2022-01-26T16:15:11.748" v="53"/>
+          <ac:spMkLst>
+            <pc:docMk/>
+            <pc:sldMk cId="3425057002" sldId="274"/>
+            <ac:spMk id="5" creationId="{F1B16346-D5C8-4A2F-82C7-F33EC5F53E0E}"/>
+          </ac:spMkLst>
+        </pc:spChg>
+        <pc:spChg chg="add mod">
+          <ac:chgData name="Deni Myftiu" userId="S::deni@data-max.io::f99d7453-ae62-4519-bfb1-0c6f7a7733fd" providerId="AD" clId="Web-{2C6A122F-7688-C0CB-C218-08F680F202AE}" dt="2022-01-26T16:15:17.264" v="55"/>
+          <ac:spMkLst>
+            <pc:docMk/>
+            <pc:sldMk cId="3425057002" sldId="274"/>
+            <ac:spMk id="7" creationId="{40734E8E-151A-4B1D-A78C-FCE762E0C6B1}"/>
+          </ac:spMkLst>
+        </pc:spChg>
+      </pc:sldChg>
+      <pc:sldChg chg="addSp delSp modSp del">
+        <pc:chgData name="Deni Myftiu" userId="S::deni@data-max.io::f99d7453-ae62-4519-bfb1-0c6f7a7733fd" providerId="AD" clId="Web-{2C6A122F-7688-C0CB-C218-08F680F202AE}" dt="2022-01-26T16:17:26.099" v="79"/>
+        <pc:sldMkLst>
+          <pc:docMk/>
+          <pc:sldMk cId="820233720" sldId="275"/>
+        </pc:sldMkLst>
+        <pc:spChg chg="del mod">
+          <ac:chgData name="Deni Myftiu" userId="S::deni@data-max.io::f99d7453-ae62-4519-bfb1-0c6f7a7733fd" providerId="AD" clId="Web-{2C6A122F-7688-C0CB-C218-08F680F202AE}" dt="2022-01-26T16:16:30.362" v="67"/>
+          <ac:spMkLst>
+            <pc:docMk/>
+            <pc:sldMk cId="820233720" sldId="275"/>
+            <ac:spMk id="2" creationId="{E6248967-5EFB-4290-BDE4-C27E06941B6B}"/>
+          </ac:spMkLst>
+        </pc:spChg>
+        <pc:spChg chg="add mod">
+          <ac:chgData name="Deni Myftiu" userId="S::deni@data-max.io::f99d7453-ae62-4519-bfb1-0c6f7a7733fd" providerId="AD" clId="Web-{2C6A122F-7688-C0CB-C218-08F680F202AE}" dt="2022-01-26T16:16:30.362" v="67"/>
+          <ac:spMkLst>
+            <pc:docMk/>
+            <pc:sldMk cId="820233720" sldId="275"/>
+            <ac:spMk id="5" creationId="{C39EFB29-60F4-475D-B914-7332CA9F7F90}"/>
+          </ac:spMkLst>
+        </pc:spChg>
+        <pc:picChg chg="del">
+          <ac:chgData name="Deni Myftiu" userId="S::deni@data-max.io::f99d7453-ae62-4519-bfb1-0c6f7a7733fd" providerId="AD" clId="Web-{2C6A122F-7688-C0CB-C218-08F680F202AE}" dt="2022-01-26T16:16:37.612" v="69"/>
+          <ac:picMkLst>
+            <pc:docMk/>
+            <pc:sldMk cId="820233720" sldId="275"/>
+            <ac:picMk id="3" creationId="{0B04300B-0940-4B2D-B81E-27CAC88DFD61}"/>
+          </ac:picMkLst>
+        </pc:picChg>
+      </pc:sldChg>
+      <pc:sldChg chg="addSp delSp modSp del">
+        <pc:chgData name="Deni Myftiu" userId="S::deni@data-max.io::f99d7453-ae62-4519-bfb1-0c6f7a7733fd" providerId="AD" clId="Web-{2C6A122F-7688-C0CB-C218-08F680F202AE}" dt="2022-01-26T16:19:48.607" v="104"/>
+        <pc:sldMkLst>
+          <pc:docMk/>
+          <pc:sldMk cId="2132629216" sldId="276"/>
+        </pc:sldMkLst>
+        <pc:spChg chg="del">
+          <ac:chgData name="Deni Myftiu" userId="S::deni@data-max.io::f99d7453-ae62-4519-bfb1-0c6f7a7733fd" providerId="AD" clId="Web-{2C6A122F-7688-C0CB-C218-08F680F202AE}" dt="2022-01-26T16:18:12.993" v="85"/>
+          <ac:spMkLst>
+            <pc:docMk/>
+            <pc:sldMk cId="2132629216" sldId="276"/>
+            <ac:spMk id="2" creationId="{317D5858-EB0D-47D3-8A66-1385B916EE80}"/>
+          </ac:spMkLst>
+        </pc:spChg>
+        <pc:spChg chg="del">
+          <ac:chgData name="Deni Myftiu" userId="S::deni@data-max.io::f99d7453-ae62-4519-bfb1-0c6f7a7733fd" providerId="AD" clId="Web-{2C6A122F-7688-C0CB-C218-08F680F202AE}" dt="2022-01-26T16:18:00.132" v="81"/>
+          <ac:spMkLst>
+            <pc:docMk/>
+            <pc:sldMk cId="2132629216" sldId="276"/>
+            <ac:spMk id="4" creationId="{A504E618-A416-4522-BE62-6774B3924E6D}"/>
+          </ac:spMkLst>
+        </pc:spChg>
+        <pc:spChg chg="add mod">
+          <ac:chgData name="Deni Myftiu" userId="S::deni@data-max.io::f99d7453-ae62-4519-bfb1-0c6f7a7733fd" providerId="AD" clId="Web-{2C6A122F-7688-C0CB-C218-08F680F202AE}" dt="2022-01-26T16:18:12.993" v="85"/>
+          <ac:spMkLst>
+            <pc:docMk/>
+            <pc:sldMk cId="2132629216" sldId="276"/>
+            <ac:spMk id="5" creationId="{B9CA2226-4A78-4844-A2E5-F52909D61C3D}"/>
+          </ac:spMkLst>
+        </pc:spChg>
+        <pc:spChg chg="add mod">
+          <ac:chgData name="Deni Myftiu" userId="S::deni@data-max.io::f99d7453-ae62-4519-bfb1-0c6f7a7733fd" providerId="AD" clId="Web-{2C6A122F-7688-C0CB-C218-08F680F202AE}" dt="2022-01-26T16:18:42.885" v="92"/>
+          <ac:spMkLst>
+            <pc:docMk/>
+            <pc:sldMk cId="2132629216" sldId="276"/>
+            <ac:spMk id="7" creationId="{7A03FD53-3CB6-4CE2-9BEC-28CC1959CECD}"/>
+          </ac:spMkLst>
+        </pc:spChg>
+        <pc:picChg chg="del">
+          <ac:chgData name="Deni Myftiu" userId="S::deni@data-max.io::f99d7453-ae62-4519-bfb1-0c6f7a7733fd" providerId="AD" clId="Web-{2C6A122F-7688-C0CB-C218-08F680F202AE}" dt="2022-01-26T16:18:42.885" v="92"/>
+          <ac:picMkLst>
+            <pc:docMk/>
+            <pc:sldMk cId="2132629216" sldId="276"/>
+            <ac:picMk id="8" creationId="{663237D1-850D-4673-B7F2-F2E404B16D63}"/>
+          </ac:picMkLst>
+        </pc:picChg>
+      </pc:sldChg>
+      <pc:sldChg chg="addSp delSp modSp del">
+        <pc:chgData name="Deni Myftiu" userId="S::deni@data-max.io::f99d7453-ae62-4519-bfb1-0c6f7a7733fd" providerId="AD" clId="Web-{2C6A122F-7688-C0CB-C218-08F680F202AE}" dt="2022-01-26T16:23:16.275" v="150"/>
+        <pc:sldMkLst>
+          <pc:docMk/>
+          <pc:sldMk cId="824734717" sldId="277"/>
+        </pc:sldMkLst>
+        <pc:spChg chg="del">
+          <ac:chgData name="Deni Myftiu" userId="S::deni@data-max.io::f99d7453-ae62-4519-bfb1-0c6f7a7733fd" providerId="AD" clId="Web-{2C6A122F-7688-C0CB-C218-08F680F202AE}" dt="2022-01-26T16:22:01.099" v="136"/>
+          <ac:spMkLst>
+            <pc:docMk/>
+            <pc:sldMk cId="824734717" sldId="277"/>
+            <ac:spMk id="2" creationId="{E2785B0F-2CBB-4985-94C1-76CE594E9BD8}"/>
+          </ac:spMkLst>
+        </pc:spChg>
+        <pc:spChg chg="add mod">
+          <ac:chgData name="Deni Myftiu" userId="S::deni@data-max.io::f99d7453-ae62-4519-bfb1-0c6f7a7733fd" providerId="AD" clId="Web-{2C6A122F-7688-C0CB-C218-08F680F202AE}" dt="2022-01-26T16:22:01.099" v="136"/>
+          <ac:spMkLst>
+            <pc:docMk/>
+            <pc:sldMk cId="824734717" sldId="277"/>
+            <ac:spMk id="5" creationId="{AAC4734E-1766-410F-A313-43FB3BC2C06E}"/>
+          </ac:spMkLst>
+        </pc:spChg>
+        <pc:picChg chg="del">
+          <ac:chgData name="Deni Myftiu" userId="S::deni@data-max.io::f99d7453-ae62-4519-bfb1-0c6f7a7733fd" providerId="AD" clId="Web-{2C6A122F-7688-C0CB-C218-08F680F202AE}" dt="2022-01-26T16:20:11.061" v="109"/>
+          <ac:picMkLst>
+            <pc:docMk/>
+            <pc:sldMk cId="824734717" sldId="277"/>
+            <ac:picMk id="3" creationId="{0F195259-D29F-4819-BB7D-E4EF9C964BA2}"/>
+          </ac:picMkLst>
+        </pc:picChg>
+      </pc:sldChg>
+      <pc:sldChg chg="addSp delSp modSp del">
+        <pc:chgData name="Deni Myftiu" userId="S::deni@data-max.io::f99d7453-ae62-4519-bfb1-0c6f7a7733fd" providerId="AD" clId="Web-{2C6A122F-7688-C0CB-C218-08F680F202AE}" dt="2022-01-26T16:24:05.731" v="158"/>
+        <pc:sldMkLst>
+          <pc:docMk/>
+          <pc:sldMk cId="931094086" sldId="278"/>
+        </pc:sldMkLst>
+        <pc:spChg chg="del">
+          <ac:chgData name="Deni Myftiu" userId="S::deni@data-max.io::f99d7453-ae62-4519-bfb1-0c6f7a7733fd" providerId="AD" clId="Web-{2C6A122F-7688-C0CB-C218-08F680F202AE}" dt="2022-01-26T16:20:00.639" v="106"/>
+          <ac:spMkLst>
+            <pc:docMk/>
+            <pc:sldMk cId="931094086" sldId="278"/>
+            <ac:spMk id="2" creationId="{E2785B0F-2CBB-4985-94C1-76CE594E9BD8}"/>
+          </ac:spMkLst>
+        </pc:spChg>
+        <pc:spChg chg="add mod">
+          <ac:chgData name="Deni Myftiu" userId="S::deni@data-max.io::f99d7453-ae62-4519-bfb1-0c6f7a7733fd" providerId="AD" clId="Web-{2C6A122F-7688-C0CB-C218-08F680F202AE}" dt="2022-01-26T16:20:00.639" v="106"/>
+          <ac:spMkLst>
+            <pc:docMk/>
+            <pc:sldMk cId="931094086" sldId="278"/>
+            <ac:spMk id="4" creationId="{159E6F1C-0CD1-4FBE-8309-4B7F1615A96E}"/>
+          </ac:spMkLst>
+        </pc:spChg>
+        <pc:spChg chg="add del">
+          <ac:chgData name="Deni Myftiu" userId="S::deni@data-max.io::f99d7453-ae62-4519-bfb1-0c6f7a7733fd" providerId="AD" clId="Web-{2C6A122F-7688-C0CB-C218-08F680F202AE}" dt="2022-01-26T16:23:49.339" v="152"/>
+          <ac:spMkLst>
+            <pc:docMk/>
+            <pc:sldMk cId="931094086" sldId="278"/>
+            <ac:spMk id="7" creationId="{650999A2-9956-4947-B2B5-E58BC7594B31}"/>
+          </ac:spMkLst>
+        </pc:spChg>
+        <pc:picChg chg="del">
+          <ac:chgData name="Deni Myftiu" userId="S::deni@data-max.io::f99d7453-ae62-4519-bfb1-0c6f7a7733fd" providerId="AD" clId="Web-{2C6A122F-7688-C0CB-C218-08F680F202AE}" dt="2022-01-26T16:23:54.637" v="154"/>
+          <ac:picMkLst>
+            <pc:docMk/>
+            <pc:sldMk cId="931094086" sldId="278"/>
+            <ac:picMk id="8" creationId="{2956EFB0-42D9-4FFE-81E0-976284FC0FD4}"/>
+          </ac:picMkLst>
+        </pc:picChg>
+      </pc:sldChg>
+      <pc:sldChg chg="addSp delSp modSp">
+        <pc:chgData name="Deni Myftiu" userId="S::deni@data-max.io::f99d7453-ae62-4519-bfb1-0c6f7a7733fd" providerId="AD" clId="Web-{2C6A122F-7688-C0CB-C218-08F680F202AE}" dt="2022-01-26T16:12:42.380" v="22" actId="20577"/>
+        <pc:sldMkLst>
+          <pc:docMk/>
+          <pc:sldMk cId="3655932242" sldId="279"/>
+        </pc:sldMkLst>
+        <pc:spChg chg="del">
+          <ac:chgData name="Deni Myftiu" userId="S::deni@data-max.io::f99d7453-ae62-4519-bfb1-0c6f7a7733fd" providerId="AD" clId="Web-{2C6A122F-7688-C0CB-C218-08F680F202AE}" dt="2022-01-26T16:11:12.859" v="0"/>
+          <ac:spMkLst>
+            <pc:docMk/>
+            <pc:sldMk cId="3655932242" sldId="279"/>
+            <ac:spMk id="2" creationId="{8986613D-1E5F-4BA3-83BC-3486709C6EA3}"/>
+          </ac:spMkLst>
+        </pc:spChg>
+        <pc:spChg chg="del">
+          <ac:chgData name="Deni Myftiu" userId="S::deni@data-max.io::f99d7453-ae62-4519-bfb1-0c6f7a7733fd" providerId="AD" clId="Web-{2C6A122F-7688-C0CB-C218-08F680F202AE}" dt="2022-01-26T16:11:20.081" v="2"/>
+          <ac:spMkLst>
+            <pc:docMk/>
+            <pc:sldMk cId="3655932242" sldId="279"/>
+            <ac:spMk id="3" creationId="{7AA96C6F-4CE0-4CBC-BAF9-C834C258C2F9}"/>
+          </ac:spMkLst>
+        </pc:spChg>
+        <pc:spChg chg="del">
+          <ac:chgData name="Deni Myftiu" userId="S::deni@data-max.io::f99d7453-ae62-4519-bfb1-0c6f7a7733fd" providerId="AD" clId="Web-{2C6A122F-7688-C0CB-C218-08F680F202AE}" dt="2022-01-26T16:11:18.047" v="1"/>
+          <ac:spMkLst>
+            <pc:docMk/>
+            <pc:sldMk cId="3655932242" sldId="279"/>
+            <ac:spMk id="4" creationId="{1F66441B-6702-4BA2-A5E0-18813BAFDFE4}"/>
+          </ac:spMkLst>
+        </pc:spChg>
+        <pc:spChg chg="add mod">
+          <ac:chgData name="Deni Myftiu" userId="S::deni@data-max.io::f99d7453-ae62-4519-bfb1-0c6f7a7733fd" providerId="AD" clId="Web-{2C6A122F-7688-C0CB-C218-08F680F202AE}" dt="2022-01-26T16:12:42.380" v="22" actId="20577"/>
+          <ac:spMkLst>
+            <pc:docMk/>
+            <pc:sldMk cId="3655932242" sldId="279"/>
+            <ac:spMk id="5" creationId="{B5DA5410-8AB2-4452-A0DD-2D68A6F37B5F}"/>
+          </ac:spMkLst>
+        </pc:spChg>
+        <pc:spChg chg="add mod">
+          <ac:chgData name="Deni Myftiu" userId="S::deni@data-max.io::f99d7453-ae62-4519-bfb1-0c6f7a7733fd" providerId="AD" clId="Web-{2C6A122F-7688-C0CB-C218-08F680F202AE}" dt="2022-01-26T16:11:59.143" v="9" actId="20577"/>
+          <ac:spMkLst>
+            <pc:docMk/>
+            <pc:sldMk cId="3655932242" sldId="279"/>
+            <ac:spMk id="6" creationId="{8242332B-CF01-4EAC-8862-48BC9B38DB93}"/>
+          </ac:spMkLst>
+        </pc:spChg>
+      </pc:sldChg>
+      <pc:sldChg chg="addSp delSp modSp new mod modClrScheme chgLayout">
+        <pc:chgData name="Deni Myftiu" userId="S::deni@data-max.io::f99d7453-ae62-4519-bfb1-0c6f7a7733fd" providerId="AD" clId="Web-{2C6A122F-7688-C0CB-C218-08F680F202AE}" dt="2022-01-26T16:14:37.293" v="45" actId="20577"/>
+        <pc:sldMkLst>
+          <pc:docMk/>
+          <pc:sldMk cId="3216981094" sldId="280"/>
+        </pc:sldMkLst>
+        <pc:spChg chg="add del">
+          <ac:chgData name="Deni Myftiu" userId="S::deni@data-max.io::f99d7453-ae62-4519-bfb1-0c6f7a7733fd" providerId="AD" clId="Web-{2C6A122F-7688-C0CB-C218-08F680F202AE}" dt="2022-01-26T16:13:10.163" v="29"/>
+          <ac:spMkLst>
+            <pc:docMk/>
+            <pc:sldMk cId="3216981094" sldId="280"/>
+            <ac:spMk id="2" creationId="{5ACD0F36-0B36-4F66-86F1-D66FA1E2C5C0}"/>
+          </ac:spMkLst>
+        </pc:spChg>
+        <pc:spChg chg="add del">
+          <ac:chgData name="Deni Myftiu" userId="S::deni@data-max.io::f99d7453-ae62-4519-bfb1-0c6f7a7733fd" providerId="AD" clId="Web-{2C6A122F-7688-C0CB-C218-08F680F202AE}" dt="2022-01-26T16:13:10.163" v="29"/>
+          <ac:spMkLst>
+            <pc:docMk/>
+            <pc:sldMk cId="3216981094" sldId="280"/>
+            <ac:spMk id="3" creationId="{28D07034-8E4D-4494-859D-F0F3E62551E1}"/>
+          </ac:spMkLst>
+        </pc:spChg>
+        <pc:spChg chg="add del">
+          <ac:chgData name="Deni Myftiu" userId="S::deni@data-max.io::f99d7453-ae62-4519-bfb1-0c6f7a7733fd" providerId="AD" clId="Web-{2C6A122F-7688-C0CB-C218-08F680F202AE}" dt="2022-01-26T16:13:10.163" v="29"/>
+          <ac:spMkLst>
+            <pc:docMk/>
+            <pc:sldMk cId="3216981094" sldId="280"/>
+            <ac:spMk id="4" creationId="{41AC946C-9066-4746-AEBA-4E8F1183EE02}"/>
+          </ac:spMkLst>
+        </pc:spChg>
+        <pc:spChg chg="add mod">
+          <ac:chgData name="Deni Myftiu" userId="S::deni@data-max.io::f99d7453-ae62-4519-bfb1-0c6f7a7733fd" providerId="AD" clId="Web-{2C6A122F-7688-C0CB-C218-08F680F202AE}" dt="2022-01-26T16:14:37.293" v="45" actId="20577"/>
+          <ac:spMkLst>
+            <pc:docMk/>
+            <pc:sldMk cId="3216981094" sldId="280"/>
+            <ac:spMk id="5" creationId="{8707DCE5-1483-455A-8B9B-293BEDA0237F}"/>
+          </ac:spMkLst>
+        </pc:spChg>
+        <pc:spChg chg="add mod">
+          <ac:chgData name="Deni Myftiu" userId="S::deni@data-max.io::f99d7453-ae62-4519-bfb1-0c6f7a7733fd" providerId="AD" clId="Web-{2C6A122F-7688-C0CB-C218-08F680F202AE}" dt="2022-01-26T16:14:28.714" v="43" actId="1076"/>
+          <ac:spMkLst>
+            <pc:docMk/>
+            <pc:sldMk cId="3216981094" sldId="280"/>
+            <ac:spMk id="6" creationId="{44ABE9C1-EE46-4186-BF05-E509346D3FFC}"/>
+          </ac:spMkLst>
+        </pc:spChg>
+        <pc:spChg chg="add mod">
+          <ac:chgData name="Deni Myftiu" userId="S::deni@data-max.io::f99d7453-ae62-4519-bfb1-0c6f7a7733fd" providerId="AD" clId="Web-{2C6A122F-7688-C0CB-C218-08F680F202AE}" dt="2022-01-26T16:14:00.353" v="39" actId="14100"/>
+          <ac:spMkLst>
+            <pc:docMk/>
+            <pc:sldMk cId="3216981094" sldId="280"/>
+            <ac:spMk id="7" creationId="{4BC035A2-1E22-4CBC-A958-27D6ED55F796}"/>
+          </ac:spMkLst>
+        </pc:spChg>
+      </pc:sldChg>
+      <pc:sldChg chg="add del replId">
+        <pc:chgData name="Deni Myftiu" userId="S::deni@data-max.io::f99d7453-ae62-4519-bfb1-0c6f7a7733fd" providerId="AD" clId="Web-{2C6A122F-7688-C0CB-C218-08F680F202AE}" dt="2022-01-26T16:13:04.147" v="27"/>
+        <pc:sldMkLst>
+          <pc:docMk/>
+          <pc:sldMk cId="503749368" sldId="281"/>
+        </pc:sldMkLst>
+      </pc:sldChg>
+      <pc:sldChg chg="addSp delSp modSp add replId">
+        <pc:chgData name="Deni Myftiu" userId="S::deni@data-max.io::f99d7453-ae62-4519-bfb1-0c6f7a7733fd" providerId="AD" clId="Web-{2C6A122F-7688-C0CB-C218-08F680F202AE}" dt="2022-01-26T16:15:54.797" v="63" actId="20577"/>
+        <pc:sldMkLst>
+          <pc:docMk/>
+          <pc:sldMk cId="1354698391" sldId="281"/>
+        </pc:sldMkLst>
+        <pc:spChg chg="del">
+          <ac:chgData name="Deni Myftiu" userId="S::deni@data-max.io::f99d7453-ae62-4519-bfb1-0c6f7a7733fd" providerId="AD" clId="Web-{2C6A122F-7688-C0CB-C218-08F680F202AE}" dt="2022-01-26T16:15:03.497" v="52"/>
+          <ac:spMkLst>
+            <pc:docMk/>
+            <pc:sldMk cId="1354698391" sldId="281"/>
+            <ac:spMk id="5" creationId="{8707DCE5-1483-455A-8B9B-293BEDA0237F}"/>
+          </ac:spMkLst>
+        </pc:spChg>
+        <pc:spChg chg="del mod">
+          <ac:chgData name="Deni Myftiu" userId="S::deni@data-max.io::f99d7453-ae62-4519-bfb1-0c6f7a7733fd" providerId="AD" clId="Web-{2C6A122F-7688-C0CB-C218-08F680F202AE}" dt="2022-01-26T16:15:00.294" v="50"/>
+          <ac:spMkLst>
+            <pc:docMk/>
+            <pc:sldMk cId="1354698391" sldId="281"/>
+            <ac:spMk id="6" creationId="{44ABE9C1-EE46-4186-BF05-E509346D3FFC}"/>
+          </ac:spMkLst>
+        </pc:spChg>
+        <pc:spChg chg="del">
+          <ac:chgData name="Deni Myftiu" userId="S::deni@data-max.io::f99d7453-ae62-4519-bfb1-0c6f7a7733fd" providerId="AD" clId="Web-{2C6A122F-7688-C0CB-C218-08F680F202AE}" dt="2022-01-26T16:15:01.528" v="51"/>
+          <ac:spMkLst>
+            <pc:docMk/>
+            <pc:sldMk cId="1354698391" sldId="281"/>
+            <ac:spMk id="7" creationId="{4BC035A2-1E22-4CBC-A958-27D6ED55F796}"/>
+          </ac:spMkLst>
+        </pc:spChg>
+        <pc:spChg chg="add mod">
+          <ac:chgData name="Deni Myftiu" userId="S::deni@data-max.io::f99d7453-ae62-4519-bfb1-0c6f7a7733fd" providerId="AD" clId="Web-{2C6A122F-7688-C0CB-C218-08F680F202AE}" dt="2022-01-26T16:15:54.797" v="63" actId="20577"/>
+          <ac:spMkLst>
+            <pc:docMk/>
+            <pc:sldMk cId="1354698391" sldId="281"/>
+            <ac:spMk id="8" creationId="{5530F4F9-7D6C-4F4F-9883-A9FC5226038C}"/>
+          </ac:spMkLst>
+        </pc:spChg>
+        <pc:spChg chg="add mod">
+          <ac:chgData name="Deni Myftiu" userId="S::deni@data-max.io::f99d7453-ae62-4519-bfb1-0c6f7a7733fd" providerId="AD" clId="Web-{2C6A122F-7688-C0CB-C218-08F680F202AE}" dt="2022-01-26T16:15:39.969" v="60" actId="20577"/>
+          <ac:spMkLst>
+            <pc:docMk/>
+            <pc:sldMk cId="1354698391" sldId="281"/>
+            <ac:spMk id="9" creationId="{713BF663-AB96-4F08-853A-54F9065C80CE}"/>
+          </ac:spMkLst>
+        </pc:spChg>
+      </pc:sldChg>
+      <pc:sldChg chg="addSp modSp new">
+        <pc:chgData name="Deni Myftiu" userId="S::deni@data-max.io::f99d7453-ae62-4519-bfb1-0c6f7a7733fd" providerId="AD" clId="Web-{2C6A122F-7688-C0CB-C218-08F680F202AE}" dt="2022-01-26T16:17:21.099" v="78" actId="1076"/>
+        <pc:sldMkLst>
+          <pc:docMk/>
+          <pc:sldMk cId="2825549887" sldId="282"/>
+        </pc:sldMkLst>
+        <pc:spChg chg="add mod">
+          <ac:chgData name="Deni Myftiu" userId="S::deni@data-max.io::f99d7453-ae62-4519-bfb1-0c6f7a7733fd" providerId="AD" clId="Web-{2C6A122F-7688-C0CB-C218-08F680F202AE}" dt="2022-01-26T16:17:13.223" v="75" actId="20577"/>
+          <ac:spMkLst>
+            <pc:docMk/>
+            <pc:sldMk cId="2825549887" sldId="282"/>
+            <ac:spMk id="2" creationId="{34D1753D-03A6-4898-898E-590115012278}"/>
+          </ac:spMkLst>
+        </pc:spChg>
+        <pc:picChg chg="add mod">
+          <ac:chgData name="Deni Myftiu" userId="S::deni@data-max.io::f99d7453-ae62-4519-bfb1-0c6f7a7733fd" providerId="AD" clId="Web-{2C6A122F-7688-C0CB-C218-08F680F202AE}" dt="2022-01-26T16:17:21.099" v="78" actId="1076"/>
+          <ac:picMkLst>
+            <pc:docMk/>
+            <pc:sldMk cId="2825549887" sldId="282"/>
+            <ac:picMk id="3" creationId="{3D7832FC-316D-4EEC-8D39-450341851AED}"/>
+          </ac:picMkLst>
+        </pc:picChg>
+      </pc:sldChg>
+      <pc:sldChg chg="addSp modSp new">
+        <pc:chgData name="Deni Myftiu" userId="S::deni@data-max.io::f99d7453-ae62-4519-bfb1-0c6f7a7733fd" providerId="AD" clId="Web-{2C6A122F-7688-C0CB-C218-08F680F202AE}" dt="2022-01-26T16:19:34.544" v="103" actId="20577"/>
+        <pc:sldMkLst>
+          <pc:docMk/>
+          <pc:sldMk cId="2816703348" sldId="283"/>
+        </pc:sldMkLst>
+        <pc:spChg chg="add mod">
+          <ac:chgData name="Deni Myftiu" userId="S::deni@data-max.io::f99d7453-ae62-4519-bfb1-0c6f7a7733fd" providerId="AD" clId="Web-{2C6A122F-7688-C0CB-C218-08F680F202AE}" dt="2022-01-26T16:19:34.544" v="103" actId="20577"/>
+          <ac:spMkLst>
+            <pc:docMk/>
+            <pc:sldMk cId="2816703348" sldId="283"/>
+            <ac:spMk id="2" creationId="{BD426A4B-3AAF-44F7-B68E-CB9F2F0EEA1E}"/>
+          </ac:spMkLst>
+        </pc:spChg>
+        <pc:spChg chg="add mod">
+          <ac:chgData name="Deni Myftiu" userId="S::deni@data-max.io::f99d7453-ae62-4519-bfb1-0c6f7a7733fd" providerId="AD" clId="Web-{2C6A122F-7688-C0CB-C218-08F680F202AE}" dt="2022-01-26T16:18:39.072" v="91" actId="20577"/>
+          <ac:spMkLst>
+            <pc:docMk/>
+            <pc:sldMk cId="2816703348" sldId="283"/>
+            <ac:spMk id="3" creationId="{84A46CDA-4E87-4342-9FB0-03DA0EE43105}"/>
+          </ac:spMkLst>
+        </pc:spChg>
+        <pc:picChg chg="add mod">
+          <ac:chgData name="Deni Myftiu" userId="S::deni@data-max.io::f99d7453-ae62-4519-bfb1-0c6f7a7733fd" providerId="AD" clId="Web-{2C6A122F-7688-C0CB-C218-08F680F202AE}" dt="2022-01-26T16:18:49.244" v="95" actId="1076"/>
+          <ac:picMkLst>
+            <pc:docMk/>
+            <pc:sldMk cId="2816703348" sldId="283"/>
+            <ac:picMk id="4" creationId="{4AD89CC8-99FD-4C7D-9B8B-E30DD45DA0ED}"/>
+          </ac:picMkLst>
+        </pc:picChg>
+      </pc:sldChg>
+      <pc:sldChg chg="addSp delSp modSp new">
+        <pc:chgData name="Deni Myftiu" userId="S::deni@data-max.io::f99d7453-ae62-4519-bfb1-0c6f7a7733fd" providerId="AD" clId="Web-{2C6A122F-7688-C0CB-C218-08F680F202AE}" dt="2022-01-26T16:23:12.541" v="149" actId="1076"/>
+        <pc:sldMkLst>
+          <pc:docMk/>
+          <pc:sldMk cId="4132369590" sldId="284"/>
+        </pc:sldMkLst>
+        <pc:spChg chg="add del mod">
+          <ac:chgData name="Deni Myftiu" userId="S::deni@data-max.io::f99d7453-ae62-4519-bfb1-0c6f7a7733fd" providerId="AD" clId="Web-{2C6A122F-7688-C0CB-C218-08F680F202AE}" dt="2022-01-26T16:22:33.054" v="141"/>
+          <ac:spMkLst>
+            <pc:docMk/>
+            <pc:sldMk cId="4132369590" sldId="284"/>
+            <ac:spMk id="2" creationId="{D6E588D6-A7CC-47B8-9B80-B3227ECA4211}"/>
+          </ac:spMkLst>
+        </pc:spChg>
+        <pc:spChg chg="add mod">
+          <ac:chgData name="Deni Myftiu" userId="S::deni@data-max.io::f99d7453-ae62-4519-bfb1-0c6f7a7733fd" providerId="AD" clId="Web-{2C6A122F-7688-C0CB-C218-08F680F202AE}" dt="2022-01-26T16:22:58.258" v="146" actId="20577"/>
+          <ac:spMkLst>
+            <pc:docMk/>
+            <pc:sldMk cId="4132369590" sldId="284"/>
+            <ac:spMk id="4" creationId="{57B60648-8480-4E33-8DE9-A6BF2EA13702}"/>
+          </ac:spMkLst>
+        </pc:spChg>
+        <pc:picChg chg="add mod">
+          <ac:chgData name="Deni Myftiu" userId="S::deni@data-max.io::f99d7453-ae62-4519-bfb1-0c6f7a7733fd" providerId="AD" clId="Web-{2C6A122F-7688-C0CB-C218-08F680F202AE}" dt="2022-01-26T16:23:12.541" v="149" actId="1076"/>
+          <ac:picMkLst>
+            <pc:docMk/>
+            <pc:sldMk cId="4132369590" sldId="284"/>
+            <ac:picMk id="3" creationId="{E8545686-DA83-43DC-B448-FBAA276A1221}"/>
+          </ac:picMkLst>
+        </pc:picChg>
+      </pc:sldChg>
+      <pc:sldChg chg="addSp modSp new">
+        <pc:chgData name="Deni Myftiu" userId="S::deni@data-max.io::f99d7453-ae62-4519-bfb1-0c6f7a7733fd" providerId="AD" clId="Web-{2C6A122F-7688-C0CB-C218-08F680F202AE}" dt="2022-01-26T16:24:02.325" v="157" actId="14100"/>
+        <pc:sldMkLst>
+          <pc:docMk/>
+          <pc:sldMk cId="107956240" sldId="285"/>
+        </pc:sldMkLst>
+        <pc:spChg chg="add">
+          <ac:chgData name="Deni Myftiu" userId="S::deni@data-max.io::f99d7453-ae62-4519-bfb1-0c6f7a7733fd" providerId="AD" clId="Web-{2C6A122F-7688-C0CB-C218-08F680F202AE}" dt="2022-01-26T16:23:50.965" v="153"/>
+          <ac:spMkLst>
+            <pc:docMk/>
+            <pc:sldMk cId="107956240" sldId="285"/>
+            <ac:spMk id="2" creationId="{296EAA5F-3CBE-4B5F-9038-2585C8FD5AD8}"/>
+          </ac:spMkLst>
+        </pc:spChg>
+        <pc:picChg chg="add mod">
+          <ac:chgData name="Deni Myftiu" userId="S::deni@data-max.io::f99d7453-ae62-4519-bfb1-0c6f7a7733fd" providerId="AD" clId="Web-{2C6A122F-7688-C0CB-C218-08F680F202AE}" dt="2022-01-26T16:24:02.325" v="157" actId="14100"/>
+          <ac:picMkLst>
+            <pc:docMk/>
+            <pc:sldMk cId="107956240" sldId="285"/>
+            <ac:picMk id="3" creationId="{34FAD315-477C-4073-B9AC-2005F1709A7F}"/>
+          </ac:picMkLst>
+        </pc:picChg>
+      </pc:sldChg>
+    </pc:docChg>
+  </pc:docChgLst>
+</pc:chgInfo>
 </file>
 
 <file path=ppt/slideLayouts/slideLayout1.xml><?xml version="1.0" encoding="utf-8"?>
@@ -881,7 +2695,7 @@
             <a:fld id="{B61BEF0D-F0BB-DE4B-95CE-6DB70DBA9567}" type="datetimeFigureOut">
               <a:rPr lang="en-US" dirty="0"/>
               <a:pPr/>
-              <a:t>1/26/22</a:t>
+              <a:t>1/26/2022</a:t>
             </a:fld>
             <a:endParaRPr lang="en-US" dirty="0"/>
           </a:p>
@@ -1133,7 +2947,7 @@
             <a:fld id="{B61BEF0D-F0BB-DE4B-95CE-6DB70DBA9567}" type="datetimeFigureOut">
               <a:rPr lang="en-US" dirty="0"/>
               <a:pPr/>
-              <a:t>1/26/22</a:t>
+              <a:t>1/26/2022</a:t>
             </a:fld>
             <a:endParaRPr lang="en-US" dirty="0"/>
           </a:p>
@@ -1448,7 +3262,7 @@
             <a:fld id="{B61BEF0D-F0BB-DE4B-95CE-6DB70DBA9567}" type="datetimeFigureOut">
               <a:rPr lang="en-US" dirty="0"/>
               <a:pPr/>
-              <a:t>1/26/22</a:t>
+              <a:t>1/26/2022</a:t>
             </a:fld>
             <a:endParaRPr lang="en-US" dirty="0"/>
           </a:p>
@@ -1790,7 +3604,7 @@
             <a:fld id="{B61BEF0D-F0BB-DE4B-95CE-6DB70DBA9567}" type="datetimeFigureOut">
               <a:rPr lang="en-US" dirty="0"/>
               <a:pPr/>
-              <a:t>1/26/22</a:t>
+              <a:t>1/26/2022</a:t>
             </a:fld>
             <a:endParaRPr lang="en-US" dirty="0"/>
           </a:p>
@@ -2105,7 +3919,7 @@
             <a:fld id="{B61BEF0D-F0BB-DE4B-95CE-6DB70DBA9567}" type="datetimeFigureOut">
               <a:rPr lang="en-US" dirty="0"/>
               <a:pPr/>
-              <a:t>1/26/22</a:t>
+              <a:t>1/26/2022</a:t>
             </a:fld>
             <a:endParaRPr lang="en-US" dirty="0"/>
           </a:p>
@@ -2499,7 +4313,7 @@
             <a:fld id="{B61BEF0D-F0BB-DE4B-95CE-6DB70DBA9567}" type="datetimeFigureOut">
               <a:rPr lang="en-US" dirty="0"/>
               <a:pPr/>
-              <a:t>1/26/22</a:t>
+              <a:t>1/26/2022</a:t>
             </a:fld>
             <a:endParaRPr lang="en-US" dirty="0"/>
           </a:p>
@@ -2668,7 +4482,7 @@
           <a:p>
             <a:fld id="{55C6B4A9-1611-4792-9094-5F34BCA07E0B}" type="datetimeFigureOut">
               <a:rPr lang="en-US" dirty="0"/>
-              <a:t>1/26/22</a:t>
+              <a:t>1/26/2022</a:t>
             </a:fld>
             <a:endParaRPr lang="en-US" dirty="0"/>
           </a:p>
@@ -2847,7 +4661,7 @@
             <a:fld id="{B61BEF0D-F0BB-DE4B-95CE-6DB70DBA9567}" type="datetimeFigureOut">
               <a:rPr lang="en-US" dirty="0"/>
               <a:pPr/>
-              <a:t>1/26/22</a:t>
+              <a:t>1/26/2022</a:t>
             </a:fld>
             <a:endParaRPr lang="en-US" dirty="0"/>
           </a:p>
@@ -2900,6 +4714,403 @@
     <p:extLst>
       <p:ext uri="{BB962C8B-B14F-4D97-AF65-F5344CB8AC3E}">
         <p14:creationId xmlns:p14="http://schemas.microsoft.com/office/powerpoint/2010/main" val="1145578561"/>
+      </p:ext>
+    </p:extLst>
+  </p:cSld>
+  <p:clrMapOvr>
+    <a:masterClrMapping/>
+  </p:clrMapOvr>
+</p:sldLayout>
+</file>
+
+<file path=ppt/slideLayouts/slideLayout17.xml><?xml version="1.0" encoding="utf-8"?>
+<p:sldLayout xmlns:a="http://schemas.openxmlformats.org/drawingml/2006/main" xmlns:r="http://schemas.openxmlformats.org/officeDocument/2006/relationships" xmlns:p="http://schemas.openxmlformats.org/presentationml/2006/main" type="twoObj" preserve="1">
+  <p:cSld name="Two Content">
+    <p:spTree>
+      <p:nvGrpSpPr>
+        <p:cNvPr id="1" name=""/>
+        <p:cNvGrpSpPr/>
+        <p:nvPr/>
+      </p:nvGrpSpPr>
+      <p:grpSpPr>
+        <a:xfrm>
+          <a:off x="0" y="0"/>
+          <a:ext cx="0" cy="0"/>
+          <a:chOff x="0" y="0"/>
+          <a:chExt cx="0" cy="0"/>
+        </a:xfrm>
+      </p:grpSpPr>
+      <p:sp>
+        <p:nvSpPr>
+          <p:cNvPr id="2" name="Title 1"/>
+          <p:cNvSpPr>
+            <a:spLocks noGrp="1"/>
+          </p:cNvSpPr>
+          <p:nvPr>
+            <p:ph type="title"/>
+          </p:nvPr>
+        </p:nvSpPr>
+        <p:spPr/>
+        <p:txBody>
+          <a:bodyPr/>
+          <a:lstStyle/>
+          <a:p>
+            <a:r>
+              <a:rPr lang="en-US" dirty="0"/>
+              <a:t>Click to edit Master title style</a:t>
+            </a:r>
+          </a:p>
+        </p:txBody>
+      </p:sp>
+      <p:sp>
+        <p:nvSpPr>
+          <p:cNvPr id="3" name="Content Placeholder 2"/>
+          <p:cNvSpPr>
+            <a:spLocks noGrp="1"/>
+          </p:cNvSpPr>
+          <p:nvPr>
+            <p:ph sz="half" idx="1"/>
+          </p:nvPr>
+        </p:nvSpPr>
+        <p:spPr>
+          <a:xfrm>
+            <a:off x="838200" y="1825625"/>
+            <a:ext cx="5181600" cy="4351338"/>
+          </a:xfrm>
+        </p:spPr>
+        <p:txBody>
+          <a:bodyPr/>
+          <a:lstStyle/>
+          <a:p>
+            <a:pPr lvl="0"/>
+            <a:r>
+              <a:rPr lang="en-US" dirty="0"/>
+              <a:t>Click to edit Master text styles</a:t>
+            </a:r>
+          </a:p>
+          <a:p>
+            <a:pPr lvl="1"/>
+            <a:r>
+              <a:rPr lang="en-US" dirty="0"/>
+              <a:t>Second level</a:t>
+            </a:r>
+          </a:p>
+          <a:p>
+            <a:pPr lvl="2"/>
+            <a:r>
+              <a:rPr lang="en-US" dirty="0"/>
+              <a:t>Third level</a:t>
+            </a:r>
+          </a:p>
+          <a:p>
+            <a:pPr lvl="3"/>
+            <a:r>
+              <a:rPr lang="en-US" dirty="0"/>
+              <a:t>Fourth level</a:t>
+            </a:r>
+          </a:p>
+          <a:p>
+            <a:pPr lvl="4"/>
+            <a:r>
+              <a:rPr lang="en-US" dirty="0"/>
+              <a:t>Fifth level</a:t>
+            </a:r>
+          </a:p>
+        </p:txBody>
+      </p:sp>
+      <p:sp>
+        <p:nvSpPr>
+          <p:cNvPr id="4" name="Content Placeholder 3"/>
+          <p:cNvSpPr>
+            <a:spLocks noGrp="1"/>
+          </p:cNvSpPr>
+          <p:nvPr>
+            <p:ph sz="half" idx="2"/>
+          </p:nvPr>
+        </p:nvSpPr>
+        <p:spPr>
+          <a:xfrm>
+            <a:off x="6172200" y="1825625"/>
+            <a:ext cx="5181600" cy="4351338"/>
+          </a:xfrm>
+        </p:spPr>
+        <p:txBody>
+          <a:bodyPr/>
+          <a:lstStyle/>
+          <a:p>
+            <a:pPr lvl="0"/>
+            <a:r>
+              <a:rPr lang="en-US" dirty="0"/>
+              <a:t>Click to edit Master text styles</a:t>
+            </a:r>
+          </a:p>
+          <a:p>
+            <a:pPr lvl="1"/>
+            <a:r>
+              <a:rPr lang="en-US" dirty="0"/>
+              <a:t>Second level</a:t>
+            </a:r>
+          </a:p>
+          <a:p>
+            <a:pPr lvl="2"/>
+            <a:r>
+              <a:rPr lang="en-US" dirty="0"/>
+              <a:t>Third level</a:t>
+            </a:r>
+          </a:p>
+          <a:p>
+            <a:pPr lvl="3"/>
+            <a:r>
+              <a:rPr lang="en-US" dirty="0"/>
+              <a:t>Fourth level</a:t>
+            </a:r>
+          </a:p>
+          <a:p>
+            <a:pPr lvl="4"/>
+            <a:r>
+              <a:rPr lang="en-US" dirty="0"/>
+              <a:t>Fifth level</a:t>
+            </a:r>
+          </a:p>
+        </p:txBody>
+      </p:sp>
+      <p:sp>
+        <p:nvSpPr>
+          <p:cNvPr id="5" name="Date Placeholder 4"/>
+          <p:cNvSpPr>
+            <a:spLocks noGrp="1"/>
+          </p:cNvSpPr>
+          <p:nvPr>
+            <p:ph type="dt" sz="half" idx="10"/>
+          </p:nvPr>
+        </p:nvSpPr>
+        <p:spPr/>
+        <p:txBody>
+          <a:bodyPr/>
+          <a:lstStyle/>
+          <a:p>
+            <a:fld id="{C764DE79-268F-4C1A-8933-263129D2AF90}" type="datetimeFigureOut">
+              <a:rPr lang="en-US" dirty="0"/>
+              <a:t>1/26/2022</a:t>
+            </a:fld>
+            <a:endParaRPr lang="en-US" dirty="0"/>
+          </a:p>
+        </p:txBody>
+      </p:sp>
+      <p:sp>
+        <p:nvSpPr>
+          <p:cNvPr id="6" name="Footer Placeholder 5"/>
+          <p:cNvSpPr>
+            <a:spLocks noGrp="1"/>
+          </p:cNvSpPr>
+          <p:nvPr>
+            <p:ph type="ftr" sz="quarter" idx="11"/>
+          </p:nvPr>
+        </p:nvSpPr>
+        <p:spPr/>
+        <p:txBody>
+          <a:bodyPr/>
+          <a:lstStyle/>
+          <a:p>
+            <a:endParaRPr lang="en-US" dirty="0"/>
+          </a:p>
+        </p:txBody>
+      </p:sp>
+      <p:sp>
+        <p:nvSpPr>
+          <p:cNvPr id="7" name="Slide Number Placeholder 6"/>
+          <p:cNvSpPr>
+            <a:spLocks noGrp="1"/>
+          </p:cNvSpPr>
+          <p:nvPr>
+            <p:ph type="sldNum" sz="quarter" idx="12"/>
+          </p:nvPr>
+        </p:nvSpPr>
+        <p:spPr/>
+        <p:txBody>
+          <a:bodyPr/>
+          <a:lstStyle/>
+          <a:p>
+            <a:fld id="{48F63A3B-78C7-47BE-AE5E-E10140E04643}" type="slidenum">
+              <a:rPr lang="en-US" dirty="0"/>
+              <a:t>‹#›</a:t>
+            </a:fld>
+            <a:endParaRPr lang="en-US" dirty="0"/>
+          </a:p>
+        </p:txBody>
+      </p:sp>
+    </p:spTree>
+    <p:extLst>
+      <p:ext uri="{BB962C8B-B14F-4D97-AF65-F5344CB8AC3E}">
+        <p14:creationId xmlns:p14="http://schemas.microsoft.com/office/powerpoint/2010/main" val="2345738610"/>
+      </p:ext>
+    </p:extLst>
+  </p:cSld>
+  <p:clrMapOvr>
+    <a:masterClrMapping/>
+  </p:clrMapOvr>
+</p:sldLayout>
+</file>
+
+<file path=ppt/slideLayouts/slideLayout18.xml><?xml version="1.0" encoding="utf-8"?>
+<p:sldLayout xmlns:a="http://schemas.openxmlformats.org/drawingml/2006/main" xmlns:r="http://schemas.openxmlformats.org/officeDocument/2006/relationships" xmlns:p="http://schemas.openxmlformats.org/presentationml/2006/main" type="obj" preserve="1">
+  <p:cSld name="Title and Content">
+    <p:spTree>
+      <p:nvGrpSpPr>
+        <p:cNvPr id="1" name=""/>
+        <p:cNvGrpSpPr/>
+        <p:nvPr/>
+      </p:nvGrpSpPr>
+      <p:grpSpPr>
+        <a:xfrm>
+          <a:off x="0" y="0"/>
+          <a:ext cx="0" cy="0"/>
+          <a:chOff x="0" y="0"/>
+          <a:chExt cx="0" cy="0"/>
+        </a:xfrm>
+      </p:grpSpPr>
+      <p:sp>
+        <p:nvSpPr>
+          <p:cNvPr id="2" name="Title 1"/>
+          <p:cNvSpPr>
+            <a:spLocks noGrp="1"/>
+          </p:cNvSpPr>
+          <p:nvPr>
+            <p:ph type="title"/>
+          </p:nvPr>
+        </p:nvSpPr>
+        <p:spPr/>
+        <p:txBody>
+          <a:bodyPr/>
+          <a:lstStyle/>
+          <a:p>
+            <a:r>
+              <a:rPr lang="en-US" dirty="0"/>
+              <a:t>Click to edit Master title style</a:t>
+            </a:r>
+          </a:p>
+        </p:txBody>
+      </p:sp>
+      <p:sp>
+        <p:nvSpPr>
+          <p:cNvPr id="3" name="Content Placeholder 2"/>
+          <p:cNvSpPr>
+            <a:spLocks noGrp="1"/>
+          </p:cNvSpPr>
+          <p:nvPr>
+            <p:ph idx="1"/>
+          </p:nvPr>
+        </p:nvSpPr>
+        <p:spPr/>
+        <p:txBody>
+          <a:bodyPr/>
+          <a:lstStyle/>
+          <a:p>
+            <a:pPr lvl="0"/>
+            <a:r>
+              <a:rPr lang="en-US" dirty="0"/>
+              <a:t>Click to edit Master text styles</a:t>
+            </a:r>
+          </a:p>
+          <a:p>
+            <a:pPr lvl="1"/>
+            <a:r>
+              <a:rPr lang="en-US" dirty="0"/>
+              <a:t>Second level</a:t>
+            </a:r>
+          </a:p>
+          <a:p>
+            <a:pPr lvl="2"/>
+            <a:r>
+              <a:rPr lang="en-US" dirty="0"/>
+              <a:t>Third level</a:t>
+            </a:r>
+          </a:p>
+          <a:p>
+            <a:pPr lvl="3"/>
+            <a:r>
+              <a:rPr lang="en-US" dirty="0"/>
+              <a:t>Fourth level</a:t>
+            </a:r>
+          </a:p>
+          <a:p>
+            <a:pPr lvl="4"/>
+            <a:r>
+              <a:rPr lang="en-US" dirty="0"/>
+              <a:t>Fifth level</a:t>
+            </a:r>
+          </a:p>
+        </p:txBody>
+      </p:sp>
+      <p:sp>
+        <p:nvSpPr>
+          <p:cNvPr id="4" name="Date Placeholder 3"/>
+          <p:cNvSpPr>
+            <a:spLocks noGrp="1"/>
+          </p:cNvSpPr>
+          <p:nvPr>
+            <p:ph type="dt" sz="half" idx="10"/>
+          </p:nvPr>
+        </p:nvSpPr>
+        <p:spPr/>
+        <p:txBody>
+          <a:bodyPr/>
+          <a:lstStyle/>
+          <a:p>
+            <a:fld id="{C764DE79-268F-4C1A-8933-263129D2AF90}" type="datetimeFigureOut">
+              <a:rPr lang="en-US" dirty="0"/>
+              <a:t>1/26/2022</a:t>
+            </a:fld>
+            <a:endParaRPr lang="en-US" dirty="0"/>
+          </a:p>
+        </p:txBody>
+      </p:sp>
+      <p:sp>
+        <p:nvSpPr>
+          <p:cNvPr id="5" name="Footer Placeholder 4"/>
+          <p:cNvSpPr>
+            <a:spLocks noGrp="1"/>
+          </p:cNvSpPr>
+          <p:nvPr>
+            <p:ph type="ftr" sz="quarter" idx="11"/>
+          </p:nvPr>
+        </p:nvSpPr>
+        <p:spPr/>
+        <p:txBody>
+          <a:bodyPr/>
+          <a:lstStyle/>
+          <a:p>
+            <a:endParaRPr lang="en-US" dirty="0"/>
+          </a:p>
+        </p:txBody>
+      </p:sp>
+      <p:sp>
+        <p:nvSpPr>
+          <p:cNvPr id="6" name="Slide Number Placeholder 5"/>
+          <p:cNvSpPr>
+            <a:spLocks noGrp="1"/>
+          </p:cNvSpPr>
+          <p:nvPr>
+            <p:ph type="sldNum" sz="quarter" idx="12"/>
+          </p:nvPr>
+        </p:nvSpPr>
+        <p:spPr/>
+        <p:txBody>
+          <a:bodyPr/>
+          <a:lstStyle/>
+          <a:p>
+            <a:fld id="{48F63A3B-78C7-47BE-AE5E-E10140E04643}" type="slidenum">
+              <a:rPr lang="en-US" dirty="0"/>
+              <a:t>‹#›</a:t>
+            </a:fld>
+            <a:endParaRPr lang="en-US" dirty="0"/>
+          </a:p>
+        </p:txBody>
+      </p:sp>
+    </p:spTree>
+    <p:extLst>
+      <p:ext uri="{BB962C8B-B14F-4D97-AF65-F5344CB8AC3E}">
+        <p14:creationId xmlns:p14="http://schemas.microsoft.com/office/powerpoint/2010/main" val="420365821"/>
       </p:ext>
     </p:extLst>
   </p:cSld>
@@ -3023,7 +5234,7 @@
             <a:fld id="{B61BEF0D-F0BB-DE4B-95CE-6DB70DBA9567}" type="datetimeFigureOut">
               <a:rPr lang="en-US" dirty="0"/>
               <a:pPr/>
-              <a:t>1/26/22</a:t>
+              <a:t>1/26/2022</a:t>
             </a:fld>
             <a:endParaRPr lang="en-US" dirty="0"/>
           </a:p>
@@ -3271,7 +5482,7 @@
             <a:fld id="{B61BEF0D-F0BB-DE4B-95CE-6DB70DBA9567}" type="datetimeFigureOut">
               <a:rPr lang="en-US" dirty="0"/>
               <a:pPr/>
-              <a:t>1/26/22</a:t>
+              <a:t>1/26/2022</a:t>
             </a:fld>
             <a:endParaRPr lang="en-US" dirty="0"/>
           </a:p>
@@ -3501,7 +5712,7 @@
           <a:p>
             <a:fld id="{EB712588-04B1-427B-82EE-E8DB90309F08}" type="datetimeFigureOut">
               <a:rPr lang="en-US" dirty="0"/>
-              <a:t>1/26/22</a:t>
+              <a:t>1/26/2022</a:t>
             </a:fld>
             <a:endParaRPr lang="en-US" dirty="0"/>
           </a:p>
@@ -3873,7 +6084,7 @@
             <a:fld id="{B61BEF0D-F0BB-DE4B-95CE-6DB70DBA9567}" type="datetimeFigureOut">
               <a:rPr lang="en-US" dirty="0"/>
               <a:pPr/>
-              <a:t>1/26/22</a:t>
+              <a:t>1/26/2022</a:t>
             </a:fld>
             <a:endParaRPr lang="en-US" dirty="0"/>
           </a:p>
@@ -3997,7 +6208,7 @@
             <a:fld id="{B61BEF0D-F0BB-DE4B-95CE-6DB70DBA9567}" type="datetimeFigureOut">
               <a:rPr lang="en-US" dirty="0"/>
               <a:pPr/>
-              <a:t>1/26/22</a:t>
+              <a:t>1/26/2022</a:t>
             </a:fld>
             <a:endParaRPr lang="en-US" dirty="0"/>
           </a:p>
@@ -4094,7 +6305,7 @@
             <a:fld id="{B61BEF0D-F0BB-DE4B-95CE-6DB70DBA9567}" type="datetimeFigureOut">
               <a:rPr lang="en-US" dirty="0"/>
               <a:pPr/>
-              <a:t>1/26/22</a:t>
+              <a:t>1/26/2022</a:t>
             </a:fld>
             <a:endParaRPr lang="en-US" dirty="0"/>
           </a:p>
@@ -4348,7 +6559,7 @@
           <a:p>
             <a:fld id="{42A54C80-263E-416B-A8E0-580EDEADCBDC}" type="datetimeFigureOut">
               <a:rPr lang="en-US" dirty="0"/>
-              <a:t>1/26/22</a:t>
+              <a:t>1/26/2022</a:t>
             </a:fld>
             <a:endParaRPr lang="en-US" dirty="0"/>
           </a:p>
@@ -4607,7 +6818,7 @@
             <a:fld id="{B61BEF0D-F0BB-DE4B-95CE-6DB70DBA9567}" type="datetimeFigureOut">
               <a:rPr lang="en-US" dirty="0"/>
               <a:pPr/>
-              <a:t>1/26/22</a:t>
+              <a:t>1/26/2022</a:t>
             </a:fld>
             <a:endParaRPr lang="en-US" dirty="0"/>
           </a:p>
@@ -5350,7 +7561,7 @@
             <a:fld id="{B61BEF0D-F0BB-DE4B-95CE-6DB70DBA9567}" type="datetimeFigureOut">
               <a:rPr lang="en-US" dirty="0"/>
               <a:pPr/>
-              <a:t>1/26/22</a:t>
+              <a:t>1/26/2022</a:t>
             </a:fld>
             <a:endParaRPr lang="en-US" dirty="0"/>
           </a:p>
@@ -5444,11 +7655,11 @@
   <p:sldLayoutIdLst>
     <p:sldLayoutId id="2147483724" r:id="rId1"/>
     <p:sldLayoutId id="2147483725" r:id="rId2"/>
-    <p:sldLayoutId id="2147483726" r:id="rId3"/>
+    <p:sldLayoutId id="2147483740" r:id="rId3"/>
     <p:sldLayoutId id="2147483727" r:id="rId4"/>
-    <p:sldLayoutId id="2147483728" r:id="rId5"/>
+    <p:sldLayoutId id="2147483741" r:id="rId5"/>
     <p:sldLayoutId id="2147483729" r:id="rId6"/>
-    <p:sldLayoutId id="2147483730" r:id="rId7"/>
+    <p:sldLayoutId id="2147483742" r:id="rId7"/>
     <p:sldLayoutId id="2147483731" r:id="rId8"/>
     <p:sldLayoutId id="2147483732" r:id="rId9"/>
     <p:sldLayoutId id="2147483733" r:id="rId10"/>
@@ -5858,6 +8069,535 @@
 </p:sldMaster>
 </file>
 
+<file path=ppt/slideMasters/slideMaster2.xml><?xml version="1.0" encoding="utf-8"?>
+<p:sldMaster xmlns:a="http://schemas.openxmlformats.org/drawingml/2006/main" xmlns:r="http://schemas.openxmlformats.org/officeDocument/2006/relationships" xmlns:p="http://schemas.openxmlformats.org/presentationml/2006/main">
+  <p:cSld>
+    <p:bg>
+      <p:bgRef idx="1001">
+        <a:schemeClr val="bg1"/>
+      </p:bgRef>
+    </p:bg>
+    <p:spTree>
+      <p:nvGrpSpPr>
+        <p:cNvPr id="1" name=""/>
+        <p:cNvGrpSpPr/>
+        <p:nvPr/>
+      </p:nvGrpSpPr>
+      <p:grpSpPr>
+        <a:xfrm>
+          <a:off x="0" y="0"/>
+          <a:ext cx="0" cy="0"/>
+          <a:chOff x="0" y="0"/>
+          <a:chExt cx="0" cy="0"/>
+        </a:xfrm>
+      </p:grpSpPr>
+      <p:sp>
+        <p:nvSpPr>
+          <p:cNvPr id="2" name="Title Placeholder 1"/>
+          <p:cNvSpPr>
+            <a:spLocks noGrp="1"/>
+          </p:cNvSpPr>
+          <p:nvPr>
+            <p:ph type="title"/>
+          </p:nvPr>
+        </p:nvSpPr>
+        <p:spPr>
+          <a:xfrm>
+            <a:off x="838200" y="365125"/>
+            <a:ext cx="10515600" cy="1325563"/>
+          </a:xfrm>
+          <a:prstGeom prst="rect">
+            <a:avLst/>
+          </a:prstGeom>
+        </p:spPr>
+        <p:txBody>
+          <a:bodyPr vert="horz" lIns="91440" tIns="45720" rIns="91440" bIns="45720" rtlCol="0" anchor="ctr">
+            <a:normAutofit/>
+          </a:bodyPr>
+          <a:lstStyle/>
+          <a:p>
+            <a:r>
+              <a:rPr lang="en-US" dirty="0"/>
+              <a:t>Click to edit Master title style</a:t>
+            </a:r>
+          </a:p>
+        </p:txBody>
+      </p:sp>
+      <p:sp>
+        <p:nvSpPr>
+          <p:cNvPr id="3" name="Text Placeholder 2"/>
+          <p:cNvSpPr>
+            <a:spLocks noGrp="1"/>
+          </p:cNvSpPr>
+          <p:nvPr>
+            <p:ph type="body" idx="1"/>
+          </p:nvPr>
+        </p:nvSpPr>
+        <p:spPr>
+          <a:xfrm>
+            <a:off x="838200" y="1825625"/>
+            <a:ext cx="10515600" cy="4351338"/>
+          </a:xfrm>
+          <a:prstGeom prst="rect">
+            <a:avLst/>
+          </a:prstGeom>
+        </p:spPr>
+        <p:txBody>
+          <a:bodyPr vert="horz" lIns="91440" tIns="45720" rIns="91440" bIns="45720" rtlCol="0">
+            <a:normAutofit/>
+          </a:bodyPr>
+          <a:lstStyle/>
+          <a:p>
+            <a:pPr lvl="0"/>
+            <a:r>
+              <a:rPr lang="en-US" dirty="0"/>
+              <a:t>Click to edit Master text styles</a:t>
+            </a:r>
+          </a:p>
+          <a:p>
+            <a:pPr lvl="1"/>
+            <a:r>
+              <a:rPr lang="en-US" dirty="0"/>
+              <a:t>Second level</a:t>
+            </a:r>
+          </a:p>
+          <a:p>
+            <a:pPr lvl="2"/>
+            <a:r>
+              <a:rPr lang="en-US" dirty="0"/>
+              <a:t>Third level</a:t>
+            </a:r>
+          </a:p>
+          <a:p>
+            <a:pPr lvl="3"/>
+            <a:r>
+              <a:rPr lang="en-US" dirty="0"/>
+              <a:t>Fourth level</a:t>
+            </a:r>
+          </a:p>
+          <a:p>
+            <a:pPr lvl="4"/>
+            <a:r>
+              <a:rPr lang="en-US" dirty="0"/>
+              <a:t>Fifth level</a:t>
+            </a:r>
+          </a:p>
+        </p:txBody>
+      </p:sp>
+      <p:sp>
+        <p:nvSpPr>
+          <p:cNvPr id="4" name="Date Placeholder 3"/>
+          <p:cNvSpPr>
+            <a:spLocks noGrp="1"/>
+          </p:cNvSpPr>
+          <p:nvPr>
+            <p:ph type="dt" sz="half" idx="2"/>
+          </p:nvPr>
+        </p:nvSpPr>
+        <p:spPr>
+          <a:xfrm>
+            <a:off x="838200" y="6356350"/>
+            <a:ext cx="2743200" cy="365125"/>
+          </a:xfrm>
+          <a:prstGeom prst="rect">
+            <a:avLst/>
+          </a:prstGeom>
+        </p:spPr>
+        <p:txBody>
+          <a:bodyPr vert="horz" lIns="91440" tIns="45720" rIns="91440" bIns="45720" rtlCol="0" anchor="ctr"/>
+          <a:lstStyle>
+            <a:lvl1pPr algn="l">
+              <a:defRPr sz="1200">
+                <a:solidFill>
+                  <a:schemeClr val="tx1">
+                    <a:tint val="75000"/>
+                  </a:schemeClr>
+                </a:solidFill>
+              </a:defRPr>
+            </a:lvl1pPr>
+          </a:lstStyle>
+          <a:p>
+            <a:fld id="{C764DE79-268F-4C1A-8933-263129D2AF90}" type="datetimeFigureOut">
+              <a:rPr lang="en-US" dirty="0"/>
+              <a:t>1/26/2022</a:t>
+            </a:fld>
+            <a:endParaRPr lang="en-US" dirty="0"/>
+          </a:p>
+        </p:txBody>
+      </p:sp>
+      <p:sp>
+        <p:nvSpPr>
+          <p:cNvPr id="5" name="Footer Placeholder 4"/>
+          <p:cNvSpPr>
+            <a:spLocks noGrp="1"/>
+          </p:cNvSpPr>
+          <p:nvPr>
+            <p:ph type="ftr" sz="quarter" idx="3"/>
+          </p:nvPr>
+        </p:nvSpPr>
+        <p:spPr>
+          <a:xfrm>
+            <a:off x="4038600" y="6356350"/>
+            <a:ext cx="4114800" cy="365125"/>
+          </a:xfrm>
+          <a:prstGeom prst="rect">
+            <a:avLst/>
+          </a:prstGeom>
+        </p:spPr>
+        <p:txBody>
+          <a:bodyPr vert="horz" lIns="91440" tIns="45720" rIns="91440" bIns="45720" rtlCol="0" anchor="ctr"/>
+          <a:lstStyle>
+            <a:lvl1pPr algn="ctr">
+              <a:defRPr sz="1200">
+                <a:solidFill>
+                  <a:schemeClr val="tx1">
+                    <a:tint val="75000"/>
+                  </a:schemeClr>
+                </a:solidFill>
+              </a:defRPr>
+            </a:lvl1pPr>
+          </a:lstStyle>
+          <a:p>
+            <a:endParaRPr lang="en-US" dirty="0"/>
+          </a:p>
+        </p:txBody>
+      </p:sp>
+      <p:sp>
+        <p:nvSpPr>
+          <p:cNvPr id="6" name="Slide Number Placeholder 5"/>
+          <p:cNvSpPr>
+            <a:spLocks noGrp="1"/>
+          </p:cNvSpPr>
+          <p:nvPr>
+            <p:ph type="sldNum" sz="quarter" idx="4"/>
+          </p:nvPr>
+        </p:nvSpPr>
+        <p:spPr>
+          <a:xfrm>
+            <a:off x="8610600" y="6356350"/>
+            <a:ext cx="2743200" cy="365125"/>
+          </a:xfrm>
+          <a:prstGeom prst="rect">
+            <a:avLst/>
+          </a:prstGeom>
+        </p:spPr>
+        <p:txBody>
+          <a:bodyPr vert="horz" lIns="91440" tIns="45720" rIns="91440" bIns="45720" rtlCol="0" anchor="ctr"/>
+          <a:lstStyle>
+            <a:lvl1pPr algn="r">
+              <a:defRPr sz="1200">
+                <a:solidFill>
+                  <a:schemeClr val="tx1">
+                    <a:tint val="75000"/>
+                  </a:schemeClr>
+                </a:solidFill>
+              </a:defRPr>
+            </a:lvl1pPr>
+          </a:lstStyle>
+          <a:p>
+            <a:fld id="{48F63A3B-78C7-47BE-AE5E-E10140E04643}" type="slidenum">
+              <a:rPr lang="en-US" dirty="0"/>
+              <a:t>‹#›</a:t>
+            </a:fld>
+            <a:endParaRPr lang="en-US" dirty="0"/>
+          </a:p>
+        </p:txBody>
+      </p:sp>
+    </p:spTree>
+    <p:extLst>
+      <p:ext uri="{BB962C8B-B14F-4D97-AF65-F5344CB8AC3E}">
+        <p14:creationId xmlns:p14="http://schemas.microsoft.com/office/powerpoint/2010/main" val="2818615679"/>
+      </p:ext>
+    </p:extLst>
+  </p:cSld>
+  <p:clrMap bg1="lt1" tx1="dk1" bg2="lt2" tx2="dk2" accent1="accent1" accent2="accent2" accent3="accent3" accent4="accent4" accent5="accent5" accent6="accent6" hlink="hlink" folHlink="folHlink"/>
+  <p:sldLayoutIdLst>
+    <p:sldLayoutId id="2147483730" r:id="rId1"/>
+    <p:sldLayoutId id="2147483728" r:id="rId2"/>
+  </p:sldLayoutIdLst>
+  <p:txStyles>
+    <p:titleStyle>
+      <a:lvl1pPr algn="l" defTabSz="914400" rtl="0" eaLnBrk="1" latinLnBrk="0" hangingPunct="1">
+        <a:lnSpc>
+          <a:spcPct val="90000"/>
+        </a:lnSpc>
+        <a:spcBef>
+          <a:spcPct val="0"/>
+        </a:spcBef>
+        <a:buNone/>
+        <a:defRPr sz="4400" kern="1200">
+          <a:solidFill>
+            <a:schemeClr val="tx1"/>
+          </a:solidFill>
+          <a:latin typeface="+mj-lt"/>
+          <a:ea typeface="+mj-ea"/>
+          <a:cs typeface="+mj-cs"/>
+        </a:defRPr>
+      </a:lvl1pPr>
+    </p:titleStyle>
+    <p:bodyStyle>
+      <a:lvl1pPr marL="228600" indent="-228600" algn="l" defTabSz="914400" rtl="0" eaLnBrk="1" latinLnBrk="0" hangingPunct="1">
+        <a:lnSpc>
+          <a:spcPct val="90000"/>
+        </a:lnSpc>
+        <a:spcBef>
+          <a:spcPts val="1000"/>
+        </a:spcBef>
+        <a:buFont typeface="Arial" panose="020B0604020202020204" pitchFamily="34" charset="0"/>
+        <a:buChar char="•"/>
+        <a:defRPr sz="2800" kern="1200">
+          <a:solidFill>
+            <a:schemeClr val="tx1"/>
+          </a:solidFill>
+          <a:latin typeface="+mn-lt"/>
+          <a:ea typeface="+mn-ea"/>
+          <a:cs typeface="+mn-cs"/>
+        </a:defRPr>
+      </a:lvl1pPr>
+      <a:lvl2pPr marL="685800" indent="-228600" algn="l" defTabSz="914400" rtl="0" eaLnBrk="1" latinLnBrk="0" hangingPunct="1">
+        <a:lnSpc>
+          <a:spcPct val="90000"/>
+        </a:lnSpc>
+        <a:spcBef>
+          <a:spcPts val="500"/>
+        </a:spcBef>
+        <a:buFont typeface="Arial" panose="020B0604020202020204" pitchFamily="34" charset="0"/>
+        <a:buChar char="•"/>
+        <a:defRPr sz="2400" kern="1200">
+          <a:solidFill>
+            <a:schemeClr val="tx1"/>
+          </a:solidFill>
+          <a:latin typeface="+mn-lt"/>
+          <a:ea typeface="+mn-ea"/>
+          <a:cs typeface="+mn-cs"/>
+        </a:defRPr>
+      </a:lvl2pPr>
+      <a:lvl3pPr marL="1143000" indent="-228600" algn="l" defTabSz="914400" rtl="0" eaLnBrk="1" latinLnBrk="0" hangingPunct="1">
+        <a:lnSpc>
+          <a:spcPct val="90000"/>
+        </a:lnSpc>
+        <a:spcBef>
+          <a:spcPts val="500"/>
+        </a:spcBef>
+        <a:buFont typeface="Arial" panose="020B0604020202020204" pitchFamily="34" charset="0"/>
+        <a:buChar char="•"/>
+        <a:defRPr sz="2000" kern="1200">
+          <a:solidFill>
+            <a:schemeClr val="tx1"/>
+          </a:solidFill>
+          <a:latin typeface="+mn-lt"/>
+          <a:ea typeface="+mn-ea"/>
+          <a:cs typeface="+mn-cs"/>
+        </a:defRPr>
+      </a:lvl3pPr>
+      <a:lvl4pPr marL="1600200" indent="-228600" algn="l" defTabSz="914400" rtl="0" eaLnBrk="1" latinLnBrk="0" hangingPunct="1">
+        <a:lnSpc>
+          <a:spcPct val="90000"/>
+        </a:lnSpc>
+        <a:spcBef>
+          <a:spcPts val="500"/>
+        </a:spcBef>
+        <a:buFont typeface="Arial" panose="020B0604020202020204" pitchFamily="34" charset="0"/>
+        <a:buChar char="•"/>
+        <a:defRPr sz="1800" kern="1200">
+          <a:solidFill>
+            <a:schemeClr val="tx1"/>
+          </a:solidFill>
+          <a:latin typeface="+mn-lt"/>
+          <a:ea typeface="+mn-ea"/>
+          <a:cs typeface="+mn-cs"/>
+        </a:defRPr>
+      </a:lvl4pPr>
+      <a:lvl5pPr marL="2057400" indent="-228600" algn="l" defTabSz="914400" rtl="0" eaLnBrk="1" latinLnBrk="0" hangingPunct="1">
+        <a:lnSpc>
+          <a:spcPct val="90000"/>
+        </a:lnSpc>
+        <a:spcBef>
+          <a:spcPts val="500"/>
+        </a:spcBef>
+        <a:buFont typeface="Arial" panose="020B0604020202020204" pitchFamily="34" charset="0"/>
+        <a:buChar char="•"/>
+        <a:defRPr sz="1800" kern="1200">
+          <a:solidFill>
+            <a:schemeClr val="tx1"/>
+          </a:solidFill>
+          <a:latin typeface="+mn-lt"/>
+          <a:ea typeface="+mn-ea"/>
+          <a:cs typeface="+mn-cs"/>
+        </a:defRPr>
+      </a:lvl5pPr>
+      <a:lvl6pPr marL="2514600" indent="-228600" algn="l" defTabSz="914400" rtl="0" eaLnBrk="1" latinLnBrk="0" hangingPunct="1">
+        <a:lnSpc>
+          <a:spcPct val="90000"/>
+        </a:lnSpc>
+        <a:spcBef>
+          <a:spcPts val="500"/>
+        </a:spcBef>
+        <a:buFont typeface="Arial" panose="020B0604020202020204" pitchFamily="34" charset="0"/>
+        <a:buChar char="•"/>
+        <a:defRPr sz="1800" kern="1200">
+          <a:solidFill>
+            <a:schemeClr val="tx1"/>
+          </a:solidFill>
+          <a:latin typeface="+mn-lt"/>
+          <a:ea typeface="+mn-ea"/>
+          <a:cs typeface="+mn-cs"/>
+        </a:defRPr>
+      </a:lvl6pPr>
+      <a:lvl7pPr marL="2971800" indent="-228600" algn="l" defTabSz="914400" rtl="0" eaLnBrk="1" latinLnBrk="0" hangingPunct="1">
+        <a:lnSpc>
+          <a:spcPct val="90000"/>
+        </a:lnSpc>
+        <a:spcBef>
+          <a:spcPts val="500"/>
+        </a:spcBef>
+        <a:buFont typeface="Arial" panose="020B0604020202020204" pitchFamily="34" charset="0"/>
+        <a:buChar char="•"/>
+        <a:defRPr sz="1800" kern="1200">
+          <a:solidFill>
+            <a:schemeClr val="tx1"/>
+          </a:solidFill>
+          <a:latin typeface="+mn-lt"/>
+          <a:ea typeface="+mn-ea"/>
+          <a:cs typeface="+mn-cs"/>
+        </a:defRPr>
+      </a:lvl7pPr>
+      <a:lvl8pPr marL="3429000" indent="-228600" algn="l" defTabSz="914400" rtl="0" eaLnBrk="1" latinLnBrk="0" hangingPunct="1">
+        <a:lnSpc>
+          <a:spcPct val="90000"/>
+        </a:lnSpc>
+        <a:spcBef>
+          <a:spcPts val="500"/>
+        </a:spcBef>
+        <a:buFont typeface="Arial" panose="020B0604020202020204" pitchFamily="34" charset="0"/>
+        <a:buChar char="•"/>
+        <a:defRPr sz="1800" kern="1200">
+          <a:solidFill>
+            <a:schemeClr val="tx1"/>
+          </a:solidFill>
+          <a:latin typeface="+mn-lt"/>
+          <a:ea typeface="+mn-ea"/>
+          <a:cs typeface="+mn-cs"/>
+        </a:defRPr>
+      </a:lvl8pPr>
+      <a:lvl9pPr marL="3886200" indent="-228600" algn="l" defTabSz="914400" rtl="0" eaLnBrk="1" latinLnBrk="0" hangingPunct="1">
+        <a:lnSpc>
+          <a:spcPct val="90000"/>
+        </a:lnSpc>
+        <a:spcBef>
+          <a:spcPts val="500"/>
+        </a:spcBef>
+        <a:buFont typeface="Arial" panose="020B0604020202020204" pitchFamily="34" charset="0"/>
+        <a:buChar char="•"/>
+        <a:defRPr sz="1800" kern="1200">
+          <a:solidFill>
+            <a:schemeClr val="tx1"/>
+          </a:solidFill>
+          <a:latin typeface="+mn-lt"/>
+          <a:ea typeface="+mn-ea"/>
+          <a:cs typeface="+mn-cs"/>
+        </a:defRPr>
+      </a:lvl9pPr>
+    </p:bodyStyle>
+    <p:otherStyle>
+      <a:defPPr>
+        <a:defRPr lang="en-US"/>
+      </a:defPPr>
+      <a:lvl1pPr marL="0" algn="l" defTabSz="914400" rtl="0" eaLnBrk="1" latinLnBrk="0" hangingPunct="1">
+        <a:defRPr sz="1800" kern="1200">
+          <a:solidFill>
+            <a:schemeClr val="tx1"/>
+          </a:solidFill>
+          <a:latin typeface="+mn-lt"/>
+          <a:ea typeface="+mn-ea"/>
+          <a:cs typeface="+mn-cs"/>
+        </a:defRPr>
+      </a:lvl1pPr>
+      <a:lvl2pPr marL="457200" algn="l" defTabSz="914400" rtl="0" eaLnBrk="1" latinLnBrk="0" hangingPunct="1">
+        <a:defRPr sz="1800" kern="1200">
+          <a:solidFill>
+            <a:schemeClr val="tx1"/>
+          </a:solidFill>
+          <a:latin typeface="+mn-lt"/>
+          <a:ea typeface="+mn-ea"/>
+          <a:cs typeface="+mn-cs"/>
+        </a:defRPr>
+      </a:lvl2pPr>
+      <a:lvl3pPr marL="914400" algn="l" defTabSz="914400" rtl="0" eaLnBrk="1" latinLnBrk="0" hangingPunct="1">
+        <a:defRPr sz="1800" kern="1200">
+          <a:solidFill>
+            <a:schemeClr val="tx1"/>
+          </a:solidFill>
+          <a:latin typeface="+mn-lt"/>
+          <a:ea typeface="+mn-ea"/>
+          <a:cs typeface="+mn-cs"/>
+        </a:defRPr>
+      </a:lvl3pPr>
+      <a:lvl4pPr marL="1371600" algn="l" defTabSz="914400" rtl="0" eaLnBrk="1" latinLnBrk="0" hangingPunct="1">
+        <a:defRPr sz="1800" kern="1200">
+          <a:solidFill>
+            <a:schemeClr val="tx1"/>
+          </a:solidFill>
+          <a:latin typeface="+mn-lt"/>
+          <a:ea typeface="+mn-ea"/>
+          <a:cs typeface="+mn-cs"/>
+        </a:defRPr>
+      </a:lvl4pPr>
+      <a:lvl5pPr marL="1828800" algn="l" defTabSz="914400" rtl="0" eaLnBrk="1" latinLnBrk="0" hangingPunct="1">
+        <a:defRPr sz="1800" kern="1200">
+          <a:solidFill>
+            <a:schemeClr val="tx1"/>
+          </a:solidFill>
+          <a:latin typeface="+mn-lt"/>
+          <a:ea typeface="+mn-ea"/>
+          <a:cs typeface="+mn-cs"/>
+        </a:defRPr>
+      </a:lvl5pPr>
+      <a:lvl6pPr marL="2286000" algn="l" defTabSz="914400" rtl="0" eaLnBrk="1" latinLnBrk="0" hangingPunct="1">
+        <a:defRPr sz="1800" kern="1200">
+          <a:solidFill>
+            <a:schemeClr val="tx1"/>
+          </a:solidFill>
+          <a:latin typeface="+mn-lt"/>
+          <a:ea typeface="+mn-ea"/>
+          <a:cs typeface="+mn-cs"/>
+        </a:defRPr>
+      </a:lvl6pPr>
+      <a:lvl7pPr marL="2743200" algn="l" defTabSz="914400" rtl="0" eaLnBrk="1" latinLnBrk="0" hangingPunct="1">
+        <a:defRPr sz="1800" kern="1200">
+          <a:solidFill>
+            <a:schemeClr val="tx1"/>
+          </a:solidFill>
+          <a:latin typeface="+mn-lt"/>
+          <a:ea typeface="+mn-ea"/>
+          <a:cs typeface="+mn-cs"/>
+        </a:defRPr>
+      </a:lvl7pPr>
+      <a:lvl8pPr marL="3200400" algn="l" defTabSz="914400" rtl="0" eaLnBrk="1" latinLnBrk="0" hangingPunct="1">
+        <a:defRPr sz="1800" kern="1200">
+          <a:solidFill>
+            <a:schemeClr val="tx1"/>
+          </a:solidFill>
+          <a:latin typeface="+mn-lt"/>
+          <a:ea typeface="+mn-ea"/>
+          <a:cs typeface="+mn-cs"/>
+        </a:defRPr>
+      </a:lvl8pPr>
+      <a:lvl9pPr marL="3657600" algn="l" defTabSz="914400" rtl="0" eaLnBrk="1" latinLnBrk="0" hangingPunct="1">
+        <a:defRPr sz="1800" kern="1200">
+          <a:solidFill>
+            <a:schemeClr val="tx1"/>
+          </a:solidFill>
+          <a:latin typeface="+mn-lt"/>
+          <a:ea typeface="+mn-ea"/>
+          <a:cs typeface="+mn-cs"/>
+        </a:defRPr>
+      </a:lvl9pPr>
+    </p:otherStyle>
+  </p:txStyles>
+</p:sldMaster>
+</file>
+
 <file path=ppt/slides/slide1.xml><?xml version="1.0" encoding="utf-8"?>
 <p:sld xmlns:a="http://schemas.openxmlformats.org/drawingml/2006/main" xmlns:r="http://schemas.openxmlformats.org/officeDocument/2006/relationships" xmlns:p="http://schemas.openxmlformats.org/presentationml/2006/main">
   <p:cSld>
@@ -6502,8 +9242,8 @@
           </a:p>
         </p:txBody>
       </p:sp>
-      <mc:AlternateContent xmlns:mc="http://schemas.openxmlformats.org/markup-compatibility/2006">
-        <mc:Choice xmlns:a14="http://schemas.microsoft.com/office/drawing/2010/main" Requires="a14">
+      <mc:AlternateContent xmlns:mc="http://schemas.openxmlformats.org/markup-compatibility/2006" xmlns:a14="http://schemas.microsoft.com/office/drawing/2010/main">
+        <mc:Choice Requires="a14">
           <p:sp>
             <p:nvSpPr>
               <p:cNvPr id="5" name="Content Placeholder 4">
@@ -6700,7 +9440,7 @@
             </p:txBody>
           </p:sp>
         </mc:Choice>
-        <mc:Fallback>
+        <mc:Fallback xmlns="">
           <p:sp>
             <p:nvSpPr>
               <p:cNvPr id="5" name="Content Placeholder 4">
@@ -6829,6 +9569,2297 @@
 </p:sld>
 </file>
 
+<file path=ppt/slides/slide13.xml><?xml version="1.0" encoding="utf-8"?>
+<p:sld xmlns:a="http://schemas.openxmlformats.org/drawingml/2006/main" xmlns:r="http://schemas.openxmlformats.org/officeDocument/2006/relationships" xmlns:p="http://schemas.openxmlformats.org/presentationml/2006/main">
+  <p:cSld>
+    <p:spTree>
+      <p:nvGrpSpPr>
+        <p:cNvPr id="1" name=""/>
+        <p:cNvGrpSpPr/>
+        <p:nvPr/>
+      </p:nvGrpSpPr>
+      <p:grpSpPr>
+        <a:xfrm>
+          <a:off x="0" y="0"/>
+          <a:ext cx="0" cy="0"/>
+          <a:chOff x="0" y="0"/>
+          <a:chExt cx="0" cy="0"/>
+        </a:xfrm>
+      </p:grpSpPr>
+      <p:sp>
+        <p:nvSpPr>
+          <p:cNvPr id="2" name="Title 1">
+            <a:extLst>
+              <a:ext uri="{FF2B5EF4-FFF2-40B4-BE49-F238E27FC236}">
+                <a16:creationId xmlns:a16="http://schemas.microsoft.com/office/drawing/2014/main" id="{FC10DE8E-1982-464A-8461-DA663AFAFC8A}"/>
+              </a:ext>
+            </a:extLst>
+          </p:cNvPr>
+          <p:cNvSpPr>
+            <a:spLocks noGrp="1"/>
+          </p:cNvSpPr>
+          <p:nvPr>
+            <p:ph type="title"/>
+          </p:nvPr>
+        </p:nvSpPr>
+        <p:spPr>
+          <a:xfrm>
+            <a:off x="677334" y="609600"/>
+            <a:ext cx="8605848" cy="659788"/>
+          </a:xfrm>
+        </p:spPr>
+        <p:txBody>
+          <a:bodyPr/>
+          <a:lstStyle/>
+          <a:p>
+            <a:pPr algn="ctr">
+              <a:lnSpc>
+                <a:spcPct val="90000"/>
+              </a:lnSpc>
+            </a:pPr>
+            <a:r>
+              <a:rPr lang="en-US" dirty="0">
+                <a:ea typeface="+mj-lt"/>
+                <a:cs typeface="+mj-lt"/>
+              </a:rPr>
+              <a:t>HTTP (Hypertext Transfer Protocol)</a:t>
+            </a:r>
+          </a:p>
+        </p:txBody>
+      </p:sp>
+      <p:sp>
+        <p:nvSpPr>
+          <p:cNvPr id="3" name="Content Placeholder 2">
+            <a:extLst>
+              <a:ext uri="{FF2B5EF4-FFF2-40B4-BE49-F238E27FC236}">
+                <a16:creationId xmlns:a16="http://schemas.microsoft.com/office/drawing/2014/main" id="{6BC07E36-DD53-4738-AA9D-B4EC84C7404B}"/>
+              </a:ext>
+            </a:extLst>
+          </p:cNvPr>
+          <p:cNvSpPr>
+            <a:spLocks noGrp="1"/>
+          </p:cNvSpPr>
+          <p:nvPr>
+            <p:ph sz="half" idx="1"/>
+          </p:nvPr>
+        </p:nvSpPr>
+        <p:spPr>
+          <a:xfrm>
+            <a:off x="548804" y="2197312"/>
+            <a:ext cx="4184035" cy="3559447"/>
+          </a:xfrm>
+        </p:spPr>
+        <p:txBody>
+          <a:bodyPr vert="horz" lIns="91440" tIns="45720" rIns="91440" bIns="45720" rtlCol="0" anchor="t">
+            <a:normAutofit/>
+          </a:bodyPr>
+          <a:lstStyle/>
+          <a:p>
+            <a:pPr>
+              <a:spcBef>
+                <a:spcPts val="0"/>
+              </a:spcBef>
+              <a:buFont typeface="Arial" charset="2"/>
+              <a:buChar char="•"/>
+            </a:pPr>
+            <a:r>
+              <a:rPr lang="en-US" sz="2400" dirty="0">
+                <a:ea typeface="+mn-lt"/>
+                <a:cs typeface="+mn-lt"/>
+              </a:rPr>
+              <a:t>Application layer protocol </a:t>
+            </a:r>
+            <a:endParaRPr lang="en-US"/>
+          </a:p>
+          <a:p>
+            <a:pPr>
+              <a:spcBef>
+                <a:spcPts val="0"/>
+              </a:spcBef>
+              <a:buFont typeface="Arial" charset="2"/>
+              <a:buChar char="•"/>
+            </a:pPr>
+            <a:r>
+              <a:rPr lang="en-US" sz="2400" dirty="0">
+                <a:ea typeface="+mn-lt"/>
+                <a:cs typeface="+mn-lt"/>
+              </a:rPr>
+              <a:t>Top of the OSI Model</a:t>
+            </a:r>
+          </a:p>
+          <a:p>
+            <a:pPr>
+              <a:spcBef>
+                <a:spcPts val="0"/>
+              </a:spcBef>
+              <a:buFont typeface="Arial" charset="2"/>
+              <a:buChar char="•"/>
+            </a:pPr>
+            <a:r>
+              <a:rPr lang="en-US" sz="2400" dirty="0">
+                <a:ea typeface="+mn-lt"/>
+                <a:cs typeface="+mn-lt"/>
+              </a:rPr>
+              <a:t>Used to deliver data on the web.</a:t>
+            </a:r>
+          </a:p>
+          <a:p>
+            <a:pPr>
+              <a:spcBef>
+                <a:spcPts val="0"/>
+              </a:spcBef>
+              <a:buFont typeface="Arial" charset="2"/>
+              <a:buChar char="•"/>
+            </a:pPr>
+            <a:r>
+              <a:rPr lang="en-US" sz="2400" dirty="0">
+                <a:ea typeface="+mn-lt"/>
+                <a:cs typeface="+mn-lt"/>
+              </a:rPr>
+              <a:t>Stateless</a:t>
+            </a:r>
+          </a:p>
+          <a:p>
+            <a:pPr>
+              <a:spcBef>
+                <a:spcPts val="0"/>
+              </a:spcBef>
+              <a:buFont typeface="Arial" charset="2"/>
+              <a:buChar char="•"/>
+            </a:pPr>
+            <a:r>
+              <a:rPr lang="en-US" sz="2400" dirty="0">
+                <a:ea typeface="+mn-lt"/>
+                <a:cs typeface="+mn-lt"/>
+              </a:rPr>
+              <a:t>Requests / Responses</a:t>
+            </a:r>
+            <a:endParaRPr lang="en-US" sz="2400" dirty="0"/>
+          </a:p>
+        </p:txBody>
+      </p:sp>
+      <p:pic>
+        <p:nvPicPr>
+          <p:cNvPr id="6" name="Picture 6" descr="Diagram&#10;&#10;Description automatically generated">
+            <a:extLst>
+              <a:ext uri="{FF2B5EF4-FFF2-40B4-BE49-F238E27FC236}">
+                <a16:creationId xmlns:a16="http://schemas.microsoft.com/office/drawing/2014/main" id="{9FE42BCC-6B06-44B0-9D36-7A27CAA2568A}"/>
+              </a:ext>
+            </a:extLst>
+          </p:cNvPr>
+          <p:cNvPicPr>
+            <a:picLocks noGrp="1" noChangeAspect="1"/>
+          </p:cNvPicPr>
+          <p:nvPr>
+            <p:ph sz="half" idx="2"/>
+          </p:nvPr>
+        </p:nvPicPr>
+        <p:blipFill>
+          <a:blip r:embed="rId2"/>
+          <a:stretch>
+            <a:fillRect/>
+          </a:stretch>
+        </p:blipFill>
+        <p:spPr>
+          <a:xfrm>
+            <a:off x="4829237" y="1603133"/>
+            <a:ext cx="5069859" cy="3802994"/>
+          </a:xfrm>
+        </p:spPr>
+      </p:pic>
+    </p:spTree>
+    <p:extLst>
+      <p:ext uri="{BB962C8B-B14F-4D97-AF65-F5344CB8AC3E}">
+        <p14:creationId xmlns:p14="http://schemas.microsoft.com/office/powerpoint/2010/main" val="3067020111"/>
+      </p:ext>
+    </p:extLst>
+  </p:cSld>
+  <p:clrMapOvr>
+    <a:masterClrMapping/>
+  </p:clrMapOvr>
+</p:sld>
+</file>
+
+<file path=ppt/slides/slide14.xml><?xml version="1.0" encoding="utf-8"?>
+<p:sld xmlns:a="http://schemas.openxmlformats.org/drawingml/2006/main" xmlns:r="http://schemas.openxmlformats.org/officeDocument/2006/relationships" xmlns:p="http://schemas.openxmlformats.org/presentationml/2006/main">
+  <p:cSld>
+    <p:spTree>
+      <p:nvGrpSpPr>
+        <p:cNvPr id="1" name=""/>
+        <p:cNvGrpSpPr/>
+        <p:nvPr/>
+      </p:nvGrpSpPr>
+      <p:grpSpPr>
+        <a:xfrm>
+          <a:off x="0" y="0"/>
+          <a:ext cx="0" cy="0"/>
+          <a:chOff x="0" y="0"/>
+          <a:chExt cx="0" cy="0"/>
+        </a:xfrm>
+      </p:grpSpPr>
+      <p:sp>
+        <p:nvSpPr>
+          <p:cNvPr id="5" name="Content Placeholder 2">
+            <a:extLst>
+              <a:ext uri="{FF2B5EF4-FFF2-40B4-BE49-F238E27FC236}">
+                <a16:creationId xmlns:a16="http://schemas.microsoft.com/office/drawing/2014/main" id="{B5DA5410-8AB2-4452-A0DD-2D68A6F37B5F}"/>
+              </a:ext>
+            </a:extLst>
+          </p:cNvPr>
+          <p:cNvSpPr>
+            <a:spLocks noGrp="1"/>
+          </p:cNvSpPr>
+          <p:nvPr/>
+        </p:nvSpPr>
+        <p:spPr>
+          <a:xfrm>
+            <a:off x="838200" y="1825625"/>
+            <a:ext cx="10515600" cy="4351338"/>
+          </a:xfrm>
+          <a:prstGeom prst="rect">
+            <a:avLst/>
+          </a:prstGeom>
+        </p:spPr>
+        <p:txBody>
+          <a:bodyPr vert="horz" lIns="91440" tIns="45720" rIns="91440" bIns="45720" rtlCol="0" anchor="t">
+            <a:normAutofit/>
+          </a:bodyPr>
+          <a:lstStyle>
+            <a:lvl1pPr marL="228600" indent="-228600" algn="l" defTabSz="914400" rtl="0" eaLnBrk="1" latinLnBrk="0" hangingPunct="1">
+              <a:lnSpc>
+                <a:spcPct val="90000"/>
+              </a:lnSpc>
+              <a:spcBef>
+                <a:spcPts val="1000"/>
+              </a:spcBef>
+              <a:buFont typeface="Arial" panose="020B0604020202020204" pitchFamily="34" charset="0"/>
+              <a:buChar char="•"/>
+              <a:defRPr sz="2800" kern="1200">
+                <a:solidFill>
+                  <a:schemeClr val="tx1"/>
+                </a:solidFill>
+                <a:latin typeface="+mn-lt"/>
+                <a:ea typeface="+mn-ea"/>
+                <a:cs typeface="+mn-cs"/>
+              </a:defRPr>
+            </a:lvl1pPr>
+            <a:lvl2pPr marL="685800" indent="-228600" algn="l" defTabSz="914400" rtl="0" eaLnBrk="1" latinLnBrk="0" hangingPunct="1">
+              <a:lnSpc>
+                <a:spcPct val="90000"/>
+              </a:lnSpc>
+              <a:spcBef>
+                <a:spcPts val="500"/>
+              </a:spcBef>
+              <a:buFont typeface="Arial" panose="020B0604020202020204" pitchFamily="34" charset="0"/>
+              <a:buChar char="•"/>
+              <a:defRPr sz="2400" kern="1200">
+                <a:solidFill>
+                  <a:schemeClr val="tx1"/>
+                </a:solidFill>
+                <a:latin typeface="+mn-lt"/>
+                <a:ea typeface="+mn-ea"/>
+                <a:cs typeface="+mn-cs"/>
+              </a:defRPr>
+            </a:lvl2pPr>
+            <a:lvl3pPr marL="1143000" indent="-228600" algn="l" defTabSz="914400" rtl="0" eaLnBrk="1" latinLnBrk="0" hangingPunct="1">
+              <a:lnSpc>
+                <a:spcPct val="90000"/>
+              </a:lnSpc>
+              <a:spcBef>
+                <a:spcPts val="500"/>
+              </a:spcBef>
+              <a:buFont typeface="Arial" panose="020B0604020202020204" pitchFamily="34" charset="0"/>
+              <a:buChar char="•"/>
+              <a:defRPr sz="2000" kern="1200">
+                <a:solidFill>
+                  <a:schemeClr val="tx1"/>
+                </a:solidFill>
+                <a:latin typeface="+mn-lt"/>
+                <a:ea typeface="+mn-ea"/>
+                <a:cs typeface="+mn-cs"/>
+              </a:defRPr>
+            </a:lvl3pPr>
+            <a:lvl4pPr marL="1600200" indent="-228600" algn="l" defTabSz="914400" rtl="0" eaLnBrk="1" latinLnBrk="0" hangingPunct="1">
+              <a:lnSpc>
+                <a:spcPct val="90000"/>
+              </a:lnSpc>
+              <a:spcBef>
+                <a:spcPts val="500"/>
+              </a:spcBef>
+              <a:buFont typeface="Arial" panose="020B0604020202020204" pitchFamily="34" charset="0"/>
+              <a:buChar char="•"/>
+              <a:defRPr sz="1800" kern="1200">
+                <a:solidFill>
+                  <a:schemeClr val="tx1"/>
+                </a:solidFill>
+                <a:latin typeface="+mn-lt"/>
+                <a:ea typeface="+mn-ea"/>
+                <a:cs typeface="+mn-cs"/>
+              </a:defRPr>
+            </a:lvl4pPr>
+            <a:lvl5pPr marL="2057400" indent="-228600" algn="l" defTabSz="914400" rtl="0" eaLnBrk="1" latinLnBrk="0" hangingPunct="1">
+              <a:lnSpc>
+                <a:spcPct val="90000"/>
+              </a:lnSpc>
+              <a:spcBef>
+                <a:spcPts val="500"/>
+              </a:spcBef>
+              <a:buFont typeface="Arial" panose="020B0604020202020204" pitchFamily="34" charset="0"/>
+              <a:buChar char="•"/>
+              <a:defRPr sz="1800" kern="1200">
+                <a:solidFill>
+                  <a:schemeClr val="tx1"/>
+                </a:solidFill>
+                <a:latin typeface="+mn-lt"/>
+                <a:ea typeface="+mn-ea"/>
+                <a:cs typeface="+mn-cs"/>
+              </a:defRPr>
+            </a:lvl5pPr>
+            <a:lvl6pPr marL="2514600" indent="-228600" algn="l" defTabSz="914400" rtl="0" eaLnBrk="1" latinLnBrk="0" hangingPunct="1">
+              <a:lnSpc>
+                <a:spcPct val="90000"/>
+              </a:lnSpc>
+              <a:spcBef>
+                <a:spcPts val="500"/>
+              </a:spcBef>
+              <a:buFont typeface="Arial" panose="020B0604020202020204" pitchFamily="34" charset="0"/>
+              <a:buChar char="•"/>
+              <a:defRPr sz="1800" kern="1200">
+                <a:solidFill>
+                  <a:schemeClr val="tx1"/>
+                </a:solidFill>
+                <a:latin typeface="+mn-lt"/>
+                <a:ea typeface="+mn-ea"/>
+                <a:cs typeface="+mn-cs"/>
+              </a:defRPr>
+            </a:lvl6pPr>
+            <a:lvl7pPr marL="2971800" indent="-228600" algn="l" defTabSz="914400" rtl="0" eaLnBrk="1" latinLnBrk="0" hangingPunct="1">
+              <a:lnSpc>
+                <a:spcPct val="90000"/>
+              </a:lnSpc>
+              <a:spcBef>
+                <a:spcPts val="500"/>
+              </a:spcBef>
+              <a:buFont typeface="Arial" panose="020B0604020202020204" pitchFamily="34" charset="0"/>
+              <a:buChar char="•"/>
+              <a:defRPr sz="1800" kern="1200">
+                <a:solidFill>
+                  <a:schemeClr val="tx1"/>
+                </a:solidFill>
+                <a:latin typeface="+mn-lt"/>
+                <a:ea typeface="+mn-ea"/>
+                <a:cs typeface="+mn-cs"/>
+              </a:defRPr>
+            </a:lvl7pPr>
+            <a:lvl8pPr marL="3429000" indent="-228600" algn="l" defTabSz="914400" rtl="0" eaLnBrk="1" latinLnBrk="0" hangingPunct="1">
+              <a:lnSpc>
+                <a:spcPct val="90000"/>
+              </a:lnSpc>
+              <a:spcBef>
+                <a:spcPts val="500"/>
+              </a:spcBef>
+              <a:buFont typeface="Arial" panose="020B0604020202020204" pitchFamily="34" charset="0"/>
+              <a:buChar char="•"/>
+              <a:defRPr sz="1800" kern="1200">
+                <a:solidFill>
+                  <a:schemeClr val="tx1"/>
+                </a:solidFill>
+                <a:latin typeface="+mn-lt"/>
+                <a:ea typeface="+mn-ea"/>
+                <a:cs typeface="+mn-cs"/>
+              </a:defRPr>
+            </a:lvl8pPr>
+            <a:lvl9pPr marL="3886200" indent="-228600" algn="l" defTabSz="914400" rtl="0" eaLnBrk="1" latinLnBrk="0" hangingPunct="1">
+              <a:lnSpc>
+                <a:spcPct val="90000"/>
+              </a:lnSpc>
+              <a:spcBef>
+                <a:spcPts val="500"/>
+              </a:spcBef>
+              <a:buFont typeface="Arial" panose="020B0604020202020204" pitchFamily="34" charset="0"/>
+              <a:buChar char="•"/>
+              <a:defRPr sz="1800" kern="1200">
+                <a:solidFill>
+                  <a:schemeClr val="tx1"/>
+                </a:solidFill>
+                <a:latin typeface="+mn-lt"/>
+                <a:ea typeface="+mn-ea"/>
+                <a:cs typeface="+mn-cs"/>
+              </a:defRPr>
+            </a:lvl9pPr>
+          </a:lstStyle>
+          <a:p>
+            <a:r>
+              <a:rPr lang="en-US" dirty="0">
+                <a:ea typeface="+mn-lt"/>
+                <a:cs typeface="+mn-lt"/>
+              </a:rPr>
+              <a:t>A HTTP client establishes a connection.</a:t>
+            </a:r>
+            <a:endParaRPr lang="en-US"/>
+          </a:p>
+          <a:p>
+            <a:r>
+              <a:rPr lang="en-US" dirty="0">
+                <a:ea typeface="+mn-lt"/>
+                <a:cs typeface="+mn-lt"/>
+              </a:rPr>
+              <a:t>Sends a HTTP Request to retrieve back some data.</a:t>
+            </a:r>
+            <a:endParaRPr lang="en-US"/>
+          </a:p>
+          <a:p>
+            <a:r>
+              <a:rPr lang="en-US" dirty="0">
+                <a:ea typeface="+mn-lt"/>
+                <a:cs typeface="+mn-lt"/>
+              </a:rPr>
+              <a:t>The server receives that request, </a:t>
+            </a:r>
+          </a:p>
+          <a:p>
+            <a:r>
+              <a:rPr lang="en-US" dirty="0">
+                <a:ea typeface="+mn-lt"/>
+                <a:cs typeface="+mn-lt"/>
+              </a:rPr>
+              <a:t>Finds the data the client was asking for.</a:t>
+            </a:r>
+          </a:p>
+          <a:p>
+            <a:r>
+              <a:rPr lang="en-US" dirty="0">
+                <a:ea typeface="+mn-lt"/>
+                <a:cs typeface="+mn-lt"/>
+              </a:rPr>
+              <a:t>Prepares the HTTP Response with the data.</a:t>
+            </a:r>
+            <a:endParaRPr lang="en-US"/>
+          </a:p>
+          <a:p>
+            <a:r>
+              <a:rPr lang="en-US" dirty="0">
+                <a:ea typeface="+mn-lt"/>
+                <a:cs typeface="+mn-lt"/>
+              </a:rPr>
+              <a:t>The server returns the HTTP Response to the client.</a:t>
+            </a:r>
+          </a:p>
+          <a:p>
+            <a:r>
+              <a:rPr lang="en-US" dirty="0">
+                <a:ea typeface="+mn-lt"/>
+                <a:cs typeface="+mn-lt"/>
+              </a:rPr>
+              <a:t>The connection between the two is terminated.</a:t>
+            </a:r>
+            <a:endParaRPr lang="en-US" dirty="0">
+              <a:cs typeface="Calibri"/>
+            </a:endParaRPr>
+          </a:p>
+        </p:txBody>
+      </p:sp>
+      <p:sp>
+        <p:nvSpPr>
+          <p:cNvPr id="6" name="Title 1">
+            <a:extLst>
+              <a:ext uri="{FF2B5EF4-FFF2-40B4-BE49-F238E27FC236}">
+                <a16:creationId xmlns:a16="http://schemas.microsoft.com/office/drawing/2014/main" id="{8242332B-CF01-4EAC-8862-48BC9B38DB93}"/>
+              </a:ext>
+            </a:extLst>
+          </p:cNvPr>
+          <p:cNvSpPr>
+            <a:spLocks noGrp="1"/>
+          </p:cNvSpPr>
+          <p:nvPr/>
+        </p:nvSpPr>
+        <p:spPr>
+          <a:xfrm>
+            <a:off x="838200" y="365125"/>
+            <a:ext cx="10515600" cy="1325563"/>
+          </a:xfrm>
+          <a:prstGeom prst="rect">
+            <a:avLst/>
+          </a:prstGeom>
+        </p:spPr>
+        <p:txBody>
+          <a:bodyPr vert="horz" lIns="91440" tIns="45720" rIns="91440" bIns="45720" rtlCol="0" anchor="ctr">
+            <a:normAutofit/>
+          </a:bodyPr>
+          <a:lstStyle>
+            <a:lvl1pPr algn="l" defTabSz="914400" rtl="0" eaLnBrk="1" latinLnBrk="0" hangingPunct="1">
+              <a:lnSpc>
+                <a:spcPct val="90000"/>
+              </a:lnSpc>
+              <a:spcBef>
+                <a:spcPct val="0"/>
+              </a:spcBef>
+              <a:buNone/>
+              <a:defRPr sz="4400" kern="1200">
+                <a:solidFill>
+                  <a:schemeClr val="tx1"/>
+                </a:solidFill>
+                <a:latin typeface="+mj-lt"/>
+                <a:ea typeface="+mj-ea"/>
+                <a:cs typeface="+mj-cs"/>
+              </a:defRPr>
+            </a:lvl1pPr>
+          </a:lstStyle>
+          <a:p>
+            <a:r>
+              <a:rPr lang="en-US" dirty="0">
+                <a:solidFill>
+                  <a:schemeClr val="accent1"/>
+                </a:solidFill>
+                <a:cs typeface="Calibri Light"/>
+              </a:rPr>
+              <a:t>HTTP Communication Flow</a:t>
+            </a:r>
+            <a:endParaRPr lang="en-US">
+              <a:solidFill>
+                <a:schemeClr val="accent1"/>
+              </a:solidFill>
+            </a:endParaRPr>
+          </a:p>
+        </p:txBody>
+      </p:sp>
+    </p:spTree>
+    <p:extLst>
+      <p:ext uri="{BB962C8B-B14F-4D97-AF65-F5344CB8AC3E}">
+        <p14:creationId xmlns:p14="http://schemas.microsoft.com/office/powerpoint/2010/main" val="3655932242"/>
+      </p:ext>
+    </p:extLst>
+  </p:cSld>
+  <p:clrMapOvr>
+    <a:masterClrMapping/>
+  </p:clrMapOvr>
+</p:sld>
+</file>
+
+<file path=ppt/slides/slide15.xml><?xml version="1.0" encoding="utf-8"?>
+<p:sld xmlns:a="http://schemas.openxmlformats.org/drawingml/2006/main" xmlns:r="http://schemas.openxmlformats.org/officeDocument/2006/relationships" xmlns:p="http://schemas.openxmlformats.org/presentationml/2006/main">
+  <p:cSld>
+    <p:spTree>
+      <p:nvGrpSpPr>
+        <p:cNvPr id="1" name=""/>
+        <p:cNvGrpSpPr/>
+        <p:nvPr/>
+      </p:nvGrpSpPr>
+      <p:grpSpPr>
+        <a:xfrm>
+          <a:off x="0" y="0"/>
+          <a:ext cx="0" cy="0"/>
+          <a:chOff x="0" y="0"/>
+          <a:chExt cx="0" cy="0"/>
+        </a:xfrm>
+      </p:grpSpPr>
+      <p:sp>
+        <p:nvSpPr>
+          <p:cNvPr id="5" name="Title 1">
+            <a:extLst>
+              <a:ext uri="{FF2B5EF4-FFF2-40B4-BE49-F238E27FC236}">
+                <a16:creationId xmlns:a16="http://schemas.microsoft.com/office/drawing/2014/main" id="{8707DCE5-1483-455A-8B9B-293BEDA0237F}"/>
+              </a:ext>
+            </a:extLst>
+          </p:cNvPr>
+          <p:cNvSpPr>
+            <a:spLocks noGrp="1"/>
+          </p:cNvSpPr>
+          <p:nvPr/>
+        </p:nvSpPr>
+        <p:spPr>
+          <a:xfrm>
+            <a:off x="838200" y="365125"/>
+            <a:ext cx="10515600" cy="1325563"/>
+          </a:xfrm>
+          <a:prstGeom prst="rect">
+            <a:avLst/>
+          </a:prstGeom>
+        </p:spPr>
+        <p:txBody>
+          <a:bodyPr vert="horz" lIns="91440" tIns="45720" rIns="91440" bIns="45720" rtlCol="0" anchor="ctr">
+            <a:normAutofit/>
+          </a:bodyPr>
+          <a:lstStyle>
+            <a:lvl1pPr algn="l" defTabSz="914400" rtl="0" eaLnBrk="1" latinLnBrk="0" hangingPunct="1">
+              <a:lnSpc>
+                <a:spcPct val="90000"/>
+              </a:lnSpc>
+              <a:spcBef>
+                <a:spcPct val="0"/>
+              </a:spcBef>
+              <a:buNone/>
+              <a:defRPr sz="4400" kern="1200">
+                <a:solidFill>
+                  <a:schemeClr val="tx1"/>
+                </a:solidFill>
+                <a:latin typeface="+mj-lt"/>
+                <a:ea typeface="+mj-ea"/>
+                <a:cs typeface="+mj-cs"/>
+              </a:defRPr>
+            </a:lvl1pPr>
+          </a:lstStyle>
+          <a:p>
+            <a:r>
+              <a:rPr lang="en-US" dirty="0">
+                <a:solidFill>
+                  <a:schemeClr val="accent1"/>
+                </a:solidFill>
+                <a:cs typeface="Calibri Light"/>
+              </a:rPr>
+              <a:t>JSON over HTTP</a:t>
+            </a:r>
+            <a:endParaRPr lang="en-US">
+              <a:solidFill>
+                <a:schemeClr val="accent1"/>
+              </a:solidFill>
+            </a:endParaRPr>
+          </a:p>
+        </p:txBody>
+      </p:sp>
+      <p:sp>
+        <p:nvSpPr>
+          <p:cNvPr id="6" name="Content Placeholder 2">
+            <a:extLst>
+              <a:ext uri="{FF2B5EF4-FFF2-40B4-BE49-F238E27FC236}">
+                <a16:creationId xmlns:a16="http://schemas.microsoft.com/office/drawing/2014/main" id="{44ABE9C1-EE46-4186-BF05-E509346D3FFC}"/>
+              </a:ext>
+            </a:extLst>
+          </p:cNvPr>
+          <p:cNvSpPr>
+            <a:spLocks noGrp="1"/>
+          </p:cNvSpPr>
+          <p:nvPr/>
+        </p:nvSpPr>
+        <p:spPr>
+          <a:xfrm>
+            <a:off x="838200" y="1923704"/>
+            <a:ext cx="3710412" cy="2623636"/>
+          </a:xfrm>
+          <a:prstGeom prst="rect">
+            <a:avLst/>
+          </a:prstGeom>
+          <a:ln>
+            <a:solidFill>
+              <a:schemeClr val="tx1"/>
+            </a:solidFill>
+          </a:ln>
+        </p:spPr>
+        <p:txBody>
+          <a:bodyPr vert="horz" lIns="91440" tIns="45720" rIns="91440" bIns="45720" rtlCol="0" anchor="t">
+            <a:normAutofit/>
+          </a:bodyPr>
+          <a:lstStyle>
+            <a:lvl1pPr marL="228600" indent="-228600" algn="l" defTabSz="914400" rtl="0" eaLnBrk="1" latinLnBrk="0" hangingPunct="1">
+              <a:lnSpc>
+                <a:spcPct val="90000"/>
+              </a:lnSpc>
+              <a:spcBef>
+                <a:spcPts val="1000"/>
+              </a:spcBef>
+              <a:buFont typeface="Arial" panose="020B0604020202020204" pitchFamily="34" charset="0"/>
+              <a:buChar char="•"/>
+              <a:defRPr sz="2800" kern="1200">
+                <a:solidFill>
+                  <a:schemeClr val="tx1"/>
+                </a:solidFill>
+                <a:latin typeface="+mn-lt"/>
+                <a:ea typeface="+mn-ea"/>
+                <a:cs typeface="+mn-cs"/>
+              </a:defRPr>
+            </a:lvl1pPr>
+            <a:lvl2pPr marL="685800" indent="-228600" algn="l" defTabSz="914400" rtl="0" eaLnBrk="1" latinLnBrk="0" hangingPunct="1">
+              <a:lnSpc>
+                <a:spcPct val="90000"/>
+              </a:lnSpc>
+              <a:spcBef>
+                <a:spcPts val="500"/>
+              </a:spcBef>
+              <a:buFont typeface="Arial" panose="020B0604020202020204" pitchFamily="34" charset="0"/>
+              <a:buChar char="•"/>
+              <a:defRPr sz="2400" kern="1200">
+                <a:solidFill>
+                  <a:schemeClr val="tx1"/>
+                </a:solidFill>
+                <a:latin typeface="+mn-lt"/>
+                <a:ea typeface="+mn-ea"/>
+                <a:cs typeface="+mn-cs"/>
+              </a:defRPr>
+            </a:lvl2pPr>
+            <a:lvl3pPr marL="1143000" indent="-228600" algn="l" defTabSz="914400" rtl="0" eaLnBrk="1" latinLnBrk="0" hangingPunct="1">
+              <a:lnSpc>
+                <a:spcPct val="90000"/>
+              </a:lnSpc>
+              <a:spcBef>
+                <a:spcPts val="500"/>
+              </a:spcBef>
+              <a:buFont typeface="Arial" panose="020B0604020202020204" pitchFamily="34" charset="0"/>
+              <a:buChar char="•"/>
+              <a:defRPr sz="2000" kern="1200">
+                <a:solidFill>
+                  <a:schemeClr val="tx1"/>
+                </a:solidFill>
+                <a:latin typeface="+mn-lt"/>
+                <a:ea typeface="+mn-ea"/>
+                <a:cs typeface="+mn-cs"/>
+              </a:defRPr>
+            </a:lvl3pPr>
+            <a:lvl4pPr marL="1600200" indent="-228600" algn="l" defTabSz="914400" rtl="0" eaLnBrk="1" latinLnBrk="0" hangingPunct="1">
+              <a:lnSpc>
+                <a:spcPct val="90000"/>
+              </a:lnSpc>
+              <a:spcBef>
+                <a:spcPts val="500"/>
+              </a:spcBef>
+              <a:buFont typeface="Arial" panose="020B0604020202020204" pitchFamily="34" charset="0"/>
+              <a:buChar char="•"/>
+              <a:defRPr sz="1800" kern="1200">
+                <a:solidFill>
+                  <a:schemeClr val="tx1"/>
+                </a:solidFill>
+                <a:latin typeface="+mn-lt"/>
+                <a:ea typeface="+mn-ea"/>
+                <a:cs typeface="+mn-cs"/>
+              </a:defRPr>
+            </a:lvl4pPr>
+            <a:lvl5pPr marL="2057400" indent="-228600" algn="l" defTabSz="914400" rtl="0" eaLnBrk="1" latinLnBrk="0" hangingPunct="1">
+              <a:lnSpc>
+                <a:spcPct val="90000"/>
+              </a:lnSpc>
+              <a:spcBef>
+                <a:spcPts val="500"/>
+              </a:spcBef>
+              <a:buFont typeface="Arial" panose="020B0604020202020204" pitchFamily="34" charset="0"/>
+              <a:buChar char="•"/>
+              <a:defRPr sz="1800" kern="1200">
+                <a:solidFill>
+                  <a:schemeClr val="tx1"/>
+                </a:solidFill>
+                <a:latin typeface="+mn-lt"/>
+                <a:ea typeface="+mn-ea"/>
+                <a:cs typeface="+mn-cs"/>
+              </a:defRPr>
+            </a:lvl5pPr>
+            <a:lvl6pPr marL="2514600" indent="-228600" algn="l" defTabSz="914400" rtl="0" eaLnBrk="1" latinLnBrk="0" hangingPunct="1">
+              <a:lnSpc>
+                <a:spcPct val="90000"/>
+              </a:lnSpc>
+              <a:spcBef>
+                <a:spcPts val="500"/>
+              </a:spcBef>
+              <a:buFont typeface="Arial" panose="020B0604020202020204" pitchFamily="34" charset="0"/>
+              <a:buChar char="•"/>
+              <a:defRPr sz="1800" kern="1200">
+                <a:solidFill>
+                  <a:schemeClr val="tx1"/>
+                </a:solidFill>
+                <a:latin typeface="+mn-lt"/>
+                <a:ea typeface="+mn-ea"/>
+                <a:cs typeface="+mn-cs"/>
+              </a:defRPr>
+            </a:lvl6pPr>
+            <a:lvl7pPr marL="2971800" indent="-228600" algn="l" defTabSz="914400" rtl="0" eaLnBrk="1" latinLnBrk="0" hangingPunct="1">
+              <a:lnSpc>
+                <a:spcPct val="90000"/>
+              </a:lnSpc>
+              <a:spcBef>
+                <a:spcPts val="500"/>
+              </a:spcBef>
+              <a:buFont typeface="Arial" panose="020B0604020202020204" pitchFamily="34" charset="0"/>
+              <a:buChar char="•"/>
+              <a:defRPr sz="1800" kern="1200">
+                <a:solidFill>
+                  <a:schemeClr val="tx1"/>
+                </a:solidFill>
+                <a:latin typeface="+mn-lt"/>
+                <a:ea typeface="+mn-ea"/>
+                <a:cs typeface="+mn-cs"/>
+              </a:defRPr>
+            </a:lvl7pPr>
+            <a:lvl8pPr marL="3429000" indent="-228600" algn="l" defTabSz="914400" rtl="0" eaLnBrk="1" latinLnBrk="0" hangingPunct="1">
+              <a:lnSpc>
+                <a:spcPct val="90000"/>
+              </a:lnSpc>
+              <a:spcBef>
+                <a:spcPts val="500"/>
+              </a:spcBef>
+              <a:buFont typeface="Arial" panose="020B0604020202020204" pitchFamily="34" charset="0"/>
+              <a:buChar char="•"/>
+              <a:defRPr sz="1800" kern="1200">
+                <a:solidFill>
+                  <a:schemeClr val="tx1"/>
+                </a:solidFill>
+                <a:latin typeface="+mn-lt"/>
+                <a:ea typeface="+mn-ea"/>
+                <a:cs typeface="+mn-cs"/>
+              </a:defRPr>
+            </a:lvl8pPr>
+            <a:lvl9pPr marL="3886200" indent="-228600" algn="l" defTabSz="914400" rtl="0" eaLnBrk="1" latinLnBrk="0" hangingPunct="1">
+              <a:lnSpc>
+                <a:spcPct val="90000"/>
+              </a:lnSpc>
+              <a:spcBef>
+                <a:spcPts val="500"/>
+              </a:spcBef>
+              <a:buFont typeface="Arial" panose="020B0604020202020204" pitchFamily="34" charset="0"/>
+              <a:buChar char="•"/>
+              <a:defRPr sz="1800" kern="1200">
+                <a:solidFill>
+                  <a:schemeClr val="tx1"/>
+                </a:solidFill>
+                <a:latin typeface="+mn-lt"/>
+                <a:ea typeface="+mn-ea"/>
+                <a:cs typeface="+mn-cs"/>
+              </a:defRPr>
+            </a:lvl9pPr>
+          </a:lstStyle>
+          <a:p>
+            <a:pPr marL="0" indent="0">
+              <a:buNone/>
+            </a:pPr>
+            <a:r>
+              <a:rPr lang="en-US" sz="1800" dirty="0">
+                <a:cs typeface="Calibri" panose="020F0502020204030204"/>
+              </a:rPr>
+              <a:t>POST /</a:t>
+            </a:r>
+            <a:r>
+              <a:rPr lang="en-US" sz="1800" dirty="0" err="1">
+                <a:cs typeface="Calibri" panose="020F0502020204030204"/>
+              </a:rPr>
+              <a:t>api</a:t>
+            </a:r>
+            <a:r>
+              <a:rPr lang="en-US" sz="1800" dirty="0">
+                <a:cs typeface="Calibri" panose="020F0502020204030204"/>
+              </a:rPr>
+              <a:t>/login HTTP/1.1</a:t>
+            </a:r>
+          </a:p>
+          <a:p>
+            <a:pPr marL="0" indent="0">
+              <a:buNone/>
+            </a:pPr>
+            <a:r>
+              <a:rPr lang="en-US" sz="1800" dirty="0">
+                <a:cs typeface="Calibri" panose="020F0502020204030204"/>
+              </a:rPr>
+              <a:t>Content-Type: application/json</a:t>
+            </a:r>
+          </a:p>
+          <a:p>
+            <a:pPr marL="0" indent="0">
+              <a:buNone/>
+            </a:pPr>
+            <a:endParaRPr lang="en-US" sz="1800" dirty="0">
+              <a:cs typeface="Calibri" panose="020F0502020204030204"/>
+            </a:endParaRPr>
+          </a:p>
+          <a:p>
+            <a:pPr marL="0" indent="0">
+              <a:buNone/>
+            </a:pPr>
+            <a:r>
+              <a:rPr lang="en-US" sz="1800" dirty="0">
+                <a:cs typeface="Calibri" panose="020F0502020204030204"/>
+              </a:rPr>
+              <a:t>{</a:t>
+            </a:r>
+          </a:p>
+          <a:p>
+            <a:pPr marL="0" indent="0">
+              <a:buNone/>
+            </a:pPr>
+            <a:r>
+              <a:rPr lang="en-US" sz="1800" dirty="0">
+                <a:cs typeface="Calibri" panose="020F0502020204030204"/>
+              </a:rPr>
+              <a:t>  "username": "admin",</a:t>
+            </a:r>
+          </a:p>
+          <a:p>
+            <a:pPr marL="0" indent="0">
+              <a:buNone/>
+            </a:pPr>
+            <a:r>
+              <a:rPr lang="en-US" sz="1800" dirty="0">
+                <a:cs typeface="Calibri" panose="020F0502020204030204"/>
+              </a:rPr>
+              <a:t>  "password": "admin"</a:t>
+            </a:r>
+          </a:p>
+          <a:p>
+            <a:pPr marL="0" indent="0">
+              <a:buNone/>
+            </a:pPr>
+            <a:r>
+              <a:rPr lang="en-US" sz="1800" dirty="0">
+                <a:cs typeface="Calibri" panose="020F0502020204030204"/>
+              </a:rPr>
+              <a:t>}</a:t>
+            </a:r>
+            <a:endParaRPr lang="en-US" dirty="0"/>
+          </a:p>
+        </p:txBody>
+      </p:sp>
+      <p:sp>
+        <p:nvSpPr>
+          <p:cNvPr id="7" name="Content Placeholder 3">
+            <a:extLst>
+              <a:ext uri="{FF2B5EF4-FFF2-40B4-BE49-F238E27FC236}">
+                <a16:creationId xmlns:a16="http://schemas.microsoft.com/office/drawing/2014/main" id="{4BC035A2-1E22-4CBC-A958-27D6ED55F796}"/>
+              </a:ext>
+            </a:extLst>
+          </p:cNvPr>
+          <p:cNvSpPr>
+            <a:spLocks noGrp="1"/>
+          </p:cNvSpPr>
+          <p:nvPr/>
+        </p:nvSpPr>
+        <p:spPr>
+          <a:xfrm>
+            <a:off x="4701012" y="1923704"/>
+            <a:ext cx="5181600" cy="2601002"/>
+          </a:xfrm>
+          <a:prstGeom prst="rect">
+            <a:avLst/>
+          </a:prstGeom>
+          <a:ln>
+            <a:solidFill>
+              <a:schemeClr val="tx1"/>
+            </a:solidFill>
+          </a:ln>
+        </p:spPr>
+        <p:txBody>
+          <a:bodyPr vert="horz" lIns="91440" tIns="45720" rIns="91440" bIns="45720" rtlCol="0" anchor="t">
+            <a:normAutofit/>
+          </a:bodyPr>
+          <a:lstStyle>
+            <a:lvl1pPr marL="228600" indent="-228600" algn="l" defTabSz="914400" rtl="0" eaLnBrk="1" latinLnBrk="0" hangingPunct="1">
+              <a:lnSpc>
+                <a:spcPct val="90000"/>
+              </a:lnSpc>
+              <a:spcBef>
+                <a:spcPts val="1000"/>
+              </a:spcBef>
+              <a:buFont typeface="Arial" panose="020B0604020202020204" pitchFamily="34" charset="0"/>
+              <a:buChar char="•"/>
+              <a:defRPr sz="2800" kern="1200">
+                <a:solidFill>
+                  <a:schemeClr val="tx1"/>
+                </a:solidFill>
+                <a:latin typeface="+mn-lt"/>
+                <a:ea typeface="+mn-ea"/>
+                <a:cs typeface="+mn-cs"/>
+              </a:defRPr>
+            </a:lvl1pPr>
+            <a:lvl2pPr marL="685800" indent="-228600" algn="l" defTabSz="914400" rtl="0" eaLnBrk="1" latinLnBrk="0" hangingPunct="1">
+              <a:lnSpc>
+                <a:spcPct val="90000"/>
+              </a:lnSpc>
+              <a:spcBef>
+                <a:spcPts val="500"/>
+              </a:spcBef>
+              <a:buFont typeface="Arial" panose="020B0604020202020204" pitchFamily="34" charset="0"/>
+              <a:buChar char="•"/>
+              <a:defRPr sz="2400" kern="1200">
+                <a:solidFill>
+                  <a:schemeClr val="tx1"/>
+                </a:solidFill>
+                <a:latin typeface="+mn-lt"/>
+                <a:ea typeface="+mn-ea"/>
+                <a:cs typeface="+mn-cs"/>
+              </a:defRPr>
+            </a:lvl2pPr>
+            <a:lvl3pPr marL="1143000" indent="-228600" algn="l" defTabSz="914400" rtl="0" eaLnBrk="1" latinLnBrk="0" hangingPunct="1">
+              <a:lnSpc>
+                <a:spcPct val="90000"/>
+              </a:lnSpc>
+              <a:spcBef>
+                <a:spcPts val="500"/>
+              </a:spcBef>
+              <a:buFont typeface="Arial" panose="020B0604020202020204" pitchFamily="34" charset="0"/>
+              <a:buChar char="•"/>
+              <a:defRPr sz="2000" kern="1200">
+                <a:solidFill>
+                  <a:schemeClr val="tx1"/>
+                </a:solidFill>
+                <a:latin typeface="+mn-lt"/>
+                <a:ea typeface="+mn-ea"/>
+                <a:cs typeface="+mn-cs"/>
+              </a:defRPr>
+            </a:lvl3pPr>
+            <a:lvl4pPr marL="1600200" indent="-228600" algn="l" defTabSz="914400" rtl="0" eaLnBrk="1" latinLnBrk="0" hangingPunct="1">
+              <a:lnSpc>
+                <a:spcPct val="90000"/>
+              </a:lnSpc>
+              <a:spcBef>
+                <a:spcPts val="500"/>
+              </a:spcBef>
+              <a:buFont typeface="Arial" panose="020B0604020202020204" pitchFamily="34" charset="0"/>
+              <a:buChar char="•"/>
+              <a:defRPr sz="1800" kern="1200">
+                <a:solidFill>
+                  <a:schemeClr val="tx1"/>
+                </a:solidFill>
+                <a:latin typeface="+mn-lt"/>
+                <a:ea typeface="+mn-ea"/>
+                <a:cs typeface="+mn-cs"/>
+              </a:defRPr>
+            </a:lvl4pPr>
+            <a:lvl5pPr marL="2057400" indent="-228600" algn="l" defTabSz="914400" rtl="0" eaLnBrk="1" latinLnBrk="0" hangingPunct="1">
+              <a:lnSpc>
+                <a:spcPct val="90000"/>
+              </a:lnSpc>
+              <a:spcBef>
+                <a:spcPts val="500"/>
+              </a:spcBef>
+              <a:buFont typeface="Arial" panose="020B0604020202020204" pitchFamily="34" charset="0"/>
+              <a:buChar char="•"/>
+              <a:defRPr sz="1800" kern="1200">
+                <a:solidFill>
+                  <a:schemeClr val="tx1"/>
+                </a:solidFill>
+                <a:latin typeface="+mn-lt"/>
+                <a:ea typeface="+mn-ea"/>
+                <a:cs typeface="+mn-cs"/>
+              </a:defRPr>
+            </a:lvl5pPr>
+            <a:lvl6pPr marL="2514600" indent="-228600" algn="l" defTabSz="914400" rtl="0" eaLnBrk="1" latinLnBrk="0" hangingPunct="1">
+              <a:lnSpc>
+                <a:spcPct val="90000"/>
+              </a:lnSpc>
+              <a:spcBef>
+                <a:spcPts val="500"/>
+              </a:spcBef>
+              <a:buFont typeface="Arial" panose="020B0604020202020204" pitchFamily="34" charset="0"/>
+              <a:buChar char="•"/>
+              <a:defRPr sz="1800" kern="1200">
+                <a:solidFill>
+                  <a:schemeClr val="tx1"/>
+                </a:solidFill>
+                <a:latin typeface="+mn-lt"/>
+                <a:ea typeface="+mn-ea"/>
+                <a:cs typeface="+mn-cs"/>
+              </a:defRPr>
+            </a:lvl6pPr>
+            <a:lvl7pPr marL="2971800" indent="-228600" algn="l" defTabSz="914400" rtl="0" eaLnBrk="1" latinLnBrk="0" hangingPunct="1">
+              <a:lnSpc>
+                <a:spcPct val="90000"/>
+              </a:lnSpc>
+              <a:spcBef>
+                <a:spcPts val="500"/>
+              </a:spcBef>
+              <a:buFont typeface="Arial" panose="020B0604020202020204" pitchFamily="34" charset="0"/>
+              <a:buChar char="•"/>
+              <a:defRPr sz="1800" kern="1200">
+                <a:solidFill>
+                  <a:schemeClr val="tx1"/>
+                </a:solidFill>
+                <a:latin typeface="+mn-lt"/>
+                <a:ea typeface="+mn-ea"/>
+                <a:cs typeface="+mn-cs"/>
+              </a:defRPr>
+            </a:lvl7pPr>
+            <a:lvl8pPr marL="3429000" indent="-228600" algn="l" defTabSz="914400" rtl="0" eaLnBrk="1" latinLnBrk="0" hangingPunct="1">
+              <a:lnSpc>
+                <a:spcPct val="90000"/>
+              </a:lnSpc>
+              <a:spcBef>
+                <a:spcPts val="500"/>
+              </a:spcBef>
+              <a:buFont typeface="Arial" panose="020B0604020202020204" pitchFamily="34" charset="0"/>
+              <a:buChar char="•"/>
+              <a:defRPr sz="1800" kern="1200">
+                <a:solidFill>
+                  <a:schemeClr val="tx1"/>
+                </a:solidFill>
+                <a:latin typeface="+mn-lt"/>
+                <a:ea typeface="+mn-ea"/>
+                <a:cs typeface="+mn-cs"/>
+              </a:defRPr>
+            </a:lvl8pPr>
+            <a:lvl9pPr marL="3886200" indent="-228600" algn="l" defTabSz="914400" rtl="0" eaLnBrk="1" latinLnBrk="0" hangingPunct="1">
+              <a:lnSpc>
+                <a:spcPct val="90000"/>
+              </a:lnSpc>
+              <a:spcBef>
+                <a:spcPts val="500"/>
+              </a:spcBef>
+              <a:buFont typeface="Arial" panose="020B0604020202020204" pitchFamily="34" charset="0"/>
+              <a:buChar char="•"/>
+              <a:defRPr sz="1800" kern="1200">
+                <a:solidFill>
+                  <a:schemeClr val="tx1"/>
+                </a:solidFill>
+                <a:latin typeface="+mn-lt"/>
+                <a:ea typeface="+mn-ea"/>
+                <a:cs typeface="+mn-cs"/>
+              </a:defRPr>
+            </a:lvl9pPr>
+          </a:lstStyle>
+          <a:p>
+            <a:pPr marL="0" indent="0" algn="just">
+              <a:buNone/>
+            </a:pPr>
+            <a:r>
+              <a:rPr lang="en-US" sz="1800" dirty="0">
+                <a:cs typeface="Calibri" panose="020F0502020204030204"/>
+              </a:rPr>
+              <a:t>HTTP/1.1 200 OK</a:t>
+            </a:r>
+          </a:p>
+          <a:p>
+            <a:pPr marL="0" indent="0" algn="just">
+              <a:buNone/>
+            </a:pPr>
+            <a:r>
+              <a:rPr lang="en-US" sz="1800" dirty="0">
+                <a:cs typeface="Calibri" panose="020F0502020204030204"/>
+              </a:rPr>
+              <a:t>Content-Type: application/json</a:t>
+            </a:r>
+          </a:p>
+          <a:p>
+            <a:pPr marL="0" indent="0" algn="just">
+              <a:buNone/>
+            </a:pPr>
+            <a:endParaRPr lang="en-US" sz="1800" dirty="0">
+              <a:cs typeface="Calibri" panose="020F0502020204030204"/>
+            </a:endParaRPr>
+          </a:p>
+          <a:p>
+            <a:pPr marL="0" indent="0" algn="just">
+              <a:buNone/>
+            </a:pPr>
+            <a:r>
+              <a:rPr lang="en-US" sz="1800" dirty="0">
+                <a:cs typeface="Calibri" panose="020F0502020204030204"/>
+              </a:rPr>
+              <a:t>{</a:t>
+            </a:r>
+          </a:p>
+          <a:p>
+            <a:pPr marL="0" indent="0" algn="just">
+              <a:buNone/>
+            </a:pPr>
+            <a:r>
+              <a:rPr lang="en-US" sz="1800" dirty="0">
+                <a:cs typeface="Calibri" panose="020F0502020204030204"/>
+              </a:rPr>
+              <a:t>  "</a:t>
+            </a:r>
+            <a:r>
+              <a:rPr lang="en-US" sz="1800" dirty="0" err="1">
+                <a:cs typeface="Calibri" panose="020F0502020204030204"/>
+              </a:rPr>
+              <a:t>access_token</a:t>
+            </a:r>
+            <a:r>
+              <a:rPr lang="en-US" sz="1800" dirty="0">
+                <a:cs typeface="Calibri" panose="020F0502020204030204"/>
+              </a:rPr>
+              <a:t>": "Axd0amasjbai901iu2bieuq==",</a:t>
+            </a:r>
+          </a:p>
+          <a:p>
+            <a:pPr marL="0" indent="0" algn="just">
+              <a:buNone/>
+            </a:pPr>
+            <a:r>
+              <a:rPr lang="en-US" sz="1800" dirty="0">
+                <a:cs typeface="Calibri" panose="020F0502020204030204"/>
+              </a:rPr>
+              <a:t>  "</a:t>
+            </a:r>
+            <a:r>
+              <a:rPr lang="en-US" sz="1800" dirty="0" err="1">
+                <a:cs typeface="Calibri" panose="020F0502020204030204"/>
+              </a:rPr>
+              <a:t>refresh_token</a:t>
+            </a:r>
+            <a:r>
+              <a:rPr lang="en-US" sz="1800" dirty="0">
+                <a:cs typeface="Calibri" panose="020F0502020204030204"/>
+              </a:rPr>
+              <a:t>": "Aisndoaisnd1iu2983asd="</a:t>
+            </a:r>
+          </a:p>
+          <a:p>
+            <a:pPr marL="0" indent="0" algn="just">
+              <a:buNone/>
+            </a:pPr>
+            <a:r>
+              <a:rPr lang="en-US" sz="1800" dirty="0">
+                <a:cs typeface="Calibri" panose="020F0502020204030204"/>
+              </a:rPr>
+              <a:t>}</a:t>
+            </a:r>
+          </a:p>
+        </p:txBody>
+      </p:sp>
+    </p:spTree>
+    <p:extLst>
+      <p:ext uri="{BB962C8B-B14F-4D97-AF65-F5344CB8AC3E}">
+        <p14:creationId xmlns:p14="http://schemas.microsoft.com/office/powerpoint/2010/main" val="3216981094"/>
+      </p:ext>
+    </p:extLst>
+  </p:cSld>
+  <p:clrMapOvr>
+    <a:masterClrMapping/>
+  </p:clrMapOvr>
+</p:sld>
+</file>
+
+<file path=ppt/slides/slide16.xml><?xml version="1.0" encoding="utf-8"?>
+<p:sld xmlns:a="http://schemas.openxmlformats.org/drawingml/2006/main" xmlns:r="http://schemas.openxmlformats.org/officeDocument/2006/relationships" xmlns:p="http://schemas.openxmlformats.org/presentationml/2006/main">
+  <p:cSld>
+    <p:spTree>
+      <p:nvGrpSpPr>
+        <p:cNvPr id="1" name=""/>
+        <p:cNvGrpSpPr/>
+        <p:nvPr/>
+      </p:nvGrpSpPr>
+      <p:grpSpPr>
+        <a:xfrm>
+          <a:off x="0" y="0"/>
+          <a:ext cx="0" cy="0"/>
+          <a:chOff x="0" y="0"/>
+          <a:chExt cx="0" cy="0"/>
+        </a:xfrm>
+      </p:grpSpPr>
+      <p:sp>
+        <p:nvSpPr>
+          <p:cNvPr id="8" name="Content Placeholder 2">
+            <a:extLst>
+              <a:ext uri="{FF2B5EF4-FFF2-40B4-BE49-F238E27FC236}">
+                <a16:creationId xmlns:a16="http://schemas.microsoft.com/office/drawing/2014/main" id="{5530F4F9-7D6C-4F4F-9883-A9FC5226038C}"/>
+              </a:ext>
+            </a:extLst>
+          </p:cNvPr>
+          <p:cNvSpPr>
+            <a:spLocks noGrp="1"/>
+          </p:cNvSpPr>
+          <p:nvPr/>
+        </p:nvSpPr>
+        <p:spPr>
+          <a:xfrm>
+            <a:off x="408160" y="2044417"/>
+            <a:ext cx="10515600" cy="4351338"/>
+          </a:xfrm>
+          <a:prstGeom prst="rect">
+            <a:avLst/>
+          </a:prstGeom>
+        </p:spPr>
+        <p:txBody>
+          <a:bodyPr vert="horz" lIns="91440" tIns="45720" rIns="91440" bIns="45720" rtlCol="0" anchor="t">
+            <a:normAutofit/>
+          </a:bodyPr>
+          <a:lstStyle>
+            <a:lvl1pPr marL="228600" indent="-228600" algn="l" defTabSz="914400" rtl="0" eaLnBrk="1" latinLnBrk="0" hangingPunct="1">
+              <a:lnSpc>
+                <a:spcPct val="90000"/>
+              </a:lnSpc>
+              <a:spcBef>
+                <a:spcPts val="1000"/>
+              </a:spcBef>
+              <a:buFont typeface="Arial" panose="020B0604020202020204" pitchFamily="34" charset="0"/>
+              <a:buChar char="•"/>
+              <a:defRPr sz="2800" kern="1200">
+                <a:solidFill>
+                  <a:schemeClr val="tx1"/>
+                </a:solidFill>
+                <a:latin typeface="+mn-lt"/>
+                <a:ea typeface="+mn-ea"/>
+                <a:cs typeface="+mn-cs"/>
+              </a:defRPr>
+            </a:lvl1pPr>
+            <a:lvl2pPr marL="685800" indent="-228600" algn="l" defTabSz="914400" rtl="0" eaLnBrk="1" latinLnBrk="0" hangingPunct="1">
+              <a:lnSpc>
+                <a:spcPct val="90000"/>
+              </a:lnSpc>
+              <a:spcBef>
+                <a:spcPts val="500"/>
+              </a:spcBef>
+              <a:buFont typeface="Arial" panose="020B0604020202020204" pitchFamily="34" charset="0"/>
+              <a:buChar char="•"/>
+              <a:defRPr sz="2400" kern="1200">
+                <a:solidFill>
+                  <a:schemeClr val="tx1"/>
+                </a:solidFill>
+                <a:latin typeface="+mn-lt"/>
+                <a:ea typeface="+mn-ea"/>
+                <a:cs typeface="+mn-cs"/>
+              </a:defRPr>
+            </a:lvl2pPr>
+            <a:lvl3pPr marL="1143000" indent="-228600" algn="l" defTabSz="914400" rtl="0" eaLnBrk="1" latinLnBrk="0" hangingPunct="1">
+              <a:lnSpc>
+                <a:spcPct val="90000"/>
+              </a:lnSpc>
+              <a:spcBef>
+                <a:spcPts val="500"/>
+              </a:spcBef>
+              <a:buFont typeface="Arial" panose="020B0604020202020204" pitchFamily="34" charset="0"/>
+              <a:buChar char="•"/>
+              <a:defRPr sz="2000" kern="1200">
+                <a:solidFill>
+                  <a:schemeClr val="tx1"/>
+                </a:solidFill>
+                <a:latin typeface="+mn-lt"/>
+                <a:ea typeface="+mn-ea"/>
+                <a:cs typeface="+mn-cs"/>
+              </a:defRPr>
+            </a:lvl3pPr>
+            <a:lvl4pPr marL="1600200" indent="-228600" algn="l" defTabSz="914400" rtl="0" eaLnBrk="1" latinLnBrk="0" hangingPunct="1">
+              <a:lnSpc>
+                <a:spcPct val="90000"/>
+              </a:lnSpc>
+              <a:spcBef>
+                <a:spcPts val="500"/>
+              </a:spcBef>
+              <a:buFont typeface="Arial" panose="020B0604020202020204" pitchFamily="34" charset="0"/>
+              <a:buChar char="•"/>
+              <a:defRPr sz="1800" kern="1200">
+                <a:solidFill>
+                  <a:schemeClr val="tx1"/>
+                </a:solidFill>
+                <a:latin typeface="+mn-lt"/>
+                <a:ea typeface="+mn-ea"/>
+                <a:cs typeface="+mn-cs"/>
+              </a:defRPr>
+            </a:lvl4pPr>
+            <a:lvl5pPr marL="2057400" indent="-228600" algn="l" defTabSz="914400" rtl="0" eaLnBrk="1" latinLnBrk="0" hangingPunct="1">
+              <a:lnSpc>
+                <a:spcPct val="90000"/>
+              </a:lnSpc>
+              <a:spcBef>
+                <a:spcPts val="500"/>
+              </a:spcBef>
+              <a:buFont typeface="Arial" panose="020B0604020202020204" pitchFamily="34" charset="0"/>
+              <a:buChar char="•"/>
+              <a:defRPr sz="1800" kern="1200">
+                <a:solidFill>
+                  <a:schemeClr val="tx1"/>
+                </a:solidFill>
+                <a:latin typeface="+mn-lt"/>
+                <a:ea typeface="+mn-ea"/>
+                <a:cs typeface="+mn-cs"/>
+              </a:defRPr>
+            </a:lvl5pPr>
+            <a:lvl6pPr marL="2514600" indent="-228600" algn="l" defTabSz="914400" rtl="0" eaLnBrk="1" latinLnBrk="0" hangingPunct="1">
+              <a:lnSpc>
+                <a:spcPct val="90000"/>
+              </a:lnSpc>
+              <a:spcBef>
+                <a:spcPts val="500"/>
+              </a:spcBef>
+              <a:buFont typeface="Arial" panose="020B0604020202020204" pitchFamily="34" charset="0"/>
+              <a:buChar char="•"/>
+              <a:defRPr sz="1800" kern="1200">
+                <a:solidFill>
+                  <a:schemeClr val="tx1"/>
+                </a:solidFill>
+                <a:latin typeface="+mn-lt"/>
+                <a:ea typeface="+mn-ea"/>
+                <a:cs typeface="+mn-cs"/>
+              </a:defRPr>
+            </a:lvl6pPr>
+            <a:lvl7pPr marL="2971800" indent="-228600" algn="l" defTabSz="914400" rtl="0" eaLnBrk="1" latinLnBrk="0" hangingPunct="1">
+              <a:lnSpc>
+                <a:spcPct val="90000"/>
+              </a:lnSpc>
+              <a:spcBef>
+                <a:spcPts val="500"/>
+              </a:spcBef>
+              <a:buFont typeface="Arial" panose="020B0604020202020204" pitchFamily="34" charset="0"/>
+              <a:buChar char="•"/>
+              <a:defRPr sz="1800" kern="1200">
+                <a:solidFill>
+                  <a:schemeClr val="tx1"/>
+                </a:solidFill>
+                <a:latin typeface="+mn-lt"/>
+                <a:ea typeface="+mn-ea"/>
+                <a:cs typeface="+mn-cs"/>
+              </a:defRPr>
+            </a:lvl7pPr>
+            <a:lvl8pPr marL="3429000" indent="-228600" algn="l" defTabSz="914400" rtl="0" eaLnBrk="1" latinLnBrk="0" hangingPunct="1">
+              <a:lnSpc>
+                <a:spcPct val="90000"/>
+              </a:lnSpc>
+              <a:spcBef>
+                <a:spcPts val="500"/>
+              </a:spcBef>
+              <a:buFont typeface="Arial" panose="020B0604020202020204" pitchFamily="34" charset="0"/>
+              <a:buChar char="•"/>
+              <a:defRPr sz="1800" kern="1200">
+                <a:solidFill>
+                  <a:schemeClr val="tx1"/>
+                </a:solidFill>
+                <a:latin typeface="+mn-lt"/>
+                <a:ea typeface="+mn-ea"/>
+                <a:cs typeface="+mn-cs"/>
+              </a:defRPr>
+            </a:lvl8pPr>
+            <a:lvl9pPr marL="3886200" indent="-228600" algn="l" defTabSz="914400" rtl="0" eaLnBrk="1" latinLnBrk="0" hangingPunct="1">
+              <a:lnSpc>
+                <a:spcPct val="90000"/>
+              </a:lnSpc>
+              <a:spcBef>
+                <a:spcPts val="500"/>
+              </a:spcBef>
+              <a:buFont typeface="Arial" panose="020B0604020202020204" pitchFamily="34" charset="0"/>
+              <a:buChar char="•"/>
+              <a:defRPr sz="1800" kern="1200">
+                <a:solidFill>
+                  <a:schemeClr val="tx1"/>
+                </a:solidFill>
+                <a:latin typeface="+mn-lt"/>
+                <a:ea typeface="+mn-ea"/>
+                <a:cs typeface="+mn-cs"/>
+              </a:defRPr>
+            </a:lvl9pPr>
+          </a:lstStyle>
+          <a:p>
+            <a:pPr marL="0" indent="0">
+              <a:buNone/>
+            </a:pPr>
+            <a:endParaRPr lang="en-US" dirty="0">
+              <a:cs typeface="Calibri" panose="020F0502020204030204"/>
+            </a:endParaRPr>
+          </a:p>
+          <a:p>
+            <a:pPr marL="457200" indent="-457200"/>
+            <a:r>
+              <a:rPr lang="en-US" dirty="0">
+                <a:cs typeface="Calibri" panose="020F0502020204030204"/>
+              </a:rPr>
+              <a:t>Python: </a:t>
+            </a:r>
+            <a:r>
+              <a:rPr lang="en-US" dirty="0" err="1">
+                <a:cs typeface="Calibri" panose="020F0502020204030204"/>
+              </a:rPr>
+              <a:t>FastAPI</a:t>
+            </a:r>
+            <a:r>
+              <a:rPr lang="en-US" dirty="0">
+                <a:cs typeface="Calibri" panose="020F0502020204030204"/>
+              </a:rPr>
+              <a:t>, Flask, Django</a:t>
+            </a:r>
+          </a:p>
+          <a:p>
+            <a:pPr marL="457200" indent="-457200"/>
+            <a:r>
+              <a:rPr lang="en-US" dirty="0">
+                <a:ea typeface="+mn-lt"/>
+                <a:cs typeface="+mn-lt"/>
+              </a:rPr>
+              <a:t>Golang: net/http, </a:t>
+            </a:r>
+            <a:r>
+              <a:rPr lang="en-US" dirty="0" err="1">
+                <a:ea typeface="+mn-lt"/>
+                <a:cs typeface="+mn-lt"/>
+              </a:rPr>
+              <a:t>gorrilla</a:t>
+            </a:r>
+            <a:r>
+              <a:rPr lang="en-US" dirty="0">
+                <a:ea typeface="+mn-lt"/>
+                <a:cs typeface="+mn-lt"/>
+              </a:rPr>
+              <a:t>/mux</a:t>
+            </a:r>
+          </a:p>
+          <a:p>
+            <a:pPr marL="457200" indent="-457200"/>
+            <a:r>
+              <a:rPr lang="en-US" dirty="0">
+                <a:cs typeface="Calibri" panose="020F0502020204030204"/>
+              </a:rPr>
+              <a:t>Nodejs: </a:t>
+            </a:r>
+            <a:r>
+              <a:rPr lang="en-US" dirty="0" err="1">
+                <a:cs typeface="Calibri" panose="020F0502020204030204"/>
+              </a:rPr>
+              <a:t>ExpressJS</a:t>
+            </a:r>
+            <a:endParaRPr lang="en-US" dirty="0">
+              <a:cs typeface="Calibri" panose="020F0502020204030204"/>
+            </a:endParaRPr>
+          </a:p>
+          <a:p>
+            <a:pPr marL="457200" indent="-457200"/>
+            <a:r>
+              <a:rPr lang="en-US" dirty="0">
+                <a:cs typeface="Calibri" panose="020F0502020204030204"/>
+              </a:rPr>
+              <a:t>Java: Spring Boot</a:t>
+            </a:r>
+          </a:p>
+        </p:txBody>
+      </p:sp>
+      <p:sp>
+        <p:nvSpPr>
+          <p:cNvPr id="9" name="Title 1">
+            <a:extLst>
+              <a:ext uri="{FF2B5EF4-FFF2-40B4-BE49-F238E27FC236}">
+                <a16:creationId xmlns:a16="http://schemas.microsoft.com/office/drawing/2014/main" id="{713BF663-AB96-4F08-853A-54F9065C80CE}"/>
+              </a:ext>
+            </a:extLst>
+          </p:cNvPr>
+          <p:cNvSpPr>
+            <a:spLocks noGrp="1"/>
+          </p:cNvSpPr>
+          <p:nvPr/>
+        </p:nvSpPr>
+        <p:spPr>
+          <a:xfrm>
+            <a:off x="838200" y="365125"/>
+            <a:ext cx="10515600" cy="1325563"/>
+          </a:xfrm>
+          <a:prstGeom prst="rect">
+            <a:avLst/>
+          </a:prstGeom>
+        </p:spPr>
+        <p:txBody>
+          <a:bodyPr vert="horz" lIns="91440" tIns="45720" rIns="91440" bIns="45720" rtlCol="0" anchor="ctr">
+            <a:normAutofit/>
+          </a:bodyPr>
+          <a:lstStyle>
+            <a:lvl1pPr algn="l" defTabSz="914400" rtl="0" eaLnBrk="1" latinLnBrk="0" hangingPunct="1">
+              <a:lnSpc>
+                <a:spcPct val="90000"/>
+              </a:lnSpc>
+              <a:spcBef>
+                <a:spcPct val="0"/>
+              </a:spcBef>
+              <a:buNone/>
+              <a:defRPr sz="4400" kern="1200">
+                <a:solidFill>
+                  <a:schemeClr val="tx1"/>
+                </a:solidFill>
+                <a:latin typeface="+mj-lt"/>
+                <a:ea typeface="+mj-ea"/>
+                <a:cs typeface="+mj-cs"/>
+              </a:defRPr>
+            </a:lvl1pPr>
+          </a:lstStyle>
+          <a:p>
+            <a:r>
+              <a:rPr lang="en-US" sz="3600" dirty="0">
+                <a:solidFill>
+                  <a:schemeClr val="accent1"/>
+                </a:solidFill>
+                <a:cs typeface="Calibri Light"/>
+              </a:rPr>
+              <a:t>Programming Language HTTP libraries.</a:t>
+            </a:r>
+          </a:p>
+        </p:txBody>
+      </p:sp>
+    </p:spTree>
+    <p:extLst>
+      <p:ext uri="{BB962C8B-B14F-4D97-AF65-F5344CB8AC3E}">
+        <p14:creationId xmlns:p14="http://schemas.microsoft.com/office/powerpoint/2010/main" val="1354698391"/>
+      </p:ext>
+    </p:extLst>
+  </p:cSld>
+  <p:clrMapOvr>
+    <a:masterClrMapping/>
+  </p:clrMapOvr>
+</p:sld>
+</file>
+
+<file path=ppt/slides/slide17.xml><?xml version="1.0" encoding="utf-8"?>
+<p:sld xmlns:a="http://schemas.openxmlformats.org/drawingml/2006/main" xmlns:r="http://schemas.openxmlformats.org/officeDocument/2006/relationships" xmlns:p="http://schemas.openxmlformats.org/presentationml/2006/main">
+  <p:cSld>
+    <p:spTree>
+      <p:nvGrpSpPr>
+        <p:cNvPr id="1" name=""/>
+        <p:cNvGrpSpPr/>
+        <p:nvPr/>
+      </p:nvGrpSpPr>
+      <p:grpSpPr>
+        <a:xfrm>
+          <a:off x="0" y="0"/>
+          <a:ext cx="0" cy="0"/>
+          <a:chOff x="0" y="0"/>
+          <a:chExt cx="0" cy="0"/>
+        </a:xfrm>
+      </p:grpSpPr>
+      <p:sp>
+        <p:nvSpPr>
+          <p:cNvPr id="2" name="Title 1">
+            <a:extLst>
+              <a:ext uri="{FF2B5EF4-FFF2-40B4-BE49-F238E27FC236}">
+                <a16:creationId xmlns:a16="http://schemas.microsoft.com/office/drawing/2014/main" id="{34D1753D-03A6-4898-898E-590115012278}"/>
+              </a:ext>
+            </a:extLst>
+          </p:cNvPr>
+          <p:cNvSpPr>
+            <a:spLocks noGrp="1"/>
+          </p:cNvSpPr>
+          <p:nvPr/>
+        </p:nvSpPr>
+        <p:spPr>
+          <a:xfrm>
+            <a:off x="1347753" y="544072"/>
+            <a:ext cx="5419839" cy="1160969"/>
+          </a:xfrm>
+          <a:prstGeom prst="rect">
+            <a:avLst/>
+          </a:prstGeom>
+          <a:noFill/>
+        </p:spPr>
+        <p:txBody>
+          <a:bodyPr vert="horz" lIns="91440" tIns="45720" rIns="91440" bIns="45720" rtlCol="0" anchor="ctr">
+            <a:normAutofit/>
+          </a:bodyPr>
+          <a:lstStyle>
+            <a:lvl1pPr algn="l" defTabSz="914400" rtl="0" eaLnBrk="1" latinLnBrk="0" hangingPunct="1">
+              <a:lnSpc>
+                <a:spcPct val="90000"/>
+              </a:lnSpc>
+              <a:spcBef>
+                <a:spcPct val="0"/>
+              </a:spcBef>
+              <a:buNone/>
+              <a:defRPr sz="4400" kern="1200">
+                <a:solidFill>
+                  <a:schemeClr val="tx1"/>
+                </a:solidFill>
+                <a:latin typeface="+mj-lt"/>
+                <a:ea typeface="+mj-ea"/>
+                <a:cs typeface="+mj-cs"/>
+              </a:defRPr>
+            </a:lvl1pPr>
+          </a:lstStyle>
+          <a:p>
+            <a:pPr algn="ctr"/>
+            <a:r>
+              <a:rPr lang="en-US" sz="3600" kern="1200" dirty="0">
+                <a:solidFill>
+                  <a:schemeClr val="accent1"/>
+                </a:solidFill>
+                <a:latin typeface="+mj-lt"/>
+                <a:ea typeface="+mj-ea"/>
+                <a:cs typeface="+mj-cs"/>
+              </a:rPr>
+              <a:t>Python Flask Http server</a:t>
+            </a:r>
+            <a:endParaRPr lang="en-US" sz="3600" kern="1200" dirty="0">
+              <a:solidFill>
+                <a:schemeClr val="accent1"/>
+              </a:solidFill>
+              <a:latin typeface="+mj-lt"/>
+            </a:endParaRPr>
+          </a:p>
+        </p:txBody>
+      </p:sp>
+      <p:pic>
+        <p:nvPicPr>
+          <p:cNvPr id="3" name="Picture 3" descr="Text&#10;&#10;Description automatically generated">
+            <a:extLst>
+              <a:ext uri="{FF2B5EF4-FFF2-40B4-BE49-F238E27FC236}">
+                <a16:creationId xmlns:a16="http://schemas.microsoft.com/office/drawing/2014/main" id="{3D7832FC-316D-4EEC-8D39-450341851AED}"/>
+              </a:ext>
+            </a:extLst>
+          </p:cNvPr>
+          <p:cNvPicPr>
+            <a:picLocks noChangeAspect="1"/>
+          </p:cNvPicPr>
+          <p:nvPr/>
+        </p:nvPicPr>
+        <p:blipFill>
+          <a:blip r:embed="rId2"/>
+          <a:stretch>
+            <a:fillRect/>
+          </a:stretch>
+        </p:blipFill>
+        <p:spPr>
+          <a:xfrm>
+            <a:off x="1189821" y="1933871"/>
+            <a:ext cx="5745296" cy="4606065"/>
+          </a:xfrm>
+          <a:prstGeom prst="rect">
+            <a:avLst/>
+          </a:prstGeom>
+        </p:spPr>
+      </p:pic>
+    </p:spTree>
+    <p:extLst>
+      <p:ext uri="{BB962C8B-B14F-4D97-AF65-F5344CB8AC3E}">
+        <p14:creationId xmlns:p14="http://schemas.microsoft.com/office/powerpoint/2010/main" val="2825549887"/>
+      </p:ext>
+    </p:extLst>
+  </p:cSld>
+  <p:clrMapOvr>
+    <a:masterClrMapping/>
+  </p:clrMapOvr>
+</p:sld>
+</file>
+
+<file path=ppt/slides/slide18.xml><?xml version="1.0" encoding="utf-8"?>
+<p:sld xmlns:a="http://schemas.openxmlformats.org/drawingml/2006/main" xmlns:r="http://schemas.openxmlformats.org/officeDocument/2006/relationships" xmlns:p="http://schemas.openxmlformats.org/presentationml/2006/main">
+  <p:cSld>
+    <p:spTree>
+      <p:nvGrpSpPr>
+        <p:cNvPr id="1" name=""/>
+        <p:cNvGrpSpPr/>
+        <p:nvPr/>
+      </p:nvGrpSpPr>
+      <p:grpSpPr>
+        <a:xfrm>
+          <a:off x="0" y="0"/>
+          <a:ext cx="0" cy="0"/>
+          <a:chOff x="0" y="0"/>
+          <a:chExt cx="0" cy="0"/>
+        </a:xfrm>
+      </p:grpSpPr>
+      <p:sp>
+        <p:nvSpPr>
+          <p:cNvPr id="2" name="TextBox 1">
+            <a:extLst>
+              <a:ext uri="{FF2B5EF4-FFF2-40B4-BE49-F238E27FC236}">
+                <a16:creationId xmlns:a16="http://schemas.microsoft.com/office/drawing/2014/main" id="{BD426A4B-3AAF-44F7-B68E-CB9F2F0EEA1E}"/>
+              </a:ext>
+            </a:extLst>
+          </p:cNvPr>
+          <p:cNvSpPr txBox="1"/>
+          <p:nvPr/>
+        </p:nvSpPr>
+        <p:spPr>
+          <a:xfrm>
+            <a:off x="289509" y="1013311"/>
+            <a:ext cx="4485686" cy="4827137"/>
+          </a:xfrm>
+          <a:prstGeom prst="rect">
+            <a:avLst/>
+          </a:prstGeom>
+        </p:spPr>
+        <p:txBody>
+          <a:bodyPr rot="0" spcFirstLastPara="0" vert="horz" lIns="91440" tIns="45720" rIns="91440" bIns="45720" numCol="1" spcCol="0" rtlCol="0" fromWordArt="0" anchor="t" anchorCtr="0" forceAA="0" compatLnSpc="1">
+            <a:prstTxWarp prst="textNoShape">
+              <a:avLst/>
+            </a:prstTxWarp>
+            <a:noAutofit/>
+          </a:bodyPr>
+          <a:lstStyle>
+            <a:defPPr>
+              <a:defRPr lang="en-US"/>
+            </a:defPPr>
+            <a:lvl1pPr marL="0" algn="l" defTabSz="914400" rtl="0" eaLnBrk="1" latinLnBrk="0" hangingPunct="1">
+              <a:defRPr sz="1800" kern="1200">
+                <a:solidFill>
+                  <a:schemeClr val="tx1"/>
+                </a:solidFill>
+                <a:latin typeface="+mn-lt"/>
+                <a:ea typeface="+mn-ea"/>
+                <a:cs typeface="+mn-cs"/>
+              </a:defRPr>
+            </a:lvl1pPr>
+            <a:lvl2pPr marL="457200" algn="l" defTabSz="914400" rtl="0" eaLnBrk="1" latinLnBrk="0" hangingPunct="1">
+              <a:defRPr sz="1800" kern="1200">
+                <a:solidFill>
+                  <a:schemeClr val="tx1"/>
+                </a:solidFill>
+                <a:latin typeface="+mn-lt"/>
+                <a:ea typeface="+mn-ea"/>
+                <a:cs typeface="+mn-cs"/>
+              </a:defRPr>
+            </a:lvl2pPr>
+            <a:lvl3pPr marL="914400" algn="l" defTabSz="914400" rtl="0" eaLnBrk="1" latinLnBrk="0" hangingPunct="1">
+              <a:defRPr sz="1800" kern="1200">
+                <a:solidFill>
+                  <a:schemeClr val="tx1"/>
+                </a:solidFill>
+                <a:latin typeface="+mn-lt"/>
+                <a:ea typeface="+mn-ea"/>
+                <a:cs typeface="+mn-cs"/>
+              </a:defRPr>
+            </a:lvl3pPr>
+            <a:lvl4pPr marL="1371600" algn="l" defTabSz="914400" rtl="0" eaLnBrk="1" latinLnBrk="0" hangingPunct="1">
+              <a:defRPr sz="1800" kern="1200">
+                <a:solidFill>
+                  <a:schemeClr val="tx1"/>
+                </a:solidFill>
+                <a:latin typeface="+mn-lt"/>
+                <a:ea typeface="+mn-ea"/>
+                <a:cs typeface="+mn-cs"/>
+              </a:defRPr>
+            </a:lvl4pPr>
+            <a:lvl5pPr marL="1828800" algn="l" defTabSz="914400" rtl="0" eaLnBrk="1" latinLnBrk="0" hangingPunct="1">
+              <a:defRPr sz="1800" kern="1200">
+                <a:solidFill>
+                  <a:schemeClr val="tx1"/>
+                </a:solidFill>
+                <a:latin typeface="+mn-lt"/>
+                <a:ea typeface="+mn-ea"/>
+                <a:cs typeface="+mn-cs"/>
+              </a:defRPr>
+            </a:lvl5pPr>
+            <a:lvl6pPr marL="2286000" algn="l" defTabSz="914400" rtl="0" eaLnBrk="1" latinLnBrk="0" hangingPunct="1">
+              <a:defRPr sz="1800" kern="1200">
+                <a:solidFill>
+                  <a:schemeClr val="tx1"/>
+                </a:solidFill>
+                <a:latin typeface="+mn-lt"/>
+                <a:ea typeface="+mn-ea"/>
+                <a:cs typeface="+mn-cs"/>
+              </a:defRPr>
+            </a:lvl6pPr>
+            <a:lvl7pPr marL="2743200" algn="l" defTabSz="914400" rtl="0" eaLnBrk="1" latinLnBrk="0" hangingPunct="1">
+              <a:defRPr sz="1800" kern="1200">
+                <a:solidFill>
+                  <a:schemeClr val="tx1"/>
+                </a:solidFill>
+                <a:latin typeface="+mn-lt"/>
+                <a:ea typeface="+mn-ea"/>
+                <a:cs typeface="+mn-cs"/>
+              </a:defRPr>
+            </a:lvl7pPr>
+            <a:lvl8pPr marL="3200400" algn="l" defTabSz="914400" rtl="0" eaLnBrk="1" latinLnBrk="0" hangingPunct="1">
+              <a:defRPr sz="1800" kern="1200">
+                <a:solidFill>
+                  <a:schemeClr val="tx1"/>
+                </a:solidFill>
+                <a:latin typeface="+mn-lt"/>
+                <a:ea typeface="+mn-ea"/>
+                <a:cs typeface="+mn-cs"/>
+              </a:defRPr>
+            </a:lvl8pPr>
+            <a:lvl9pPr marL="3657600" algn="l" defTabSz="914400" rtl="0" eaLnBrk="1" latinLnBrk="0" hangingPunct="1">
+              <a:defRPr sz="1800" kern="1200">
+                <a:solidFill>
+                  <a:schemeClr val="tx1"/>
+                </a:solidFill>
+                <a:latin typeface="+mn-lt"/>
+                <a:ea typeface="+mn-ea"/>
+                <a:cs typeface="+mn-cs"/>
+              </a:defRPr>
+            </a:lvl9pPr>
+          </a:lstStyle>
+          <a:p>
+            <a:pPr marL="285750" indent="-228600">
+              <a:lnSpc>
+                <a:spcPct val="90000"/>
+              </a:lnSpc>
+              <a:spcAft>
+                <a:spcPts val="600"/>
+              </a:spcAft>
+              <a:buFont typeface="Arial" panose="020B0604020202020204" pitchFamily="34" charset="0"/>
+              <a:buChar char="•"/>
+            </a:pPr>
+            <a:r>
+              <a:rPr lang="en-US" dirty="0"/>
+              <a:t>Docker Images:</a:t>
+            </a:r>
+            <a:endParaRPr lang="en-US" dirty="0">
+              <a:cs typeface="Calibri"/>
+            </a:endParaRPr>
+          </a:p>
+          <a:p>
+            <a:pPr marL="742950" lvl="1" indent="-228600">
+              <a:lnSpc>
+                <a:spcPct val="90000"/>
+              </a:lnSpc>
+              <a:spcAft>
+                <a:spcPts val="600"/>
+              </a:spcAft>
+              <a:buFont typeface="Arial" panose="020B0604020202020204" pitchFamily="34" charset="0"/>
+              <a:buChar char="•"/>
+            </a:pPr>
+            <a:r>
+              <a:rPr lang="en-US" dirty="0"/>
+              <a:t>Lightweight standalone, executable package of software.</a:t>
+            </a:r>
+          </a:p>
+          <a:p>
+            <a:pPr marL="742950" lvl="1" indent="-228600">
+              <a:lnSpc>
+                <a:spcPct val="90000"/>
+              </a:lnSpc>
+              <a:spcAft>
+                <a:spcPts val="600"/>
+              </a:spcAft>
+              <a:buFont typeface="Arial" panose="020B0604020202020204" pitchFamily="34" charset="0"/>
+              <a:buChar char="•"/>
+            </a:pPr>
+            <a:r>
+              <a:rPr lang="en-US" dirty="0"/>
+              <a:t>Includes everything needed to run an application.</a:t>
+            </a:r>
+            <a:endParaRPr lang="en-US" dirty="0">
+              <a:cs typeface="Calibri"/>
+            </a:endParaRPr>
+          </a:p>
+          <a:p>
+            <a:pPr marL="285750" indent="-228600">
+              <a:lnSpc>
+                <a:spcPct val="90000"/>
+              </a:lnSpc>
+              <a:spcAft>
+                <a:spcPts val="600"/>
+              </a:spcAft>
+              <a:buFont typeface="Arial" panose="020B0604020202020204" pitchFamily="34" charset="0"/>
+              <a:buChar char="•"/>
+            </a:pPr>
+            <a:r>
+              <a:rPr lang="en-US" dirty="0"/>
+              <a:t>Docker images become containers at runtime.</a:t>
+            </a:r>
+            <a:endParaRPr lang="en-US" dirty="0">
+              <a:cs typeface="Calibri"/>
+            </a:endParaRPr>
+          </a:p>
+          <a:p>
+            <a:pPr marL="285750" indent="-228600">
+              <a:lnSpc>
+                <a:spcPct val="90000"/>
+              </a:lnSpc>
+              <a:spcAft>
+                <a:spcPts val="600"/>
+              </a:spcAft>
+              <a:buFont typeface="Arial" panose="020B0604020202020204" pitchFamily="34" charset="0"/>
+              <a:buChar char="•"/>
+            </a:pPr>
+            <a:r>
+              <a:rPr lang="en-US" dirty="0"/>
+              <a:t>Docker Containers:</a:t>
+            </a:r>
+            <a:endParaRPr lang="en-US" dirty="0">
+              <a:cs typeface="Calibri"/>
+            </a:endParaRPr>
+          </a:p>
+          <a:p>
+            <a:pPr marL="742950" lvl="1" indent="-228600">
+              <a:lnSpc>
+                <a:spcPct val="90000"/>
+              </a:lnSpc>
+              <a:spcAft>
+                <a:spcPts val="600"/>
+              </a:spcAft>
+              <a:buFont typeface="Arial" panose="020B0604020202020204" pitchFamily="34" charset="0"/>
+              <a:buChar char="•"/>
+            </a:pPr>
+            <a:r>
+              <a:rPr lang="en-US" dirty="0"/>
+              <a:t>Isolate software from its environment.</a:t>
+            </a:r>
+            <a:endParaRPr lang="en-US" dirty="0">
+              <a:cs typeface="Calibri"/>
+            </a:endParaRPr>
+          </a:p>
+          <a:p>
+            <a:pPr marL="742950" lvl="1" indent="-228600">
+              <a:lnSpc>
+                <a:spcPct val="90000"/>
+              </a:lnSpc>
+              <a:spcAft>
+                <a:spcPts val="600"/>
+              </a:spcAft>
+              <a:buFont typeface="Arial" panose="020B0604020202020204" pitchFamily="34" charset="0"/>
+              <a:buChar char="•"/>
+            </a:pPr>
+            <a:r>
+              <a:rPr lang="en-US" dirty="0">
+                <a:cs typeface="Calibri"/>
+              </a:rPr>
+              <a:t>Isolates containers from each-other.</a:t>
+            </a:r>
+          </a:p>
+          <a:p>
+            <a:pPr marL="742950" lvl="1" indent="-228600">
+              <a:lnSpc>
+                <a:spcPct val="90000"/>
+              </a:lnSpc>
+              <a:spcAft>
+                <a:spcPts val="600"/>
+              </a:spcAft>
+              <a:buFont typeface="Arial" panose="020B0604020202020204" pitchFamily="34" charset="0"/>
+              <a:buChar char="•"/>
+            </a:pPr>
+            <a:r>
+              <a:rPr lang="en-US" dirty="0"/>
+              <a:t>Ensure that it works uniformly in every environment and machine.</a:t>
+            </a:r>
+            <a:endParaRPr lang="en-US" dirty="0">
+              <a:cs typeface="Calibri"/>
+            </a:endParaRPr>
+          </a:p>
+          <a:p>
+            <a:pPr marL="742950" lvl="1" indent="-228600">
+              <a:lnSpc>
+                <a:spcPct val="90000"/>
+              </a:lnSpc>
+              <a:spcAft>
+                <a:spcPts val="600"/>
+              </a:spcAft>
+              <a:buFont typeface="Arial" panose="020B0604020202020204" pitchFamily="34" charset="0"/>
+              <a:buChar char="•"/>
+            </a:pPr>
+            <a:r>
+              <a:rPr lang="en-US" dirty="0">
+                <a:cs typeface="Calibri"/>
+              </a:rPr>
+              <a:t>No more: "IT RUNS ON MY MACHINE, YOURS IS BROKEN"</a:t>
+            </a:r>
+          </a:p>
+        </p:txBody>
+      </p:sp>
+      <p:sp>
+        <p:nvSpPr>
+          <p:cNvPr id="3" name="Title 1">
+            <a:extLst>
+              <a:ext uri="{FF2B5EF4-FFF2-40B4-BE49-F238E27FC236}">
+                <a16:creationId xmlns:a16="http://schemas.microsoft.com/office/drawing/2014/main" id="{84A46CDA-4E87-4342-9FB0-03DA0EE43105}"/>
+              </a:ext>
+            </a:extLst>
+          </p:cNvPr>
+          <p:cNvSpPr>
+            <a:spLocks noGrp="1"/>
+          </p:cNvSpPr>
+          <p:nvPr/>
+        </p:nvSpPr>
+        <p:spPr>
+          <a:xfrm>
+            <a:off x="287653" y="396159"/>
+            <a:ext cx="5091614" cy="362904"/>
+          </a:xfrm>
+          <a:prstGeom prst="rect">
+            <a:avLst/>
+          </a:prstGeom>
+        </p:spPr>
+        <p:txBody>
+          <a:bodyPr vert="horz" lIns="91440" tIns="45720" rIns="91440" bIns="45720" rtlCol="0" anchor="t">
+            <a:normAutofit fontScale="70000" lnSpcReduction="20000"/>
+          </a:bodyPr>
+          <a:lstStyle>
+            <a:lvl1pPr algn="l" defTabSz="914400" rtl="0" eaLnBrk="1" latinLnBrk="0" hangingPunct="1">
+              <a:lnSpc>
+                <a:spcPct val="90000"/>
+              </a:lnSpc>
+              <a:spcBef>
+                <a:spcPct val="0"/>
+              </a:spcBef>
+              <a:buNone/>
+              <a:defRPr sz="4400" kern="1200">
+                <a:solidFill>
+                  <a:schemeClr val="tx1"/>
+                </a:solidFill>
+                <a:latin typeface="+mj-lt"/>
+                <a:ea typeface="+mj-ea"/>
+                <a:cs typeface="+mj-cs"/>
+              </a:defRPr>
+            </a:lvl1pPr>
+          </a:lstStyle>
+          <a:p>
+            <a:r>
+              <a:rPr lang="en-US" sz="3400" kern="1200" dirty="0">
+                <a:solidFill>
+                  <a:schemeClr val="accent1"/>
+                </a:solidFill>
+                <a:latin typeface="+mj-lt"/>
+                <a:ea typeface="+mj-ea"/>
+                <a:cs typeface="+mj-cs"/>
+              </a:rPr>
+              <a:t>Docker Container Engine</a:t>
+            </a:r>
+            <a:endParaRPr lang="en-US" sz="3400" kern="1200" dirty="0">
+              <a:solidFill>
+                <a:schemeClr val="accent1"/>
+              </a:solidFill>
+              <a:latin typeface="+mj-lt"/>
+            </a:endParaRPr>
+          </a:p>
+        </p:txBody>
+      </p:sp>
+      <p:pic>
+        <p:nvPicPr>
+          <p:cNvPr id="4" name="Picture 4" descr="Chart, treemap chart&#10;&#10;Description automatically generated">
+            <a:extLst>
+              <a:ext uri="{FF2B5EF4-FFF2-40B4-BE49-F238E27FC236}">
+                <a16:creationId xmlns:a16="http://schemas.microsoft.com/office/drawing/2014/main" id="{4AD89CC8-99FD-4C7D-9B8B-E30DD45DA0ED}"/>
+              </a:ext>
+            </a:extLst>
+          </p:cNvPr>
+          <p:cNvPicPr>
+            <a:picLocks noChangeAspect="1"/>
+          </p:cNvPicPr>
+          <p:nvPr/>
+        </p:nvPicPr>
+        <p:blipFill>
+          <a:blip r:embed="rId2"/>
+          <a:stretch>
+            <a:fillRect/>
+          </a:stretch>
+        </p:blipFill>
+        <p:spPr>
+          <a:xfrm>
+            <a:off x="4935557" y="896489"/>
+            <a:ext cx="6176790" cy="4954853"/>
+          </a:xfrm>
+          <a:prstGeom prst="rect">
+            <a:avLst/>
+          </a:prstGeom>
+        </p:spPr>
+      </p:pic>
+    </p:spTree>
+    <p:extLst>
+      <p:ext uri="{BB962C8B-B14F-4D97-AF65-F5344CB8AC3E}">
+        <p14:creationId xmlns:p14="http://schemas.microsoft.com/office/powerpoint/2010/main" val="2816703348"/>
+      </p:ext>
+    </p:extLst>
+  </p:cSld>
+  <p:clrMapOvr>
+    <a:masterClrMapping/>
+  </p:clrMapOvr>
+</p:sld>
+</file>
+
+<file path=ppt/slides/slide19.xml><?xml version="1.0" encoding="utf-8"?>
+<p:sld xmlns:a="http://schemas.openxmlformats.org/drawingml/2006/main" xmlns:r="http://schemas.openxmlformats.org/officeDocument/2006/relationships" xmlns:p="http://schemas.openxmlformats.org/presentationml/2006/main">
+  <p:cSld>
+    <p:spTree>
+      <p:nvGrpSpPr>
+        <p:cNvPr id="1" name=""/>
+        <p:cNvGrpSpPr/>
+        <p:nvPr/>
+      </p:nvGrpSpPr>
+      <p:grpSpPr>
+        <a:xfrm>
+          <a:off x="0" y="0"/>
+          <a:ext cx="0" cy="0"/>
+          <a:chOff x="0" y="0"/>
+          <a:chExt cx="0" cy="0"/>
+        </a:xfrm>
+      </p:grpSpPr>
+      <p:pic>
+        <p:nvPicPr>
+          <p:cNvPr id="3" name="Picture 3" descr="Text&#10;&#10;Description automatically generated">
+            <a:extLst>
+              <a:ext uri="{FF2B5EF4-FFF2-40B4-BE49-F238E27FC236}">
+                <a16:creationId xmlns:a16="http://schemas.microsoft.com/office/drawing/2014/main" id="{E8545686-DA83-43DC-B448-FBAA276A1221}"/>
+              </a:ext>
+            </a:extLst>
+          </p:cNvPr>
+          <p:cNvPicPr>
+            <a:picLocks noChangeAspect="1"/>
+          </p:cNvPicPr>
+          <p:nvPr/>
+        </p:nvPicPr>
+        <p:blipFill>
+          <a:blip r:embed="rId2"/>
+          <a:stretch>
+            <a:fillRect/>
+          </a:stretch>
+        </p:blipFill>
+        <p:spPr>
+          <a:xfrm>
+            <a:off x="1593773" y="1170828"/>
+            <a:ext cx="6130885" cy="5149814"/>
+          </a:xfrm>
+          <a:prstGeom prst="rect">
+            <a:avLst/>
+          </a:prstGeom>
+        </p:spPr>
+      </p:pic>
+      <p:sp>
+        <p:nvSpPr>
+          <p:cNvPr id="4" name="Title 1">
+            <a:extLst>
+              <a:ext uri="{FF2B5EF4-FFF2-40B4-BE49-F238E27FC236}">
+                <a16:creationId xmlns:a16="http://schemas.microsoft.com/office/drawing/2014/main" id="{57B60648-8480-4E33-8DE9-A6BF2EA13702}"/>
+              </a:ext>
+            </a:extLst>
+          </p:cNvPr>
+          <p:cNvSpPr>
+            <a:spLocks noGrp="1"/>
+          </p:cNvSpPr>
+          <p:nvPr/>
+        </p:nvSpPr>
+        <p:spPr>
+          <a:xfrm>
+            <a:off x="184073" y="241290"/>
+            <a:ext cx="8449479" cy="738654"/>
+          </a:xfrm>
+          <a:prstGeom prst="rect">
+            <a:avLst/>
+          </a:prstGeom>
+          <a:noFill/>
+        </p:spPr>
+        <p:txBody>
+          <a:bodyPr vert="horz" lIns="91440" tIns="45720" rIns="91440" bIns="45720" rtlCol="0" anchor="ctr">
+            <a:normAutofit/>
+          </a:bodyPr>
+          <a:lstStyle>
+            <a:lvl1pPr algn="l" defTabSz="914400" rtl="0" eaLnBrk="1" latinLnBrk="0" hangingPunct="1">
+              <a:lnSpc>
+                <a:spcPct val="90000"/>
+              </a:lnSpc>
+              <a:spcBef>
+                <a:spcPct val="0"/>
+              </a:spcBef>
+              <a:buNone/>
+              <a:defRPr sz="4400" kern="1200">
+                <a:solidFill>
+                  <a:schemeClr val="tx1"/>
+                </a:solidFill>
+                <a:latin typeface="+mj-lt"/>
+                <a:ea typeface="+mj-ea"/>
+                <a:cs typeface="+mj-cs"/>
+              </a:defRPr>
+            </a:lvl1pPr>
+          </a:lstStyle>
+          <a:p>
+            <a:pPr algn="ctr"/>
+            <a:r>
+              <a:rPr lang="en-US" sz="3600" kern="1200" dirty="0" err="1">
+                <a:solidFill>
+                  <a:schemeClr val="accent1"/>
+                </a:solidFill>
+                <a:latin typeface="+mj-lt"/>
+                <a:ea typeface="+mj-ea"/>
+                <a:cs typeface="+mj-cs"/>
+              </a:rPr>
+              <a:t>Dockerfile</a:t>
+            </a:r>
+            <a:r>
+              <a:rPr lang="en-US" sz="3600" kern="1200" dirty="0">
+                <a:solidFill>
+                  <a:schemeClr val="accent1"/>
+                </a:solidFill>
+                <a:latin typeface="+mj-lt"/>
+                <a:ea typeface="+mj-ea"/>
+                <a:cs typeface="+mj-cs"/>
+              </a:rPr>
+              <a:t> for our HTTP Server.</a:t>
+            </a:r>
+            <a:endParaRPr lang="en-US" sz="3600" kern="1200" dirty="0">
+              <a:solidFill>
+                <a:schemeClr val="accent1"/>
+              </a:solidFill>
+              <a:latin typeface="+mj-lt"/>
+            </a:endParaRPr>
+          </a:p>
+        </p:txBody>
+      </p:sp>
+    </p:spTree>
+    <p:extLst>
+      <p:ext uri="{BB962C8B-B14F-4D97-AF65-F5344CB8AC3E}">
+        <p14:creationId xmlns:p14="http://schemas.microsoft.com/office/powerpoint/2010/main" val="4132369590"/>
+      </p:ext>
+    </p:extLst>
+  </p:cSld>
+  <p:clrMapOvr>
+    <a:masterClrMapping/>
+  </p:clrMapOvr>
+</p:sld>
+</file>
+
 <file path=ppt/slides/slide2.xml><?xml version="1.0" encoding="utf-8"?>
 <p:sld xmlns:a="http://schemas.openxmlformats.org/drawingml/2006/main" xmlns:r="http://schemas.openxmlformats.org/officeDocument/2006/relationships" xmlns:p="http://schemas.openxmlformats.org/presentationml/2006/main">
   <p:cSld>
@@ -6988,6 +12019,237 @@
     <p:extLst>
       <p:ext uri="{BB962C8B-B14F-4D97-AF65-F5344CB8AC3E}">
         <p14:creationId xmlns:p14="http://schemas.microsoft.com/office/powerpoint/2010/main" val="2626661609"/>
+      </p:ext>
+    </p:extLst>
+  </p:cSld>
+  <p:clrMapOvr>
+    <a:masterClrMapping/>
+  </p:clrMapOvr>
+</p:sld>
+</file>
+
+<file path=ppt/slides/slide20.xml><?xml version="1.0" encoding="utf-8"?>
+<p:sld xmlns:a="http://schemas.openxmlformats.org/drawingml/2006/main" xmlns:r="http://schemas.openxmlformats.org/officeDocument/2006/relationships" xmlns:p="http://schemas.openxmlformats.org/presentationml/2006/main">
+  <p:cSld>
+    <p:spTree>
+      <p:nvGrpSpPr>
+        <p:cNvPr id="1" name=""/>
+        <p:cNvGrpSpPr/>
+        <p:nvPr/>
+      </p:nvGrpSpPr>
+      <p:grpSpPr>
+        <a:xfrm>
+          <a:off x="0" y="0"/>
+          <a:ext cx="0" cy="0"/>
+          <a:chOff x="0" y="0"/>
+          <a:chExt cx="0" cy="0"/>
+        </a:xfrm>
+      </p:grpSpPr>
+      <p:sp>
+        <p:nvSpPr>
+          <p:cNvPr id="2" name="Title 1">
+            <a:extLst>
+              <a:ext uri="{FF2B5EF4-FFF2-40B4-BE49-F238E27FC236}">
+                <a16:creationId xmlns:a16="http://schemas.microsoft.com/office/drawing/2014/main" id="{296EAA5F-3CBE-4B5F-9038-2585C8FD5AD8}"/>
+              </a:ext>
+            </a:extLst>
+          </p:cNvPr>
+          <p:cNvSpPr>
+            <a:spLocks noGrp="1"/>
+          </p:cNvSpPr>
+          <p:nvPr/>
+        </p:nvSpPr>
+        <p:spPr>
+          <a:xfrm>
+            <a:off x="744098" y="360640"/>
+            <a:ext cx="6650056" cy="674390"/>
+          </a:xfrm>
+          <a:prstGeom prst="rect">
+            <a:avLst/>
+          </a:prstGeom>
+          <a:noFill/>
+        </p:spPr>
+        <p:txBody>
+          <a:bodyPr vert="horz" lIns="91440" tIns="45720" rIns="91440" bIns="45720" rtlCol="0" anchor="ctr">
+            <a:normAutofit/>
+          </a:bodyPr>
+          <a:lstStyle>
+            <a:defPPr>
+              <a:defRPr lang="en-US"/>
+            </a:defPPr>
+            <a:lvl1pPr marL="0" algn="l" defTabSz="914400" rtl="0" eaLnBrk="1" latinLnBrk="0" hangingPunct="1">
+              <a:defRPr sz="1800" kern="1200">
+                <a:solidFill>
+                  <a:schemeClr val="tx1"/>
+                </a:solidFill>
+                <a:latin typeface="+mn-lt"/>
+                <a:ea typeface="+mn-ea"/>
+                <a:cs typeface="+mn-cs"/>
+              </a:defRPr>
+            </a:lvl1pPr>
+            <a:lvl2pPr marL="457200" algn="l" defTabSz="914400" rtl="0" eaLnBrk="1" latinLnBrk="0" hangingPunct="1">
+              <a:defRPr sz="1800" kern="1200">
+                <a:solidFill>
+                  <a:schemeClr val="tx1"/>
+                </a:solidFill>
+                <a:latin typeface="+mn-lt"/>
+                <a:ea typeface="+mn-ea"/>
+                <a:cs typeface="+mn-cs"/>
+              </a:defRPr>
+            </a:lvl2pPr>
+            <a:lvl3pPr marL="914400" algn="l" defTabSz="914400" rtl="0" eaLnBrk="1" latinLnBrk="0" hangingPunct="1">
+              <a:defRPr sz="1800" kern="1200">
+                <a:solidFill>
+                  <a:schemeClr val="tx1"/>
+                </a:solidFill>
+                <a:latin typeface="+mn-lt"/>
+                <a:ea typeface="+mn-ea"/>
+                <a:cs typeface="+mn-cs"/>
+              </a:defRPr>
+            </a:lvl3pPr>
+            <a:lvl4pPr marL="1371600" algn="l" defTabSz="914400" rtl="0" eaLnBrk="1" latinLnBrk="0" hangingPunct="1">
+              <a:defRPr sz="1800" kern="1200">
+                <a:solidFill>
+                  <a:schemeClr val="tx1"/>
+                </a:solidFill>
+                <a:latin typeface="+mn-lt"/>
+                <a:ea typeface="+mn-ea"/>
+                <a:cs typeface="+mn-cs"/>
+              </a:defRPr>
+            </a:lvl4pPr>
+            <a:lvl5pPr marL="1828800" algn="l" defTabSz="914400" rtl="0" eaLnBrk="1" latinLnBrk="0" hangingPunct="1">
+              <a:defRPr sz="1800" kern="1200">
+                <a:solidFill>
+                  <a:schemeClr val="tx1"/>
+                </a:solidFill>
+                <a:latin typeface="+mn-lt"/>
+                <a:ea typeface="+mn-ea"/>
+                <a:cs typeface="+mn-cs"/>
+              </a:defRPr>
+            </a:lvl5pPr>
+            <a:lvl6pPr marL="2286000" algn="l" defTabSz="914400" rtl="0" eaLnBrk="1" latinLnBrk="0" hangingPunct="1">
+              <a:defRPr sz="1800" kern="1200">
+                <a:solidFill>
+                  <a:schemeClr val="tx1"/>
+                </a:solidFill>
+                <a:latin typeface="+mn-lt"/>
+                <a:ea typeface="+mn-ea"/>
+                <a:cs typeface="+mn-cs"/>
+              </a:defRPr>
+            </a:lvl6pPr>
+            <a:lvl7pPr marL="2743200" algn="l" defTabSz="914400" rtl="0" eaLnBrk="1" latinLnBrk="0" hangingPunct="1">
+              <a:defRPr sz="1800" kern="1200">
+                <a:solidFill>
+                  <a:schemeClr val="tx1"/>
+                </a:solidFill>
+                <a:latin typeface="+mn-lt"/>
+                <a:ea typeface="+mn-ea"/>
+                <a:cs typeface="+mn-cs"/>
+              </a:defRPr>
+            </a:lvl7pPr>
+            <a:lvl8pPr marL="3200400" algn="l" defTabSz="914400" rtl="0" eaLnBrk="1" latinLnBrk="0" hangingPunct="1">
+              <a:defRPr sz="1800" kern="1200">
+                <a:solidFill>
+                  <a:schemeClr val="tx1"/>
+                </a:solidFill>
+                <a:latin typeface="+mn-lt"/>
+                <a:ea typeface="+mn-ea"/>
+                <a:cs typeface="+mn-cs"/>
+              </a:defRPr>
+            </a:lvl8pPr>
+            <a:lvl9pPr marL="3657600" algn="l" defTabSz="914400" rtl="0" eaLnBrk="1" latinLnBrk="0" hangingPunct="1">
+              <a:defRPr sz="1800" kern="1200">
+                <a:solidFill>
+                  <a:schemeClr val="tx1"/>
+                </a:solidFill>
+                <a:latin typeface="+mn-lt"/>
+                <a:ea typeface="+mn-ea"/>
+                <a:cs typeface="+mn-cs"/>
+              </a:defRPr>
+            </a:lvl9pPr>
+          </a:lstStyle>
+          <a:p>
+            <a:pPr algn="ctr"/>
+            <a:r>
+              <a:rPr lang="en-US" sz="3600" dirty="0">
+                <a:solidFill>
+                  <a:schemeClr val="accent1"/>
+                </a:solidFill>
+              </a:rPr>
+              <a:t>Example Docker </a:t>
+            </a:r>
+            <a:r>
+              <a:rPr lang="en-US" sz="3600" kern="1200" dirty="0">
+                <a:solidFill>
+                  <a:schemeClr val="accent1"/>
+                </a:solidFill>
+                <a:latin typeface="+mj-lt"/>
+                <a:ea typeface="+mj-ea"/>
+                <a:cs typeface="+mj-cs"/>
+              </a:rPr>
+              <a:t>Compose</a:t>
+            </a:r>
+            <a:r>
+              <a:rPr lang="en-US" sz="3600" dirty="0">
+                <a:solidFill>
+                  <a:schemeClr val="accent1"/>
+                </a:solidFill>
+              </a:rPr>
+              <a:t> </a:t>
+            </a:r>
+            <a:r>
+              <a:rPr lang="en-US" sz="3600" kern="1200" dirty="0">
+                <a:solidFill>
+                  <a:schemeClr val="accent1"/>
+                </a:solidFill>
+                <a:latin typeface="+mj-lt"/>
+                <a:ea typeface="+mj-ea"/>
+                <a:cs typeface="+mj-cs"/>
+              </a:rPr>
+              <a:t>File</a:t>
+            </a:r>
+            <a:endParaRPr lang="en-US">
+              <a:solidFill>
+                <a:schemeClr val="accent1"/>
+              </a:solidFill>
+            </a:endParaRPr>
+          </a:p>
+        </p:txBody>
+      </p:sp>
+      <p:pic>
+        <p:nvPicPr>
+          <p:cNvPr id="3" name="Picture 3" descr="Text&#10;&#10;Description automatically generated">
+            <a:extLst>
+              <a:ext uri="{FF2B5EF4-FFF2-40B4-BE49-F238E27FC236}">
+                <a16:creationId xmlns:a16="http://schemas.microsoft.com/office/drawing/2014/main" id="{34FAD315-477C-4073-B9AC-2005F1709A7F}"/>
+              </a:ext>
+            </a:extLst>
+          </p:cNvPr>
+          <p:cNvPicPr>
+            <a:picLocks noChangeAspect="1"/>
+          </p:cNvPicPr>
+          <p:nvPr/>
+        </p:nvPicPr>
+        <p:blipFill>
+          <a:blip r:embed="rId2"/>
+          <a:stretch>
+            <a:fillRect/>
+          </a:stretch>
+        </p:blipFill>
+        <p:spPr>
+          <a:xfrm>
+            <a:off x="1171460" y="1410471"/>
+            <a:ext cx="5690212" cy="5092841"/>
+          </a:xfrm>
+          <a:prstGeom prst="rect">
+            <a:avLst/>
+          </a:prstGeom>
+        </p:spPr>
+      </p:pic>
+    </p:spTree>
+    <p:extLst>
+      <p:ext uri="{BB962C8B-B14F-4D97-AF65-F5344CB8AC3E}">
+        <p14:creationId xmlns:p14="http://schemas.microsoft.com/office/powerpoint/2010/main" val="107956240"/>
       </p:ext>
     </p:extLst>
   </p:cSld>
@@ -8193,7 +13455,282 @@
 </a:theme>
 </file>
 
+<file path=ppt/theme/theme2.xml><?xml version="1.0" encoding="utf-8"?>
+<a:theme xmlns:a="http://schemas.openxmlformats.org/drawingml/2006/main" name="Office Theme">
+  <a:themeElements>
+    <a:clrScheme name="Office Theme">
+      <a:dk1>
+        <a:sysClr val="windowText" lastClr="000000"/>
+      </a:dk1>
+      <a:lt1>
+        <a:sysClr val="window" lastClr="FFFFFF"/>
+      </a:lt1>
+      <a:dk2>
+        <a:srgbClr val="44546A"/>
+      </a:dk2>
+      <a:lt2>
+        <a:srgbClr val="E7E6E6"/>
+      </a:lt2>
+      <a:accent1>
+        <a:srgbClr val="4472C4"/>
+      </a:accent1>
+      <a:accent2>
+        <a:srgbClr val="ED7D31"/>
+      </a:accent2>
+      <a:accent3>
+        <a:srgbClr val="A5A5A5"/>
+      </a:accent3>
+      <a:accent4>
+        <a:srgbClr val="FFC000"/>
+      </a:accent4>
+      <a:accent5>
+        <a:srgbClr val="5B9BD5"/>
+      </a:accent5>
+      <a:accent6>
+        <a:srgbClr val="70AD47"/>
+      </a:accent6>
+      <a:hlink>
+        <a:srgbClr val="0563C1"/>
+      </a:hlink>
+      <a:folHlink>
+        <a:srgbClr val="954F72"/>
+      </a:folHlink>
+    </a:clrScheme>
+    <a:fontScheme name="Office Theme">
+      <a:majorFont>
+        <a:latin typeface="Calibri Light" panose="020F0302020204030204"/>
+        <a:ea typeface=""/>
+        <a:cs typeface=""/>
+        <a:font script="Jpan" typeface="游ゴシック Light"/>
+        <a:font script="Hang" typeface="맑은 고딕"/>
+        <a:font script="Hans" typeface="等线 Light"/>
+        <a:font script="Hant" typeface="新細明體"/>
+        <a:font script="Arab" typeface="Times New Roman"/>
+        <a:font script="Hebr" typeface="Times New Roman"/>
+        <a:font script="Thai" typeface="Angsana New"/>
+        <a:font script="Ethi" typeface="Nyala"/>
+        <a:font script="Beng" typeface="Vrinda"/>
+        <a:font script="Gujr" typeface="Shruti"/>
+        <a:font script="Khmr" typeface="MoolBoran"/>
+        <a:font script="Knda" typeface="Tunga"/>
+        <a:font script="Guru" typeface="Raavi"/>
+        <a:font script="Cans" typeface="Euphemia"/>
+        <a:font script="Cher" typeface="Plantagenet Cherokee"/>
+        <a:font script="Yiii" typeface="Microsoft Yi Baiti"/>
+        <a:font script="Tibt" typeface="Microsoft Himalaya"/>
+        <a:font script="Thaa" typeface="MV Boli"/>
+        <a:font script="Deva" typeface="Mangal"/>
+        <a:font script="Telu" typeface="Gautami"/>
+        <a:font script="Taml" typeface="Latha"/>
+        <a:font script="Syrc" typeface="Estrangelo Edessa"/>
+        <a:font script="Orya" typeface="Kalinga"/>
+        <a:font script="Mlym" typeface="Kartika"/>
+        <a:font script="Laoo" typeface="DokChampa"/>
+        <a:font script="Sinh" typeface="Iskoola Pota"/>
+        <a:font script="Mong" typeface="Mongolian Baiti"/>
+        <a:font script="Viet" typeface="Times New Roman"/>
+        <a:font script="Uigh" typeface="Microsoft Uighur"/>
+        <a:font script="Geor" typeface="Sylfaen"/>
+      </a:majorFont>
+      <a:minorFont>
+        <a:latin typeface="Calibri" panose="020F0502020204030204"/>
+        <a:ea typeface=""/>
+        <a:cs typeface=""/>
+        <a:font script="Jpan" typeface="游ゴシック"/>
+        <a:font script="Hang" typeface="맑은 고딕"/>
+        <a:font script="Hans" typeface="等线"/>
+        <a:font script="Hant" typeface="新細明體"/>
+        <a:font script="Arab" typeface="Arial"/>
+        <a:font script="Hebr" typeface="Arial"/>
+        <a:font script="Thai" typeface="Cordia New"/>
+        <a:font script="Ethi" typeface="Nyala"/>
+        <a:font script="Beng" typeface="Vrinda"/>
+        <a:font script="Gujr" typeface="Shruti"/>
+        <a:font script="Khmr" typeface="DaunPenh"/>
+        <a:font script="Knda" typeface="Tunga"/>
+        <a:font script="Guru" typeface="Raavi"/>
+        <a:font script="Cans" typeface="Euphemia"/>
+        <a:font script="Cher" typeface="Plantagenet Cherokee"/>
+        <a:font script="Yiii" typeface="Microsoft Yi Baiti"/>
+        <a:font script="Tibt" typeface="Microsoft Himalaya"/>
+        <a:font script="Thaa" typeface="MV Boli"/>
+        <a:font script="Deva" typeface="Mangal"/>
+        <a:font script="Telu" typeface="Gautami"/>
+        <a:font script="Taml" typeface="Latha"/>
+        <a:font script="Syrc" typeface="Estrangelo Edessa"/>
+        <a:font script="Orya" typeface="Kalinga"/>
+        <a:font script="Mlym" typeface="Kartika"/>
+        <a:font script="Laoo" typeface="DokChampa"/>
+        <a:font script="Sinh" typeface="Iskoola Pota"/>
+        <a:font script="Mong" typeface="Mongolian Baiti"/>
+        <a:font script="Viet" typeface="Arial"/>
+        <a:font script="Uigh" typeface="Microsoft Uighur"/>
+        <a:font script="Geor" typeface="Sylfaen"/>
+      </a:minorFont>
+    </a:fontScheme>
+    <a:fmtScheme name="Office Theme">
+      <a:fillStyleLst>
+        <a:solidFill>
+          <a:schemeClr val="phClr"/>
+        </a:solidFill>
+        <a:gradFill rotWithShape="1">
+          <a:gsLst>
+            <a:gs pos="0">
+              <a:schemeClr val="phClr">
+                <a:lumMod val="110000"/>
+                <a:satMod val="105000"/>
+                <a:tint val="67000"/>
+              </a:schemeClr>
+            </a:gs>
+            <a:gs pos="50000">
+              <a:schemeClr val="phClr">
+                <a:lumMod val="105000"/>
+                <a:satMod val="103000"/>
+                <a:tint val="73000"/>
+              </a:schemeClr>
+            </a:gs>
+            <a:gs pos="100000">
+              <a:schemeClr val="phClr">
+                <a:lumMod val="105000"/>
+                <a:satMod val="109000"/>
+                <a:tint val="81000"/>
+              </a:schemeClr>
+            </a:gs>
+          </a:gsLst>
+          <a:lin ang="5400000" scaled="0"/>
+        </a:gradFill>
+        <a:gradFill rotWithShape="1">
+          <a:gsLst>
+            <a:gs pos="0">
+              <a:schemeClr val="phClr">
+                <a:satMod val="103000"/>
+                <a:lumMod val="102000"/>
+                <a:tint val="94000"/>
+              </a:schemeClr>
+            </a:gs>
+            <a:gs pos="50000">
+              <a:schemeClr val="phClr">
+                <a:satMod val="110000"/>
+                <a:lumMod val="100000"/>
+                <a:shade val="100000"/>
+              </a:schemeClr>
+            </a:gs>
+            <a:gs pos="100000">
+              <a:schemeClr val="phClr">
+                <a:lumMod val="99000"/>
+                <a:satMod val="120000"/>
+                <a:shade val="78000"/>
+              </a:schemeClr>
+            </a:gs>
+          </a:gsLst>
+          <a:lin ang="5400000" scaled="0"/>
+        </a:gradFill>
+      </a:fillStyleLst>
+      <a:lnStyleLst>
+        <a:ln w="6350" cap="flat" cmpd="sng" algn="ctr">
+          <a:solidFill>
+            <a:schemeClr val="phClr"/>
+          </a:solidFill>
+          <a:prstDash val="solid"/>
+          <a:miter lim="800000"/>
+        </a:ln>
+        <a:ln w="12700" cap="flat" cmpd="sng" algn="ctr">
+          <a:solidFill>
+            <a:schemeClr val="phClr"/>
+          </a:solidFill>
+          <a:prstDash val="solid"/>
+          <a:miter lim="800000"/>
+        </a:ln>
+        <a:ln w="19050" cap="flat" cmpd="sng" algn="ctr">
+          <a:solidFill>
+            <a:schemeClr val="phClr"/>
+          </a:solidFill>
+          <a:prstDash val="solid"/>
+          <a:miter lim="800000"/>
+        </a:ln>
+      </a:lnStyleLst>
+      <a:effectStyleLst>
+        <a:effectStyle>
+          <a:effectLst/>
+        </a:effectStyle>
+        <a:effectStyle>
+          <a:effectLst/>
+        </a:effectStyle>
+        <a:effectStyle>
+          <a:effectLst>
+            <a:outerShdw blurRad="57150" dist="19050" dir="5400000" algn="ctr" rotWithShape="0">
+              <a:srgbClr val="000000">
+                <a:alpha val="63000"/>
+              </a:srgbClr>
+            </a:outerShdw>
+          </a:effectLst>
+        </a:effectStyle>
+      </a:effectStyleLst>
+      <a:bgFillStyleLst>
+        <a:solidFill>
+          <a:schemeClr val="phClr"/>
+        </a:solidFill>
+        <a:solidFill>
+          <a:schemeClr val="phClr">
+            <a:tint val="95000"/>
+            <a:satMod val="170000"/>
+          </a:schemeClr>
+        </a:solidFill>
+        <a:gradFill rotWithShape="1">
+          <a:gsLst>
+            <a:gs pos="0">
+              <a:schemeClr val="phClr">
+                <a:tint val="93000"/>
+                <a:satMod val="150000"/>
+                <a:shade val="98000"/>
+                <a:lumMod val="102000"/>
+              </a:schemeClr>
+            </a:gs>
+            <a:gs pos="50000">
+              <a:schemeClr val="phClr">
+                <a:tint val="98000"/>
+                <a:satMod val="130000"/>
+                <a:shade val="90000"/>
+                <a:lumMod val="103000"/>
+              </a:schemeClr>
+            </a:gs>
+            <a:gs pos="100000">
+              <a:schemeClr val="phClr">
+                <a:shade val="63000"/>
+                <a:satMod val="120000"/>
+              </a:schemeClr>
+            </a:gs>
+          </a:gsLst>
+          <a:lin ang="5400000" scaled="0"/>
+        </a:gradFill>
+      </a:bgFillStyleLst>
+    </a:fmtScheme>
+  </a:themeElements>
+  <a:objectDefaults/>
+  <a:extraClrSchemeLst/>
+  <a:extLst>
+    <a:ext uri="{05A4C25C-085E-4340-85A3-A5531E510DB2}">
+      <thm15:themeFamily xmlns:thm15="http://schemas.microsoft.com/office/thememl/2012/main" name="Office Theme" id="{62F939B6-93AF-4DB8-9C6B-D6C7DFDC589F}" vid="{4A3C46E8-61CC-4603-A589-7422A47A8E4A}"/>
+    </a:ext>
+  </a:extLst>
+</a:theme>
+</file>
+
 <file path=customXml/item1.xml><?xml version="1.0" encoding="utf-8"?>
+<p:properties xmlns:p="http://schemas.microsoft.com/office/2006/metadata/properties" xmlns:xsi="http://www.w3.org/2001/XMLSchema-instance" xmlns:pc="http://schemas.microsoft.com/office/infopath/2007/PartnerControls">
+  <documentManagement>
+    <SharedWithUsers xmlns="c5db6e03-d0a3-4913-b86c-11462cfaa3f7">
+      <UserInfo>
+        <DisplayName>Deni Myftiu</DisplayName>
+        <AccountId>20</AccountId>
+        <AccountType/>
+      </UserInfo>
+    </SharedWithUsers>
+  </documentManagement>
+</p:properties>
+</file>
+
+<file path=customXml/item2.xml><?xml version="1.0" encoding="utf-8"?>
 <?mso-contentType ?>
 <FormTemplates xmlns="http://schemas.microsoft.com/sharepoint/v3/contenttype/forms">
   <Display>DocumentLibraryForm</Display>
@@ -8202,10 +13739,11 @@
 </FormTemplates>
 </file>
 
-<file path=customXml/item2.xml><?xml version="1.0" encoding="utf-8"?>
-<ct:contentTypeSchema xmlns:ct="http://schemas.microsoft.com/office/2006/metadata/contentType" xmlns:ma="http://schemas.microsoft.com/office/2006/metadata/properties/metaAttributes" ct:_="" ma:_="" ma:contentTypeName="Document" ma:contentTypeID="0x0101005CE2854210FAE64E92B6647CAD6968E2" ma:contentTypeVersion="8" ma:contentTypeDescription="Create a new document." ma:contentTypeScope="" ma:versionID="033af51d6902e3ea2684e986377e0d6e">
-  <xsd:schema xmlns:xsd="http://www.w3.org/2001/XMLSchema" xmlns:xs="http://www.w3.org/2001/XMLSchema" xmlns:p="http://schemas.microsoft.com/office/2006/metadata/properties" xmlns:ns2="5d8c350d-e8cd-4f76-ac25-7766eae22281" targetNamespace="http://schemas.microsoft.com/office/2006/metadata/properties" ma:root="true" ma:fieldsID="dd7c24c0139d32435b8944865fda20a5" ns2:_="">
+<file path=customXml/item3.xml><?xml version="1.0" encoding="utf-8"?>
+<ct:contentTypeSchema xmlns:ct="http://schemas.microsoft.com/office/2006/metadata/contentType" xmlns:ma="http://schemas.microsoft.com/office/2006/metadata/properties/metaAttributes" ct:_="" ma:_="" ma:contentTypeName="Document" ma:contentTypeID="0x0101005CE2854210FAE64E92B6647CAD6968E2" ma:contentTypeVersion="10" ma:contentTypeDescription="Create a new document." ma:contentTypeScope="" ma:versionID="fd0ed81475ae7c53df1df4514ebb94c7">
+  <xsd:schema xmlns:xsd="http://www.w3.org/2001/XMLSchema" xmlns:xs="http://www.w3.org/2001/XMLSchema" xmlns:p="http://schemas.microsoft.com/office/2006/metadata/properties" xmlns:ns2="5d8c350d-e8cd-4f76-ac25-7766eae22281" xmlns:ns3="c5db6e03-d0a3-4913-b86c-11462cfaa3f7" targetNamespace="http://schemas.microsoft.com/office/2006/metadata/properties" ma:root="true" ma:fieldsID="f282975cc9278c7efe514c962b3e4567" ns2:_="" ns3:_="">
     <xsd:import namespace="5d8c350d-e8cd-4f76-ac25-7766eae22281"/>
+    <xsd:import namespace="c5db6e03-d0a3-4913-b86c-11462cfaa3f7"/>
     <xsd:element name="properties">
       <xsd:complexType>
         <xsd:sequence>
@@ -8220,6 +13758,8 @@
                 <xsd:element ref="ns2:MediaServiceOCR" minOccurs="0"/>
                 <xsd:element ref="ns2:MediaServiceAutoKeyPoints" minOccurs="0"/>
                 <xsd:element ref="ns2:MediaServiceKeyPoints" minOccurs="0"/>
+                <xsd:element ref="ns3:SharedWithUsers" minOccurs="0"/>
+                <xsd:element ref="ns3:SharedWithDetails" minOccurs="0"/>
               </xsd:all>
             </xsd:complexType>
           </xsd:element>
@@ -8268,6 +13808,36 @@
       </xsd:simpleType>
     </xsd:element>
     <xsd:element name="MediaServiceKeyPoints" ma:index="15" nillable="true" ma:displayName="KeyPoints" ma:internalName="MediaServiceKeyPoints" ma:readOnly="true">
+      <xsd:simpleType>
+        <xsd:restriction base="dms:Note">
+          <xsd:maxLength value="255"/>
+        </xsd:restriction>
+      </xsd:simpleType>
+    </xsd:element>
+  </xsd:schema>
+  <xsd:schema xmlns:xsd="http://www.w3.org/2001/XMLSchema" xmlns:xs="http://www.w3.org/2001/XMLSchema" xmlns:dms="http://schemas.microsoft.com/office/2006/documentManagement/types" xmlns:pc="http://schemas.microsoft.com/office/infopath/2007/PartnerControls" targetNamespace="c5db6e03-d0a3-4913-b86c-11462cfaa3f7" elementFormDefault="qualified">
+    <xsd:import namespace="http://schemas.microsoft.com/office/2006/documentManagement/types"/>
+    <xsd:import namespace="http://schemas.microsoft.com/office/infopath/2007/PartnerControls"/>
+    <xsd:element name="SharedWithUsers" ma:index="16" nillable="true" ma:displayName="Shared With" ma:internalName="SharedWithUsers" ma:readOnly="true">
+      <xsd:complexType>
+        <xsd:complexContent>
+          <xsd:extension base="dms:UserMulti">
+            <xsd:sequence>
+              <xsd:element name="UserInfo" minOccurs="0" maxOccurs="unbounded">
+                <xsd:complexType>
+                  <xsd:sequence>
+                    <xsd:element name="DisplayName" type="xsd:string" minOccurs="0"/>
+                    <xsd:element name="AccountId" type="dms:UserId" minOccurs="0" nillable="true"/>
+                    <xsd:element name="AccountType" type="xsd:string" minOccurs="0"/>
+                  </xsd:sequence>
+                </xsd:complexType>
+              </xsd:element>
+            </xsd:sequence>
+          </xsd:extension>
+        </xsd:complexContent>
+      </xsd:complexType>
+    </xsd:element>
+    <xsd:element name="SharedWithDetails" ma:index="17" nillable="true" ma:displayName="Shared With Details" ma:internalName="SharedWithDetails" ma:readOnly="true">
       <xsd:simpleType>
         <xsd:restriction base="dms:Note">
           <xsd:maxLength value="255"/>
@@ -8374,13 +13944,17 @@
 </ct:contentTypeSchema>
 </file>
 
-<file path=customXml/item3.xml><?xml version="1.0" encoding="utf-8"?>
-<p:properties xmlns:p="http://schemas.microsoft.com/office/2006/metadata/properties" xmlns:xsi="http://www.w3.org/2001/XMLSchema-instance" xmlns:pc="http://schemas.microsoft.com/office/infopath/2007/PartnerControls">
-  <documentManagement/>
-</p:properties>
+<file path=customXml/itemProps1.xml><?xml version="1.0" encoding="utf-8"?>
+<ds:datastoreItem xmlns:ds="http://schemas.openxmlformats.org/officeDocument/2006/customXml" ds:itemID="{0C813E75-B549-4BB2-ADE9-AC583B95A259}">
+  <ds:schemaRefs>
+    <ds:schemaRef ds:uri="http://schemas.microsoft.com/office/2006/metadata/properties"/>
+    <ds:schemaRef ds:uri="http://schemas.microsoft.com/office/infopath/2007/PartnerControls"/>
+    <ds:schemaRef ds:uri="c5db6e03-d0a3-4913-b86c-11462cfaa3f7"/>
+  </ds:schemaRefs>
+</ds:datastoreItem>
 </file>
 
-<file path=customXml/itemProps1.xml><?xml version="1.0" encoding="utf-8"?>
+<file path=customXml/itemProps2.xml><?xml version="1.0" encoding="utf-8"?>
 <ds:datastoreItem xmlns:ds="http://schemas.openxmlformats.org/officeDocument/2006/customXml" ds:itemID="{E704A8FB-8897-4D5A-8E5F-8B030F42DD7E}">
   <ds:schemaRefs>
     <ds:schemaRef ds:uri="http://schemas.microsoft.com/sharepoint/v3/contenttype/forms"/>
@@ -8388,36 +13962,21 @@
 </ds:datastoreItem>
 </file>
 
-<file path=customXml/itemProps2.xml><?xml version="1.0" encoding="utf-8"?>
-<ds:datastoreItem xmlns:ds="http://schemas.openxmlformats.org/officeDocument/2006/customXml" ds:itemID="{50B93AC6-20F8-403B-9873-F2B65D9901BC}">
+<file path=customXml/itemProps3.xml><?xml version="1.0" encoding="utf-8"?>
+<ds:datastoreItem xmlns:ds="http://schemas.openxmlformats.org/officeDocument/2006/customXml" ds:itemID="{4DB13E9A-08D2-4FCC-A7D7-9F932877D401}">
   <ds:schemaRefs>
+    <ds:schemaRef ds:uri="http://schemas.microsoft.com/office/2006/metadata/contentType"/>
+    <ds:schemaRef ds:uri="http://schemas.microsoft.com/office/2006/metadata/properties/metaAttributes"/>
+    <ds:schemaRef ds:uri="http://www.w3.org/2001/XMLSchema"/>
+    <ds:schemaRef ds:uri="http://schemas.microsoft.com/office/2006/metadata/properties"/>
     <ds:schemaRef ds:uri="5d8c350d-e8cd-4f76-ac25-7766eae22281"/>
+    <ds:schemaRef ds:uri="c5db6e03-d0a3-4913-b86c-11462cfaa3f7"/>
+    <ds:schemaRef ds:uri="http://schemas.microsoft.com/office/2006/documentManagement/types"/>
+    <ds:schemaRef ds:uri="http://schemas.microsoft.com/office/infopath/2007/PartnerControls"/>
+    <ds:schemaRef ds:uri="http://schemas.openxmlformats.org/package/2006/metadata/core-properties"/>
     <ds:schemaRef ds:uri="http://purl.org/dc/elements/1.1/"/>
     <ds:schemaRef ds:uri="http://purl.org/dc/terms/"/>
     <ds:schemaRef ds:uri="http://schemas.microsoft.com/internal/obd"/>
-    <ds:schemaRef ds:uri="http://schemas.microsoft.com/office/2006/documentManagement/types"/>
-    <ds:schemaRef ds:uri="http://schemas.microsoft.com/office/2006/metadata/contentType"/>
-    <ds:schemaRef ds:uri="http://schemas.microsoft.com/office/2006/metadata/properties"/>
-    <ds:schemaRef ds:uri="http://schemas.microsoft.com/office/2006/metadata/properties/metaAttributes"/>
-    <ds:schemaRef ds:uri="http://schemas.microsoft.com/office/infopath/2007/PartnerControls"/>
-    <ds:schemaRef ds:uri="http://schemas.openxmlformats.org/package/2006/metadata/core-properties"/>
-    <ds:schemaRef ds:uri="http://www.w3.org/2001/XMLSchema"/>
-  </ds:schemaRefs>
-</ds:datastoreItem>
-</file>
-
-<file path=customXml/itemProps3.xml><?xml version="1.0" encoding="utf-8"?>
-<ds:datastoreItem xmlns:ds="http://schemas.openxmlformats.org/officeDocument/2006/customXml" ds:itemID="{0C813E75-B549-4BB2-ADE9-AC583B95A259}">
-  <ds:schemaRefs>
-    <ds:schemaRef ds:uri="http://purl.org/dc/dcmitype/"/>
-    <ds:schemaRef ds:uri="http://purl.org/dc/terms/"/>
-    <ds:schemaRef ds:uri="http://schemas.openxmlformats.org/package/2006/metadata/core-properties"/>
-    <ds:schemaRef ds:uri="http://schemas.microsoft.com/office/2006/documentManagement/types"/>
-    <ds:schemaRef ds:uri="http://purl.org/dc/elements/1.1/"/>
-    <ds:schemaRef ds:uri="http://schemas.microsoft.com/office/2006/metadata/properties"/>
-    <ds:schemaRef ds:uri="5d8c350d-e8cd-4f76-ac25-7766eae22281"/>
-    <ds:schemaRef ds:uri="http://schemas.microsoft.com/office/infopath/2007/PartnerControls"/>
-    <ds:schemaRef ds:uri="http://www.w3.org/XML/1998/namespace"/>
   </ds:schemaRefs>
 </ds:datastoreItem>
 </file>